--- a/doc/Other/KMP算法.pptx
+++ b/doc/Other/KMP算法.pptx
@@ -12,6 +12,10 @@
     <p:sldId id="260" r:id="rId6"/>
     <p:sldId id="261" r:id="rId7"/>
     <p:sldId id="262" r:id="rId8"/>
+    <p:sldId id="263" r:id="rId9"/>
+    <p:sldId id="264" r:id="rId10"/>
+    <p:sldId id="265" r:id="rId11"/>
+    <p:sldId id="266" r:id="rId12"/>
   </p:sldIdLst>
   <p:sldSz cx="12192000" cy="6858000"/>
   <p:notesSz cx="6761163" cy="9942513"/>
@@ -332,7 +336,7 @@
             <a:fld id="{B61BEF0D-F0BB-DE4B-95CE-6DB70DBA9567}" type="datetimeFigureOut">
               <a:rPr lang="en-US" dirty="0"/>
               <a:pPr/>
-              <a:t>8/26/2019</a:t>
+              <a:t>8/28/2019</a:t>
             </a:fld>
             <a:endParaRPr lang="en-US" dirty="0"/>
           </a:p>
@@ -620,7 +624,7 @@
             <a:fld id="{B61BEF0D-F0BB-DE4B-95CE-6DB70DBA9567}" type="datetimeFigureOut">
               <a:rPr lang="en-US" dirty="0"/>
               <a:pPr/>
-              <a:t>8/26/2019</a:t>
+              <a:t>8/28/2019</a:t>
             </a:fld>
             <a:endParaRPr lang="en-US" dirty="0"/>
           </a:p>
@@ -876,7 +880,7 @@
             <a:fld id="{B61BEF0D-F0BB-DE4B-95CE-6DB70DBA9567}" type="datetimeFigureOut">
               <a:rPr lang="en-US" dirty="0"/>
               <a:pPr/>
-              <a:t>8/26/2019</a:t>
+              <a:t>8/28/2019</a:t>
             </a:fld>
             <a:endParaRPr lang="en-US" dirty="0"/>
           </a:p>
@@ -1342,7 +1346,7 @@
             <a:fld id="{B61BEF0D-F0BB-DE4B-95CE-6DB70DBA9567}" type="datetimeFigureOut">
               <a:rPr lang="en-US" dirty="0"/>
               <a:pPr/>
-              <a:t>8/26/2019</a:t>
+              <a:t>8/28/2019</a:t>
             </a:fld>
             <a:endParaRPr lang="en-US" dirty="0"/>
           </a:p>
@@ -1519,7 +1523,7 @@
             <a:fld id="{B61BEF0D-F0BB-DE4B-95CE-6DB70DBA9567}" type="datetimeFigureOut">
               <a:rPr lang="en-US" dirty="0"/>
               <a:pPr/>
-              <a:t>8/26/2019</a:t>
+              <a:t>8/28/2019</a:t>
             </a:fld>
             <a:endParaRPr lang="en-US" dirty="0"/>
           </a:p>
@@ -2092,7 +2096,7 @@
             <a:fld id="{B61BEF0D-F0BB-DE4B-95CE-6DB70DBA9567}" type="datetimeFigureOut">
               <a:rPr lang="en-US" dirty="0"/>
               <a:pPr/>
-              <a:t>8/26/2019</a:t>
+              <a:t>8/28/2019</a:t>
             </a:fld>
             <a:endParaRPr lang="en-US" dirty="0"/>
           </a:p>
@@ -2421,7 +2425,7 @@
             <a:fld id="{B61BEF0D-F0BB-DE4B-95CE-6DB70DBA9567}" type="datetimeFigureOut">
               <a:rPr lang="en-US" dirty="0"/>
               <a:pPr/>
-              <a:t>8/26/2019</a:t>
+              <a:t>8/28/2019</a:t>
             </a:fld>
             <a:endParaRPr lang="en-US" dirty="0"/>
           </a:p>
@@ -2593,7 +2597,7 @@
             <a:fld id="{B61BEF0D-F0BB-DE4B-95CE-6DB70DBA9567}" type="datetimeFigureOut">
               <a:rPr lang="en-US" dirty="0"/>
               <a:pPr/>
-              <a:t>8/26/2019</a:t>
+              <a:t>8/28/2019</a:t>
             </a:fld>
             <a:endParaRPr lang="en-US" dirty="0"/>
           </a:p>
@@ -2770,7 +2774,7 @@
             <a:fld id="{B61BEF0D-F0BB-DE4B-95CE-6DB70DBA9567}" type="datetimeFigureOut">
               <a:rPr lang="en-US" dirty="0"/>
               <a:pPr/>
-              <a:t>8/26/2019</a:t>
+              <a:t>8/28/2019</a:t>
             </a:fld>
             <a:endParaRPr lang="en-US" dirty="0"/>
           </a:p>
@@ -2937,7 +2941,7 @@
             <a:fld id="{B61BEF0D-F0BB-DE4B-95CE-6DB70DBA9567}" type="datetimeFigureOut">
               <a:rPr lang="en-US" dirty="0"/>
               <a:pPr/>
-              <a:t>8/26/2019</a:t>
+              <a:t>8/28/2019</a:t>
             </a:fld>
             <a:endParaRPr lang="en-US" dirty="0"/>
           </a:p>
@@ -3191,7 +3195,7 @@
             <a:fld id="{B61BEF0D-F0BB-DE4B-95CE-6DB70DBA9567}" type="datetimeFigureOut">
               <a:rPr lang="en-US" dirty="0"/>
               <a:pPr/>
-              <a:t>8/26/2019</a:t>
+              <a:t>8/28/2019</a:t>
             </a:fld>
             <a:endParaRPr lang="en-US" dirty="0"/>
           </a:p>
@@ -3480,7 +3484,7 @@
             <a:fld id="{B61BEF0D-F0BB-DE4B-95CE-6DB70DBA9567}" type="datetimeFigureOut">
               <a:rPr lang="en-US" dirty="0"/>
               <a:pPr/>
-              <a:t>8/26/2019</a:t>
+              <a:t>8/28/2019</a:t>
             </a:fld>
             <a:endParaRPr lang="en-US" dirty="0"/>
           </a:p>
@@ -3907,7 +3911,7 @@
             <a:fld id="{B61BEF0D-F0BB-DE4B-95CE-6DB70DBA9567}" type="datetimeFigureOut">
               <a:rPr lang="en-US" dirty="0"/>
               <a:pPr/>
-              <a:t>8/26/2019</a:t>
+              <a:t>8/28/2019</a:t>
             </a:fld>
             <a:endParaRPr lang="en-US" dirty="0"/>
           </a:p>
@@ -4022,7 +4026,7 @@
             <a:fld id="{B61BEF0D-F0BB-DE4B-95CE-6DB70DBA9567}" type="datetimeFigureOut">
               <a:rPr lang="en-US" dirty="0"/>
               <a:pPr/>
-              <a:t>8/26/2019</a:t>
+              <a:t>8/28/2019</a:t>
             </a:fld>
             <a:endParaRPr lang="en-US" dirty="0"/>
           </a:p>
@@ -4114,7 +4118,7 @@
             <a:fld id="{B61BEF0D-F0BB-DE4B-95CE-6DB70DBA9567}" type="datetimeFigureOut">
               <a:rPr lang="en-US" dirty="0"/>
               <a:pPr/>
-              <a:t>8/26/2019</a:t>
+              <a:t>8/28/2019</a:t>
             </a:fld>
             <a:endParaRPr lang="en-US" dirty="0"/>
           </a:p>
@@ -4394,7 +4398,7 @@
             <a:fld id="{B61BEF0D-F0BB-DE4B-95CE-6DB70DBA9567}" type="datetimeFigureOut">
               <a:rPr lang="en-US" dirty="0"/>
               <a:pPr/>
-              <a:t>8/26/2019</a:t>
+              <a:t>8/28/2019</a:t>
             </a:fld>
             <a:endParaRPr lang="en-US" dirty="0"/>
           </a:p>
@@ -4682,7 +4686,7 @@
             <a:fld id="{B61BEF0D-F0BB-DE4B-95CE-6DB70DBA9567}" type="datetimeFigureOut">
               <a:rPr lang="en-US" dirty="0"/>
               <a:pPr/>
-              <a:t>8/26/2019</a:t>
+              <a:t>8/28/2019</a:t>
             </a:fld>
             <a:endParaRPr lang="en-US" dirty="0"/>
           </a:p>
@@ -4910,7 +4914,7 @@
             <a:fld id="{B61BEF0D-F0BB-DE4B-95CE-6DB70DBA9567}" type="datetimeFigureOut">
               <a:rPr lang="en-US" dirty="0"/>
               <a:pPr/>
-              <a:t>8/26/2019</a:t>
+              <a:t>8/28/2019</a:t>
             </a:fld>
             <a:endParaRPr lang="en-US" dirty="0"/>
           </a:p>
@@ -5801,6 +5805,1767 @@
 </p:sld>
 </file>
 
+<file path=ppt/slides/slide10.xml><?xml version="1.0" encoding="utf-8"?>
+<p:sld xmlns:a="http://schemas.openxmlformats.org/drawingml/2006/main" xmlns:r="http://schemas.openxmlformats.org/officeDocument/2006/relationships" xmlns:p="http://schemas.openxmlformats.org/presentationml/2006/main">
+  <p:cSld>
+    <p:spTree>
+      <p:nvGrpSpPr>
+        <p:cNvPr id="1" name=""/>
+        <p:cNvGrpSpPr/>
+        <p:nvPr/>
+      </p:nvGrpSpPr>
+      <p:grpSpPr>
+        <a:xfrm>
+          <a:off x="0" y="0"/>
+          <a:ext cx="0" cy="0"/>
+          <a:chOff x="0" y="0"/>
+          <a:chExt cx="0" cy="0"/>
+        </a:xfrm>
+      </p:grpSpPr>
+      <p:pic>
+        <p:nvPicPr>
+          <p:cNvPr id="4" name="图片 3">
+            <a:extLst>
+              <a:ext uri="{FF2B5EF4-FFF2-40B4-BE49-F238E27FC236}">
+                <a16:creationId xmlns:a16="http://schemas.microsoft.com/office/drawing/2014/main" id="{0C9446A9-4A81-4383-A446-FCE6E6FF8CF3}"/>
+              </a:ext>
+            </a:extLst>
+          </p:cNvPr>
+          <p:cNvPicPr>
+            <a:picLocks noChangeAspect="1"/>
+          </p:cNvPicPr>
+          <p:nvPr/>
+        </p:nvPicPr>
+        <p:blipFill>
+          <a:blip r:embed="rId2"/>
+          <a:stretch>
+            <a:fillRect/>
+          </a:stretch>
+        </p:blipFill>
+        <p:spPr>
+          <a:xfrm>
+            <a:off x="2526821" y="1146220"/>
+            <a:ext cx="5647417" cy="1736400"/>
+          </a:xfrm>
+          <a:prstGeom prst="rect">
+            <a:avLst/>
+          </a:prstGeom>
+        </p:spPr>
+      </p:pic>
+      <p:sp>
+        <p:nvSpPr>
+          <p:cNvPr id="5" name="矩形 4">
+            <a:extLst>
+              <a:ext uri="{FF2B5EF4-FFF2-40B4-BE49-F238E27FC236}">
+                <a16:creationId xmlns:a16="http://schemas.microsoft.com/office/drawing/2014/main" id="{72DE01F5-10AE-4841-BB80-7DEC5F618BA3}"/>
+              </a:ext>
+            </a:extLst>
+          </p:cNvPr>
+          <p:cNvSpPr/>
+          <p:nvPr/>
+        </p:nvSpPr>
+        <p:spPr>
+          <a:xfrm>
+            <a:off x="8500057" y="1497067"/>
+            <a:ext cx="1790163" cy="369332"/>
+          </a:xfrm>
+          <a:prstGeom prst="rect">
+            <a:avLst/>
+          </a:prstGeom>
+        </p:spPr>
+        <p:style>
+          <a:lnRef idx="2">
+            <a:schemeClr val="accent6">
+              <a:shade val="50000"/>
+            </a:schemeClr>
+          </a:lnRef>
+          <a:fillRef idx="1">
+            <a:schemeClr val="accent6"/>
+          </a:fillRef>
+          <a:effectRef idx="0">
+            <a:schemeClr val="accent6"/>
+          </a:effectRef>
+          <a:fontRef idx="minor">
+            <a:schemeClr val="lt1"/>
+          </a:fontRef>
+        </p:style>
+        <p:txBody>
+          <a:bodyPr wrap="square">
+            <a:spAutoFit/>
+          </a:bodyPr>
+          <a:lstStyle/>
+          <a:p>
+            <a:r>
+              <a:rPr lang="en-US" altLang="zh-CN" dirty="0">
+                <a:solidFill>
+                  <a:schemeClr val="tx1"/>
+                </a:solidFill>
+                <a:latin typeface=" Hermit Light"/>
+              </a:rPr>
+              <a:t>P[k]==P[j]</a:t>
+            </a:r>
+            <a:endParaRPr lang="zh-CN" altLang="en-US" b="0" dirty="0">
+              <a:solidFill>
+                <a:schemeClr val="tx1"/>
+              </a:solidFill>
+              <a:effectLst/>
+              <a:latin typeface=" Hermit Light"/>
+            </a:endParaRPr>
+          </a:p>
+        </p:txBody>
+      </p:sp>
+      <p:pic>
+        <p:nvPicPr>
+          <p:cNvPr id="6" name="图片 5">
+            <a:extLst>
+              <a:ext uri="{FF2B5EF4-FFF2-40B4-BE49-F238E27FC236}">
+                <a16:creationId xmlns:a16="http://schemas.microsoft.com/office/drawing/2014/main" id="{549B9511-FF57-40FE-9316-4BA508E65B49}"/>
+              </a:ext>
+            </a:extLst>
+          </p:cNvPr>
+          <p:cNvPicPr>
+            <a:picLocks noChangeAspect="1"/>
+          </p:cNvPicPr>
+          <p:nvPr/>
+        </p:nvPicPr>
+        <p:blipFill>
+          <a:blip r:embed="rId3"/>
+          <a:stretch>
+            <a:fillRect/>
+          </a:stretch>
+        </p:blipFill>
+        <p:spPr>
+          <a:xfrm>
+            <a:off x="2526821" y="3576136"/>
+            <a:ext cx="5647419" cy="1736400"/>
+          </a:xfrm>
+          <a:prstGeom prst="rect">
+            <a:avLst/>
+          </a:prstGeom>
+        </p:spPr>
+      </p:pic>
+      <p:grpSp>
+        <p:nvGrpSpPr>
+          <p:cNvPr id="8" name="组合 7">
+            <a:extLst>
+              <a:ext uri="{FF2B5EF4-FFF2-40B4-BE49-F238E27FC236}">
+                <a16:creationId xmlns:a16="http://schemas.microsoft.com/office/drawing/2014/main" id="{64AB8331-3653-4BC7-AABE-48534CC8EA7B}"/>
+              </a:ext>
+            </a:extLst>
+          </p:cNvPr>
+          <p:cNvGrpSpPr/>
+          <p:nvPr/>
+        </p:nvGrpSpPr>
+        <p:grpSpPr>
+          <a:xfrm>
+            <a:off x="6657924" y="2758571"/>
+            <a:ext cx="322524" cy="670429"/>
+            <a:chOff x="11081994" y="3713408"/>
+            <a:chExt cx="322524" cy="670429"/>
+          </a:xfrm>
+        </p:grpSpPr>
+        <p:sp>
+          <p:nvSpPr>
+            <p:cNvPr id="9" name="箭头: 上 8">
+              <a:extLst>
+                <a:ext uri="{FF2B5EF4-FFF2-40B4-BE49-F238E27FC236}">
+                  <a16:creationId xmlns:a16="http://schemas.microsoft.com/office/drawing/2014/main" id="{23408078-7ABD-4F97-A65F-B476B205E5D0}"/>
+                </a:ext>
+              </a:extLst>
+            </p:cNvPr>
+            <p:cNvSpPr/>
+            <p:nvPr/>
+          </p:nvSpPr>
+          <p:spPr>
+            <a:xfrm>
+              <a:off x="11129493" y="3713408"/>
+              <a:ext cx="227527" cy="352023"/>
+            </a:xfrm>
+            <a:prstGeom prst="upArrow">
+              <a:avLst/>
+            </a:prstGeom>
+          </p:spPr>
+          <p:style>
+            <a:lnRef idx="2">
+              <a:schemeClr val="accent6">
+                <a:shade val="50000"/>
+              </a:schemeClr>
+            </a:lnRef>
+            <a:fillRef idx="1">
+              <a:schemeClr val="accent6"/>
+            </a:fillRef>
+            <a:effectRef idx="0">
+              <a:schemeClr val="accent6"/>
+            </a:effectRef>
+            <a:fontRef idx="minor">
+              <a:schemeClr val="lt1"/>
+            </a:fontRef>
+          </p:style>
+          <p:txBody>
+            <a:bodyPr rtlCol="0" anchor="ctr"/>
+            <a:lstStyle/>
+            <a:p>
+              <a:pPr algn="ctr"/>
+              <a:endParaRPr lang="zh-CN" altLang="en-US" dirty="0"/>
+            </a:p>
+          </p:txBody>
+        </p:sp>
+        <p:sp>
+          <p:nvSpPr>
+            <p:cNvPr id="10" name="文本框 9">
+              <a:extLst>
+                <a:ext uri="{FF2B5EF4-FFF2-40B4-BE49-F238E27FC236}">
+                  <a16:creationId xmlns:a16="http://schemas.microsoft.com/office/drawing/2014/main" id="{A9922DCE-D601-4309-BC09-B071B698F36C}"/>
+                </a:ext>
+              </a:extLst>
+            </p:cNvPr>
+            <p:cNvSpPr txBox="1"/>
+            <p:nvPr/>
+          </p:nvSpPr>
+          <p:spPr>
+            <a:xfrm>
+              <a:off x="11081994" y="4014505"/>
+              <a:ext cx="322524" cy="369332"/>
+            </a:xfrm>
+            <a:prstGeom prst="rect">
+              <a:avLst/>
+            </a:prstGeom>
+            <a:noFill/>
+          </p:spPr>
+          <p:txBody>
+            <a:bodyPr wrap="none" rtlCol="0">
+              <a:spAutoFit/>
+            </a:bodyPr>
+            <a:lstStyle/>
+            <a:p>
+              <a:r>
+                <a:rPr lang="en-US" altLang="zh-CN" dirty="0">
+                  <a:latin typeface="Source Code Pro" panose="020B0509030403020204" pitchFamily="49" charset="0"/>
+                  <a:ea typeface="Source Code Pro" panose="020B0509030403020204" pitchFamily="49" charset="0"/>
+                </a:rPr>
+                <a:t>j</a:t>
+              </a:r>
+              <a:endParaRPr lang="zh-CN" altLang="en-US" dirty="0">
+                <a:latin typeface="Source Code Pro" panose="020B0509030403020204" pitchFamily="49" charset="0"/>
+              </a:endParaRPr>
+            </a:p>
+          </p:txBody>
+        </p:sp>
+      </p:grpSp>
+      <p:grpSp>
+        <p:nvGrpSpPr>
+          <p:cNvPr id="11" name="组合 10">
+            <a:extLst>
+              <a:ext uri="{FF2B5EF4-FFF2-40B4-BE49-F238E27FC236}">
+                <a16:creationId xmlns:a16="http://schemas.microsoft.com/office/drawing/2014/main" id="{06219AEF-772F-4B14-A00B-5E8BD87A5107}"/>
+              </a:ext>
+            </a:extLst>
+          </p:cNvPr>
+          <p:cNvGrpSpPr/>
+          <p:nvPr/>
+        </p:nvGrpSpPr>
+        <p:grpSpPr>
+          <a:xfrm>
+            <a:off x="4432202" y="662646"/>
+            <a:ext cx="322524" cy="724667"/>
+            <a:chOff x="8220738" y="1693622"/>
+            <a:chExt cx="322524" cy="724667"/>
+          </a:xfrm>
+        </p:grpSpPr>
+        <p:sp>
+          <p:nvSpPr>
+            <p:cNvPr id="12" name="箭头: 下 11">
+              <a:extLst>
+                <a:ext uri="{FF2B5EF4-FFF2-40B4-BE49-F238E27FC236}">
+                  <a16:creationId xmlns:a16="http://schemas.microsoft.com/office/drawing/2014/main" id="{87C9A904-EE07-4979-A280-4A993DAC0D64}"/>
+                </a:ext>
+              </a:extLst>
+            </p:cNvPr>
+            <p:cNvSpPr/>
+            <p:nvPr/>
+          </p:nvSpPr>
+          <p:spPr>
+            <a:xfrm>
+              <a:off x="8259651" y="2008124"/>
+              <a:ext cx="244698" cy="410165"/>
+            </a:xfrm>
+            <a:prstGeom prst="downArrow">
+              <a:avLst/>
+            </a:prstGeom>
+          </p:spPr>
+          <p:style>
+            <a:lnRef idx="2">
+              <a:schemeClr val="accent6">
+                <a:shade val="50000"/>
+              </a:schemeClr>
+            </a:lnRef>
+            <a:fillRef idx="1">
+              <a:schemeClr val="accent6"/>
+            </a:fillRef>
+            <a:effectRef idx="0">
+              <a:schemeClr val="accent6"/>
+            </a:effectRef>
+            <a:fontRef idx="minor">
+              <a:schemeClr val="lt1"/>
+            </a:fontRef>
+          </p:style>
+          <p:txBody>
+            <a:bodyPr rtlCol="0" anchor="ctr"/>
+            <a:lstStyle/>
+            <a:p>
+              <a:pPr algn="ctr"/>
+              <a:endParaRPr lang="zh-CN" altLang="en-US"/>
+            </a:p>
+          </p:txBody>
+        </p:sp>
+        <p:sp>
+          <p:nvSpPr>
+            <p:cNvPr id="13" name="文本框 12">
+              <a:extLst>
+                <a:ext uri="{FF2B5EF4-FFF2-40B4-BE49-F238E27FC236}">
+                  <a16:creationId xmlns:a16="http://schemas.microsoft.com/office/drawing/2014/main" id="{7B67B9E3-46DC-4FF6-9BDE-21B42CB82D30}"/>
+                </a:ext>
+              </a:extLst>
+            </p:cNvPr>
+            <p:cNvSpPr txBox="1"/>
+            <p:nvPr/>
+          </p:nvSpPr>
+          <p:spPr>
+            <a:xfrm>
+              <a:off x="8220738" y="1693622"/>
+              <a:ext cx="322524" cy="369332"/>
+            </a:xfrm>
+            <a:prstGeom prst="rect">
+              <a:avLst/>
+            </a:prstGeom>
+            <a:noFill/>
+          </p:spPr>
+          <p:txBody>
+            <a:bodyPr wrap="none" rtlCol="0">
+              <a:spAutoFit/>
+            </a:bodyPr>
+            <a:lstStyle/>
+            <a:p>
+              <a:r>
+                <a:rPr lang="en-US" altLang="zh-CN" dirty="0">
+                  <a:latin typeface="Source Code Pro" panose="020B0509030403020204" pitchFamily="49" charset="0"/>
+                </a:rPr>
+                <a:t>k</a:t>
+              </a:r>
+              <a:endParaRPr lang="zh-CN" altLang="en-US" dirty="0">
+                <a:latin typeface="Source Code Pro" panose="020B0509030403020204" pitchFamily="49" charset="0"/>
+              </a:endParaRPr>
+            </a:p>
+          </p:txBody>
+        </p:sp>
+      </p:grpSp>
+      <p:sp>
+        <p:nvSpPr>
+          <p:cNvPr id="15" name="箭头: 下 14">
+            <a:extLst>
+              <a:ext uri="{FF2B5EF4-FFF2-40B4-BE49-F238E27FC236}">
+                <a16:creationId xmlns:a16="http://schemas.microsoft.com/office/drawing/2014/main" id="{B5729D65-AAED-4E4D-BBC5-4E240856C7B8}"/>
+              </a:ext>
+            </a:extLst>
+          </p:cNvPr>
+          <p:cNvSpPr/>
+          <p:nvPr/>
+        </p:nvSpPr>
+        <p:spPr>
+          <a:xfrm>
+            <a:off x="8980867" y="1949002"/>
+            <a:ext cx="734096" cy="1736400"/>
+          </a:xfrm>
+          <a:prstGeom prst="downArrow">
+            <a:avLst/>
+          </a:prstGeom>
+        </p:spPr>
+        <p:style>
+          <a:lnRef idx="2">
+            <a:schemeClr val="accent5">
+              <a:shade val="50000"/>
+            </a:schemeClr>
+          </a:lnRef>
+          <a:fillRef idx="1">
+            <a:schemeClr val="accent5"/>
+          </a:fillRef>
+          <a:effectRef idx="0">
+            <a:schemeClr val="accent5"/>
+          </a:effectRef>
+          <a:fontRef idx="minor">
+            <a:schemeClr val="lt1"/>
+          </a:fontRef>
+        </p:style>
+        <p:txBody>
+          <a:bodyPr rtlCol="0" anchor="ctr"/>
+          <a:lstStyle/>
+          <a:p>
+            <a:pPr algn="ctr"/>
+            <a:endParaRPr lang="zh-CN" altLang="en-US"/>
+          </a:p>
+        </p:txBody>
+      </p:sp>
+      <p:grpSp>
+        <p:nvGrpSpPr>
+          <p:cNvPr id="16" name="组合 15">
+            <a:extLst>
+              <a:ext uri="{FF2B5EF4-FFF2-40B4-BE49-F238E27FC236}">
+                <a16:creationId xmlns:a16="http://schemas.microsoft.com/office/drawing/2014/main" id="{ECE4133A-BA59-4CF7-A9C3-C279AC4BD3D1}"/>
+              </a:ext>
+            </a:extLst>
+          </p:cNvPr>
+          <p:cNvGrpSpPr/>
+          <p:nvPr/>
+        </p:nvGrpSpPr>
+        <p:grpSpPr>
+          <a:xfrm>
+            <a:off x="7291136" y="5216289"/>
+            <a:ext cx="598241" cy="680157"/>
+            <a:chOff x="10978963" y="3713408"/>
+            <a:chExt cx="598241" cy="680157"/>
+          </a:xfrm>
+        </p:grpSpPr>
+        <p:sp>
+          <p:nvSpPr>
+            <p:cNvPr id="17" name="箭头: 上 16">
+              <a:extLst>
+                <a:ext uri="{FF2B5EF4-FFF2-40B4-BE49-F238E27FC236}">
+                  <a16:creationId xmlns:a16="http://schemas.microsoft.com/office/drawing/2014/main" id="{0A74005F-3211-4594-957B-48AFBCC3F74B}"/>
+                </a:ext>
+              </a:extLst>
+            </p:cNvPr>
+            <p:cNvSpPr/>
+            <p:nvPr/>
+          </p:nvSpPr>
+          <p:spPr>
+            <a:xfrm>
+              <a:off x="11129493" y="3713408"/>
+              <a:ext cx="227527" cy="352023"/>
+            </a:xfrm>
+            <a:prstGeom prst="upArrow">
+              <a:avLst/>
+            </a:prstGeom>
+          </p:spPr>
+          <p:style>
+            <a:lnRef idx="2">
+              <a:schemeClr val="accent6">
+                <a:shade val="50000"/>
+              </a:schemeClr>
+            </a:lnRef>
+            <a:fillRef idx="1">
+              <a:schemeClr val="accent6"/>
+            </a:fillRef>
+            <a:effectRef idx="0">
+              <a:schemeClr val="accent6"/>
+            </a:effectRef>
+            <a:fontRef idx="minor">
+              <a:schemeClr val="lt1"/>
+            </a:fontRef>
+          </p:style>
+          <p:txBody>
+            <a:bodyPr rtlCol="0" anchor="ctr"/>
+            <a:lstStyle/>
+            <a:p>
+              <a:pPr algn="ctr"/>
+              <a:endParaRPr lang="zh-CN" altLang="en-US" dirty="0"/>
+            </a:p>
+          </p:txBody>
+        </p:sp>
+        <p:sp>
+          <p:nvSpPr>
+            <p:cNvPr id="18" name="文本框 17">
+              <a:extLst>
+                <a:ext uri="{FF2B5EF4-FFF2-40B4-BE49-F238E27FC236}">
+                  <a16:creationId xmlns:a16="http://schemas.microsoft.com/office/drawing/2014/main" id="{369D117B-A679-428B-B0C6-09F227FF97AB}"/>
+                </a:ext>
+              </a:extLst>
+            </p:cNvPr>
+            <p:cNvSpPr txBox="1"/>
+            <p:nvPr/>
+          </p:nvSpPr>
+          <p:spPr>
+            <a:xfrm>
+              <a:off x="10978963" y="4024233"/>
+              <a:ext cx="598241" cy="369332"/>
+            </a:xfrm>
+            <a:prstGeom prst="rect">
+              <a:avLst/>
+            </a:prstGeom>
+            <a:noFill/>
+          </p:spPr>
+          <p:txBody>
+            <a:bodyPr wrap="none" rtlCol="0">
+              <a:spAutoFit/>
+            </a:bodyPr>
+            <a:lstStyle/>
+            <a:p>
+              <a:r>
+                <a:rPr lang="en-US" altLang="zh-CN" dirty="0">
+                  <a:solidFill>
+                    <a:srgbClr val="00B0F0"/>
+                  </a:solidFill>
+                  <a:latin typeface="Source Code Pro" panose="020B0509030403020204" pitchFamily="49" charset="0"/>
+                  <a:ea typeface="Source Code Pro" panose="020B0509030403020204" pitchFamily="49" charset="0"/>
+                </a:rPr>
+                <a:t>j+1</a:t>
+              </a:r>
+              <a:endParaRPr lang="zh-CN" altLang="en-US" dirty="0">
+                <a:solidFill>
+                  <a:srgbClr val="00B0F0"/>
+                </a:solidFill>
+                <a:latin typeface="Source Code Pro" panose="020B0509030403020204" pitchFamily="49" charset="0"/>
+              </a:endParaRPr>
+            </a:p>
+          </p:txBody>
+        </p:sp>
+      </p:grpSp>
+      <p:grpSp>
+        <p:nvGrpSpPr>
+          <p:cNvPr id="20" name="组合 19">
+            <a:extLst>
+              <a:ext uri="{FF2B5EF4-FFF2-40B4-BE49-F238E27FC236}">
+                <a16:creationId xmlns:a16="http://schemas.microsoft.com/office/drawing/2014/main" id="{1A06DA50-2E90-4C66-9440-C8ECB0CA2ECB}"/>
+              </a:ext>
+            </a:extLst>
+          </p:cNvPr>
+          <p:cNvGrpSpPr/>
+          <p:nvPr/>
+        </p:nvGrpSpPr>
+        <p:grpSpPr>
+          <a:xfrm>
+            <a:off x="5051408" y="5228233"/>
+            <a:ext cx="598241" cy="680157"/>
+            <a:chOff x="10978963" y="3713408"/>
+            <a:chExt cx="598241" cy="680157"/>
+          </a:xfrm>
+        </p:grpSpPr>
+        <p:sp>
+          <p:nvSpPr>
+            <p:cNvPr id="21" name="箭头: 上 20">
+              <a:extLst>
+                <a:ext uri="{FF2B5EF4-FFF2-40B4-BE49-F238E27FC236}">
+                  <a16:creationId xmlns:a16="http://schemas.microsoft.com/office/drawing/2014/main" id="{12F946D3-C8AB-4A1B-BBE6-F42669D51A8E}"/>
+                </a:ext>
+              </a:extLst>
+            </p:cNvPr>
+            <p:cNvSpPr/>
+            <p:nvPr/>
+          </p:nvSpPr>
+          <p:spPr>
+            <a:xfrm>
+              <a:off x="11129493" y="3713408"/>
+              <a:ext cx="227527" cy="352023"/>
+            </a:xfrm>
+            <a:prstGeom prst="upArrow">
+              <a:avLst/>
+            </a:prstGeom>
+          </p:spPr>
+          <p:style>
+            <a:lnRef idx="2">
+              <a:schemeClr val="accent6">
+                <a:shade val="50000"/>
+              </a:schemeClr>
+            </a:lnRef>
+            <a:fillRef idx="1">
+              <a:schemeClr val="accent6"/>
+            </a:fillRef>
+            <a:effectRef idx="0">
+              <a:schemeClr val="accent6"/>
+            </a:effectRef>
+            <a:fontRef idx="minor">
+              <a:schemeClr val="lt1"/>
+            </a:fontRef>
+          </p:style>
+          <p:txBody>
+            <a:bodyPr rtlCol="0" anchor="ctr"/>
+            <a:lstStyle/>
+            <a:p>
+              <a:pPr algn="ctr"/>
+              <a:endParaRPr lang="zh-CN" altLang="en-US" dirty="0"/>
+            </a:p>
+          </p:txBody>
+        </p:sp>
+        <p:sp>
+          <p:nvSpPr>
+            <p:cNvPr id="22" name="文本框 21">
+              <a:extLst>
+                <a:ext uri="{FF2B5EF4-FFF2-40B4-BE49-F238E27FC236}">
+                  <a16:creationId xmlns:a16="http://schemas.microsoft.com/office/drawing/2014/main" id="{45B22214-179D-4333-B1B5-3632CA19DDAE}"/>
+                </a:ext>
+              </a:extLst>
+            </p:cNvPr>
+            <p:cNvSpPr txBox="1"/>
+            <p:nvPr/>
+          </p:nvSpPr>
+          <p:spPr>
+            <a:xfrm>
+              <a:off x="10978963" y="4024233"/>
+              <a:ext cx="598241" cy="369332"/>
+            </a:xfrm>
+            <a:prstGeom prst="rect">
+              <a:avLst/>
+            </a:prstGeom>
+            <a:noFill/>
+          </p:spPr>
+          <p:txBody>
+            <a:bodyPr wrap="none" rtlCol="0">
+              <a:spAutoFit/>
+            </a:bodyPr>
+            <a:lstStyle/>
+            <a:p>
+              <a:r>
+                <a:rPr lang="en-US" altLang="zh-CN" dirty="0">
+                  <a:solidFill>
+                    <a:srgbClr val="00B0F0"/>
+                  </a:solidFill>
+                  <a:latin typeface="Source Code Pro" panose="020B0509030403020204" pitchFamily="49" charset="0"/>
+                  <a:ea typeface="Source Code Pro" panose="020B0509030403020204" pitchFamily="49" charset="0"/>
+                </a:rPr>
+                <a:t>k+1</a:t>
+              </a:r>
+              <a:endParaRPr lang="zh-CN" altLang="en-US" dirty="0">
+                <a:solidFill>
+                  <a:srgbClr val="00B0F0"/>
+                </a:solidFill>
+                <a:latin typeface="Source Code Pro" panose="020B0509030403020204" pitchFamily="49" charset="0"/>
+              </a:endParaRPr>
+            </a:p>
+          </p:txBody>
+        </p:sp>
+      </p:grpSp>
+      <p:sp>
+        <p:nvSpPr>
+          <p:cNvPr id="23" name="矩形 22">
+            <a:extLst>
+              <a:ext uri="{FF2B5EF4-FFF2-40B4-BE49-F238E27FC236}">
+                <a16:creationId xmlns:a16="http://schemas.microsoft.com/office/drawing/2014/main" id="{72E55918-C322-43E2-A7E8-3DC204CC55F4}"/>
+              </a:ext>
+            </a:extLst>
+          </p:cNvPr>
+          <p:cNvSpPr/>
+          <p:nvPr/>
+        </p:nvSpPr>
+        <p:spPr>
+          <a:xfrm>
+            <a:off x="8448540" y="4101733"/>
+            <a:ext cx="3185375" cy="369332"/>
+          </a:xfrm>
+          <a:prstGeom prst="rect">
+            <a:avLst/>
+          </a:prstGeom>
+        </p:spPr>
+        <p:style>
+          <a:lnRef idx="2">
+            <a:schemeClr val="accent6">
+              <a:shade val="50000"/>
+            </a:schemeClr>
+          </a:lnRef>
+          <a:fillRef idx="1">
+            <a:schemeClr val="accent6"/>
+          </a:fillRef>
+          <a:effectRef idx="0">
+            <a:schemeClr val="accent6"/>
+          </a:effectRef>
+          <a:fontRef idx="minor">
+            <a:schemeClr val="lt1"/>
+          </a:fontRef>
+        </p:style>
+        <p:txBody>
+          <a:bodyPr wrap="square">
+            <a:spAutoFit/>
+          </a:bodyPr>
+          <a:lstStyle/>
+          <a:p>
+            <a:r>
+              <a:rPr lang="en-US" altLang="zh-CN" dirty="0">
+                <a:solidFill>
+                  <a:schemeClr val="tx1"/>
+                </a:solidFill>
+                <a:latin typeface=" Hermit Light"/>
+              </a:rPr>
+              <a:t>next[j+1]==k+1</a:t>
+            </a:r>
+            <a:endParaRPr lang="zh-CN" altLang="en-US" b="0" dirty="0">
+              <a:solidFill>
+                <a:schemeClr val="tx1"/>
+              </a:solidFill>
+              <a:effectLst/>
+              <a:latin typeface=" Hermit Light"/>
+            </a:endParaRPr>
+          </a:p>
+        </p:txBody>
+      </p:sp>
+      <p:sp>
+        <p:nvSpPr>
+          <p:cNvPr id="24" name="矩形 23">
+            <a:extLst>
+              <a:ext uri="{FF2B5EF4-FFF2-40B4-BE49-F238E27FC236}">
+                <a16:creationId xmlns:a16="http://schemas.microsoft.com/office/drawing/2014/main" id="{BE4C5D4A-123A-4E52-9C4C-ED83FBFDA8C2}"/>
+              </a:ext>
+            </a:extLst>
+          </p:cNvPr>
+          <p:cNvSpPr/>
+          <p:nvPr/>
+        </p:nvSpPr>
+        <p:spPr>
+          <a:xfrm>
+            <a:off x="6048777" y="153131"/>
+            <a:ext cx="5647417" cy="646331"/>
+          </a:xfrm>
+          <a:prstGeom prst="rect">
+            <a:avLst/>
+          </a:prstGeom>
+        </p:spPr>
+        <p:style>
+          <a:lnRef idx="2">
+            <a:schemeClr val="accent6">
+              <a:shade val="50000"/>
+            </a:schemeClr>
+          </a:lnRef>
+          <a:fillRef idx="1">
+            <a:schemeClr val="accent6"/>
+          </a:fillRef>
+          <a:effectRef idx="0">
+            <a:schemeClr val="accent6"/>
+          </a:effectRef>
+          <a:fontRef idx="minor">
+            <a:schemeClr val="lt1"/>
+          </a:fontRef>
+        </p:style>
+        <p:txBody>
+          <a:bodyPr wrap="square">
+            <a:spAutoFit/>
+          </a:bodyPr>
+          <a:lstStyle/>
+          <a:p>
+            <a:r>
+              <a:rPr lang="en-US" altLang="zh-CN" dirty="0">
+                <a:solidFill>
+                  <a:schemeClr val="tx1"/>
+                </a:solidFill>
+                <a:latin typeface=" Hermit Light"/>
+              </a:rPr>
+              <a:t>next[j]=k</a:t>
+            </a:r>
+            <a:r>
+              <a:rPr lang="zh-CN" altLang="en-US" dirty="0">
+                <a:solidFill>
+                  <a:schemeClr val="tx1"/>
+                </a:solidFill>
+                <a:latin typeface=" Hermit Light"/>
+              </a:rPr>
+              <a:t>表示当</a:t>
+            </a:r>
+            <a:r>
+              <a:rPr lang="en-US" altLang="zh-CN" dirty="0">
+                <a:solidFill>
+                  <a:schemeClr val="tx1"/>
+                </a:solidFill>
+                <a:latin typeface=" Hermit Light"/>
+              </a:rPr>
+              <a:t>P[j]!=T[</a:t>
+            </a:r>
+            <a:r>
+              <a:rPr lang="en-US" altLang="zh-CN" dirty="0" err="1">
+                <a:solidFill>
+                  <a:schemeClr val="tx1"/>
+                </a:solidFill>
+                <a:latin typeface=" Hermit Light"/>
+              </a:rPr>
+              <a:t>i</a:t>
+            </a:r>
+            <a:r>
+              <a:rPr lang="en-US" altLang="zh-CN" dirty="0">
+                <a:solidFill>
+                  <a:schemeClr val="tx1"/>
+                </a:solidFill>
+                <a:latin typeface=" Hermit Light"/>
+              </a:rPr>
+              <a:t>] </a:t>
+            </a:r>
+            <a:r>
+              <a:rPr lang="zh-CN" altLang="en-US" dirty="0">
+                <a:solidFill>
+                  <a:schemeClr val="tx1"/>
+                </a:solidFill>
+                <a:latin typeface=" Hermit Light"/>
+              </a:rPr>
+              <a:t>时候，</a:t>
+            </a:r>
+            <a:r>
+              <a:rPr lang="en-US" altLang="zh-CN" dirty="0">
+                <a:solidFill>
+                  <a:schemeClr val="tx1"/>
+                </a:solidFill>
+                <a:latin typeface=" Hermit Light"/>
+              </a:rPr>
+              <a:t>j</a:t>
+            </a:r>
+            <a:r>
+              <a:rPr lang="zh-CN" altLang="en-US" dirty="0">
+                <a:solidFill>
+                  <a:schemeClr val="tx1"/>
+                </a:solidFill>
+                <a:latin typeface=" Hermit Light"/>
+              </a:rPr>
+              <a:t>要回到</a:t>
+            </a:r>
+            <a:r>
+              <a:rPr lang="en-US" altLang="zh-CN" dirty="0">
+                <a:solidFill>
+                  <a:schemeClr val="tx1"/>
+                </a:solidFill>
+                <a:latin typeface=" Hermit Light"/>
+              </a:rPr>
+              <a:t>k</a:t>
+            </a:r>
+            <a:r>
+              <a:rPr lang="zh-CN" altLang="en-US" dirty="0">
+                <a:solidFill>
+                  <a:schemeClr val="tx1"/>
+                </a:solidFill>
+                <a:latin typeface=" Hermit Light"/>
+              </a:rPr>
+              <a:t>那个位置</a:t>
+            </a:r>
+            <a:endParaRPr lang="zh-CN" altLang="en-US" b="0" dirty="0">
+              <a:solidFill>
+                <a:schemeClr val="tx1"/>
+              </a:solidFill>
+              <a:effectLst/>
+              <a:latin typeface=" Hermit Light"/>
+            </a:endParaRPr>
+          </a:p>
+        </p:txBody>
+      </p:sp>
+      <p:sp>
+        <p:nvSpPr>
+          <p:cNvPr id="25" name="矩形 24">
+            <a:extLst>
+              <a:ext uri="{FF2B5EF4-FFF2-40B4-BE49-F238E27FC236}">
+                <a16:creationId xmlns:a16="http://schemas.microsoft.com/office/drawing/2014/main" id="{B941499F-4483-41B4-A98D-E5A37CF2D857}"/>
+              </a:ext>
+            </a:extLst>
+          </p:cNvPr>
+          <p:cNvSpPr/>
+          <p:nvPr/>
+        </p:nvSpPr>
+        <p:spPr>
+          <a:xfrm>
+            <a:off x="280912" y="675251"/>
+            <a:ext cx="2534991" cy="369332"/>
+          </a:xfrm>
+          <a:prstGeom prst="rect">
+            <a:avLst/>
+          </a:prstGeom>
+        </p:spPr>
+        <p:style>
+          <a:lnRef idx="2">
+            <a:schemeClr val="accent6">
+              <a:shade val="50000"/>
+            </a:schemeClr>
+          </a:lnRef>
+          <a:fillRef idx="1">
+            <a:schemeClr val="accent6"/>
+          </a:fillRef>
+          <a:effectRef idx="0">
+            <a:schemeClr val="accent6"/>
+          </a:effectRef>
+          <a:fontRef idx="minor">
+            <a:schemeClr val="lt1"/>
+          </a:fontRef>
+        </p:style>
+        <p:txBody>
+          <a:bodyPr wrap="square">
+            <a:spAutoFit/>
+          </a:bodyPr>
+          <a:lstStyle/>
+          <a:p>
+            <a:r>
+              <a:rPr lang="en-US" altLang="zh-CN" dirty="0">
+                <a:solidFill>
+                  <a:schemeClr val="tx1"/>
+                </a:solidFill>
+                <a:latin typeface=" Hermit Light"/>
+              </a:rPr>
+              <a:t>1.P[k]==P[j]</a:t>
+            </a:r>
+            <a:r>
+              <a:rPr lang="zh-CN" altLang="en-US" dirty="0">
+                <a:solidFill>
+                  <a:schemeClr val="tx1"/>
+                </a:solidFill>
+                <a:latin typeface=" Hermit Light"/>
+              </a:rPr>
+              <a:t>情况</a:t>
+            </a:r>
+            <a:endParaRPr lang="zh-CN" altLang="en-US" b="0" dirty="0">
+              <a:solidFill>
+                <a:schemeClr val="tx1"/>
+              </a:solidFill>
+              <a:effectLst/>
+              <a:latin typeface=" Hermit Light"/>
+            </a:endParaRPr>
+          </a:p>
+        </p:txBody>
+      </p:sp>
+      <p:sp>
+        <p:nvSpPr>
+          <p:cNvPr id="26" name="矩形 25">
+            <a:extLst>
+              <a:ext uri="{FF2B5EF4-FFF2-40B4-BE49-F238E27FC236}">
+                <a16:creationId xmlns:a16="http://schemas.microsoft.com/office/drawing/2014/main" id="{AB3D2BE9-3D90-4C38-AF49-CE8FA987F7A6}"/>
+              </a:ext>
+            </a:extLst>
+          </p:cNvPr>
+          <p:cNvSpPr/>
+          <p:nvPr/>
+        </p:nvSpPr>
+        <p:spPr>
+          <a:xfrm>
+            <a:off x="5718332" y="3244334"/>
+            <a:ext cx="755335" cy="369332"/>
+          </a:xfrm>
+          <a:prstGeom prst="rect">
+            <a:avLst/>
+          </a:prstGeom>
+        </p:spPr>
+        <p:txBody>
+          <a:bodyPr wrap="none">
+            <a:spAutoFit/>
+          </a:bodyPr>
+          <a:lstStyle/>
+          <a:p>
+            <a:r>
+              <a:rPr lang="en-US" altLang="zh-CN" dirty="0">
+                <a:latin typeface=" Hermit Light"/>
+              </a:rPr>
+              <a:t>next</a:t>
+            </a:r>
+            <a:endParaRPr lang="zh-CN" altLang="en-US" dirty="0"/>
+          </a:p>
+        </p:txBody>
+      </p:sp>
+      <p:sp>
+        <p:nvSpPr>
+          <p:cNvPr id="27" name="矩形 26">
+            <a:extLst>
+              <a:ext uri="{FF2B5EF4-FFF2-40B4-BE49-F238E27FC236}">
+                <a16:creationId xmlns:a16="http://schemas.microsoft.com/office/drawing/2014/main" id="{4F2A5EC2-045A-4D72-B543-12AA3C29069F}"/>
+              </a:ext>
+            </a:extLst>
+          </p:cNvPr>
+          <p:cNvSpPr/>
+          <p:nvPr/>
+        </p:nvSpPr>
+        <p:spPr>
+          <a:xfrm>
+            <a:off x="275895" y="161445"/>
+            <a:ext cx="2534991" cy="369332"/>
+          </a:xfrm>
+          <a:prstGeom prst="rect">
+            <a:avLst/>
+          </a:prstGeom>
+        </p:spPr>
+        <p:style>
+          <a:lnRef idx="2">
+            <a:schemeClr val="accent6">
+              <a:shade val="50000"/>
+            </a:schemeClr>
+          </a:lnRef>
+          <a:fillRef idx="1">
+            <a:schemeClr val="accent6"/>
+          </a:fillRef>
+          <a:effectRef idx="0">
+            <a:schemeClr val="accent6"/>
+          </a:effectRef>
+          <a:fontRef idx="minor">
+            <a:schemeClr val="lt1"/>
+          </a:fontRef>
+        </p:style>
+        <p:txBody>
+          <a:bodyPr wrap="square">
+            <a:spAutoFit/>
+          </a:bodyPr>
+          <a:lstStyle/>
+          <a:p>
+            <a:r>
+              <a:rPr lang="en-US" altLang="zh-CN" dirty="0">
+                <a:solidFill>
+                  <a:schemeClr val="tx1"/>
+                </a:solidFill>
+                <a:latin typeface=" Hermit Light"/>
+              </a:rPr>
+              <a:t>next</a:t>
+            </a:r>
+            <a:r>
+              <a:rPr lang="zh-CN" altLang="en-US" dirty="0">
+                <a:solidFill>
+                  <a:schemeClr val="tx1"/>
+                </a:solidFill>
+                <a:latin typeface=" Hermit Light"/>
+              </a:rPr>
+              <a:t>数组怎么求？</a:t>
+            </a:r>
+            <a:endParaRPr lang="zh-CN" altLang="en-US" b="0" dirty="0">
+              <a:solidFill>
+                <a:schemeClr val="tx1"/>
+              </a:solidFill>
+              <a:effectLst/>
+              <a:latin typeface=" Hermit Light"/>
+            </a:endParaRPr>
+          </a:p>
+        </p:txBody>
+      </p:sp>
+    </p:spTree>
+    <p:extLst>
+      <p:ext uri="{BB962C8B-B14F-4D97-AF65-F5344CB8AC3E}">
+        <p14:creationId xmlns:p14="http://schemas.microsoft.com/office/powerpoint/2010/main" val="22925903"/>
+      </p:ext>
+    </p:extLst>
+  </p:cSld>
+  <p:clrMapOvr>
+    <a:masterClrMapping/>
+  </p:clrMapOvr>
+  <p:timing>
+    <p:tnLst>
+      <p:par>
+        <p:cTn id="1" dur="indefinite" restart="never" nodeType="tmRoot">
+          <p:childTnLst>
+            <p:seq concurrent="1" nextAc="seek">
+              <p:cTn id="2" dur="indefinite" nodeType="mainSeq">
+                <p:childTnLst>
+                  <p:par>
+                    <p:cTn id="3" fill="hold">
+                      <p:stCondLst>
+                        <p:cond delay="indefinite"/>
+                      </p:stCondLst>
+                      <p:childTnLst>
+                        <p:par>
+                          <p:cTn id="4" fill="hold">
+                            <p:stCondLst>
+                              <p:cond delay="0"/>
+                            </p:stCondLst>
+                            <p:childTnLst>
+                              <p:par>
+                                <p:cTn id="5" presetID="1" presetClass="entr" presetSubtype="0" fill="hold" grpId="0" nodeType="clickEffect">
+                                  <p:stCondLst>
+                                    <p:cond delay="0"/>
+                                  </p:stCondLst>
+                                  <p:childTnLst>
+                                    <p:set>
+                                      <p:cBhvr>
+                                        <p:cTn id="6" dur="1" fill="hold">
+                                          <p:stCondLst>
+                                            <p:cond delay="0"/>
+                                          </p:stCondLst>
+                                        </p:cTn>
+                                        <p:tgtEl>
+                                          <p:spTgt spid="24"/>
+                                        </p:tgtEl>
+                                        <p:attrNameLst>
+                                          <p:attrName>style.visibility</p:attrName>
+                                        </p:attrNameLst>
+                                      </p:cBhvr>
+                                      <p:to>
+                                        <p:strVal val="visible"/>
+                                      </p:to>
+                                    </p:set>
+                                  </p:childTnLst>
+                                </p:cTn>
+                              </p:par>
+                              <p:par>
+                                <p:cTn id="7" presetID="1" presetClass="entr" presetSubtype="0" fill="hold" grpId="0" nodeType="withEffect">
+                                  <p:stCondLst>
+                                    <p:cond delay="0"/>
+                                  </p:stCondLst>
+                                  <p:childTnLst>
+                                    <p:set>
+                                      <p:cBhvr>
+                                        <p:cTn id="8" dur="1" fill="hold">
+                                          <p:stCondLst>
+                                            <p:cond delay="0"/>
+                                          </p:stCondLst>
+                                        </p:cTn>
+                                        <p:tgtEl>
+                                          <p:spTgt spid="5"/>
+                                        </p:tgtEl>
+                                        <p:attrNameLst>
+                                          <p:attrName>style.visibility</p:attrName>
+                                        </p:attrNameLst>
+                                      </p:cBhvr>
+                                      <p:to>
+                                        <p:strVal val="visible"/>
+                                      </p:to>
+                                    </p:set>
+                                  </p:childTnLst>
+                                </p:cTn>
+                              </p:par>
+                              <p:par>
+                                <p:cTn id="9" presetID="1" presetClass="entr" presetSubtype="0" fill="hold" grpId="0" nodeType="withEffect">
+                                  <p:stCondLst>
+                                    <p:cond delay="0"/>
+                                  </p:stCondLst>
+                                  <p:childTnLst>
+                                    <p:set>
+                                      <p:cBhvr>
+                                        <p:cTn id="10" dur="1" fill="hold">
+                                          <p:stCondLst>
+                                            <p:cond delay="0"/>
+                                          </p:stCondLst>
+                                        </p:cTn>
+                                        <p:tgtEl>
+                                          <p:spTgt spid="15"/>
+                                        </p:tgtEl>
+                                        <p:attrNameLst>
+                                          <p:attrName>style.visibility</p:attrName>
+                                        </p:attrNameLst>
+                                      </p:cBhvr>
+                                      <p:to>
+                                        <p:strVal val="visible"/>
+                                      </p:to>
+                                    </p:set>
+                                  </p:childTnLst>
+                                </p:cTn>
+                              </p:par>
+                              <p:par>
+                                <p:cTn id="11" presetID="1" presetClass="entr" presetSubtype="0" fill="hold" grpId="0" nodeType="withEffect">
+                                  <p:stCondLst>
+                                    <p:cond delay="0"/>
+                                  </p:stCondLst>
+                                  <p:childTnLst>
+                                    <p:set>
+                                      <p:cBhvr>
+                                        <p:cTn id="12" dur="1" fill="hold">
+                                          <p:stCondLst>
+                                            <p:cond delay="0"/>
+                                          </p:stCondLst>
+                                        </p:cTn>
+                                        <p:tgtEl>
+                                          <p:spTgt spid="23"/>
+                                        </p:tgtEl>
+                                        <p:attrNameLst>
+                                          <p:attrName>style.visibility</p:attrName>
+                                        </p:attrNameLst>
+                                      </p:cBhvr>
+                                      <p:to>
+                                        <p:strVal val="visible"/>
+                                      </p:to>
+                                    </p:set>
+                                  </p:childTnLst>
+                                </p:cTn>
+                              </p:par>
+                            </p:childTnLst>
+                          </p:cTn>
+                        </p:par>
+                      </p:childTnLst>
+                    </p:cTn>
+                  </p:par>
+                </p:childTnLst>
+              </p:cTn>
+              <p:prevCondLst>
+                <p:cond evt="onPrev" delay="0">
+                  <p:tgtEl>
+                    <p:sldTgt/>
+                  </p:tgtEl>
+                </p:cond>
+              </p:prevCondLst>
+              <p:nextCondLst>
+                <p:cond evt="onNext" delay="0">
+                  <p:tgtEl>
+                    <p:sldTgt/>
+                  </p:tgtEl>
+                </p:cond>
+              </p:nextCondLst>
+            </p:seq>
+          </p:childTnLst>
+        </p:cTn>
+      </p:par>
+    </p:tnLst>
+    <p:bldLst>
+      <p:bldP spid="5" grpId="0" animBg="1"/>
+      <p:bldP spid="15" grpId="0" animBg="1"/>
+      <p:bldP spid="23" grpId="0" animBg="1"/>
+      <p:bldP spid="24" grpId="0" animBg="1"/>
+    </p:bldLst>
+  </p:timing>
+</p:sld>
+</file>
+
+<file path=ppt/slides/slide11.xml><?xml version="1.0" encoding="utf-8"?>
+<p:sld xmlns:a="http://schemas.openxmlformats.org/drawingml/2006/main" xmlns:r="http://schemas.openxmlformats.org/officeDocument/2006/relationships" xmlns:p="http://schemas.openxmlformats.org/presentationml/2006/main">
+  <p:cSld>
+    <p:spTree>
+      <p:nvGrpSpPr>
+        <p:cNvPr id="1" name=""/>
+        <p:cNvGrpSpPr/>
+        <p:nvPr/>
+      </p:nvGrpSpPr>
+      <p:grpSpPr>
+        <a:xfrm>
+          <a:off x="0" y="0"/>
+          <a:ext cx="0" cy="0"/>
+          <a:chOff x="0" y="0"/>
+          <a:chExt cx="0" cy="0"/>
+        </a:xfrm>
+      </p:grpSpPr>
+      <p:sp>
+        <p:nvSpPr>
+          <p:cNvPr id="4" name="矩形 3">
+            <a:extLst>
+              <a:ext uri="{FF2B5EF4-FFF2-40B4-BE49-F238E27FC236}">
+                <a16:creationId xmlns:a16="http://schemas.microsoft.com/office/drawing/2014/main" id="{B3C66A71-F8C4-408C-85DE-81360CBB0292}"/>
+              </a:ext>
+            </a:extLst>
+          </p:cNvPr>
+          <p:cNvSpPr/>
+          <p:nvPr/>
+        </p:nvSpPr>
+        <p:spPr>
+          <a:xfrm>
+            <a:off x="281189" y="406936"/>
+            <a:ext cx="2534991" cy="369332"/>
+          </a:xfrm>
+          <a:prstGeom prst="rect">
+            <a:avLst/>
+          </a:prstGeom>
+        </p:spPr>
+        <p:style>
+          <a:lnRef idx="2">
+            <a:schemeClr val="accent6">
+              <a:shade val="50000"/>
+            </a:schemeClr>
+          </a:lnRef>
+          <a:fillRef idx="1">
+            <a:schemeClr val="accent6"/>
+          </a:fillRef>
+          <a:effectRef idx="0">
+            <a:schemeClr val="accent6"/>
+          </a:effectRef>
+          <a:fontRef idx="minor">
+            <a:schemeClr val="lt1"/>
+          </a:fontRef>
+        </p:style>
+        <p:txBody>
+          <a:bodyPr wrap="square">
+            <a:spAutoFit/>
+          </a:bodyPr>
+          <a:lstStyle/>
+          <a:p>
+            <a:r>
+              <a:rPr lang="en-US" altLang="zh-CN" dirty="0">
+                <a:solidFill>
+                  <a:schemeClr val="tx1"/>
+                </a:solidFill>
+                <a:latin typeface=" Hermit Light"/>
+              </a:rPr>
+              <a:t>2.P[k]!=P[j]</a:t>
+            </a:r>
+            <a:r>
+              <a:rPr lang="zh-CN" altLang="en-US" dirty="0">
+                <a:solidFill>
+                  <a:schemeClr val="tx1"/>
+                </a:solidFill>
+                <a:latin typeface=" Hermit Light"/>
+              </a:rPr>
+              <a:t>情况</a:t>
+            </a:r>
+            <a:endParaRPr lang="zh-CN" altLang="en-US" b="0" dirty="0">
+              <a:solidFill>
+                <a:schemeClr val="tx1"/>
+              </a:solidFill>
+              <a:effectLst/>
+              <a:latin typeface=" Hermit Light"/>
+            </a:endParaRPr>
+          </a:p>
+        </p:txBody>
+      </p:sp>
+      <p:pic>
+        <p:nvPicPr>
+          <p:cNvPr id="6" name="图片 5">
+            <a:extLst>
+              <a:ext uri="{FF2B5EF4-FFF2-40B4-BE49-F238E27FC236}">
+                <a16:creationId xmlns:a16="http://schemas.microsoft.com/office/drawing/2014/main" id="{B04B9E01-617B-4D12-9683-C881BEF84898}"/>
+              </a:ext>
+            </a:extLst>
+          </p:cNvPr>
+          <p:cNvPicPr>
+            <a:picLocks noChangeAspect="1"/>
+          </p:cNvPicPr>
+          <p:nvPr/>
+        </p:nvPicPr>
+        <p:blipFill>
+          <a:blip r:embed="rId2"/>
+          <a:stretch>
+            <a:fillRect/>
+          </a:stretch>
+        </p:blipFill>
+        <p:spPr>
+          <a:xfrm>
+            <a:off x="2067164" y="1266496"/>
+            <a:ext cx="7241030" cy="1607538"/>
+          </a:xfrm>
+          <a:prstGeom prst="rect">
+            <a:avLst/>
+          </a:prstGeom>
+        </p:spPr>
+      </p:pic>
+      <p:grpSp>
+        <p:nvGrpSpPr>
+          <p:cNvPr id="7" name="组合 6">
+            <a:extLst>
+              <a:ext uri="{FF2B5EF4-FFF2-40B4-BE49-F238E27FC236}">
+                <a16:creationId xmlns:a16="http://schemas.microsoft.com/office/drawing/2014/main" id="{F7750098-76CA-4DBE-BF6E-9C8EE162FAC6}"/>
+              </a:ext>
+            </a:extLst>
+          </p:cNvPr>
+          <p:cNvGrpSpPr/>
+          <p:nvPr/>
+        </p:nvGrpSpPr>
+        <p:grpSpPr>
+          <a:xfrm>
+            <a:off x="7915761" y="2659905"/>
+            <a:ext cx="322524" cy="670429"/>
+            <a:chOff x="11081994" y="3713408"/>
+            <a:chExt cx="322524" cy="670429"/>
+          </a:xfrm>
+        </p:grpSpPr>
+        <p:sp>
+          <p:nvSpPr>
+            <p:cNvPr id="8" name="箭头: 上 7">
+              <a:extLst>
+                <a:ext uri="{FF2B5EF4-FFF2-40B4-BE49-F238E27FC236}">
+                  <a16:creationId xmlns:a16="http://schemas.microsoft.com/office/drawing/2014/main" id="{1C199F9D-E1BD-4427-AF38-CE789F57114D}"/>
+                </a:ext>
+              </a:extLst>
+            </p:cNvPr>
+            <p:cNvSpPr/>
+            <p:nvPr/>
+          </p:nvSpPr>
+          <p:spPr>
+            <a:xfrm>
+              <a:off x="11129493" y="3713408"/>
+              <a:ext cx="227527" cy="352023"/>
+            </a:xfrm>
+            <a:prstGeom prst="upArrow">
+              <a:avLst/>
+            </a:prstGeom>
+          </p:spPr>
+          <p:style>
+            <a:lnRef idx="2">
+              <a:schemeClr val="accent6">
+                <a:shade val="50000"/>
+              </a:schemeClr>
+            </a:lnRef>
+            <a:fillRef idx="1">
+              <a:schemeClr val="accent6"/>
+            </a:fillRef>
+            <a:effectRef idx="0">
+              <a:schemeClr val="accent6"/>
+            </a:effectRef>
+            <a:fontRef idx="minor">
+              <a:schemeClr val="lt1"/>
+            </a:fontRef>
+          </p:style>
+          <p:txBody>
+            <a:bodyPr rtlCol="0" anchor="ctr"/>
+            <a:lstStyle/>
+            <a:p>
+              <a:pPr algn="ctr"/>
+              <a:endParaRPr lang="zh-CN" altLang="en-US" dirty="0"/>
+            </a:p>
+          </p:txBody>
+        </p:sp>
+        <p:sp>
+          <p:nvSpPr>
+            <p:cNvPr id="9" name="文本框 8">
+              <a:extLst>
+                <a:ext uri="{FF2B5EF4-FFF2-40B4-BE49-F238E27FC236}">
+                  <a16:creationId xmlns:a16="http://schemas.microsoft.com/office/drawing/2014/main" id="{27D753A7-A733-41FA-8DC6-95E4981F04BE}"/>
+                </a:ext>
+              </a:extLst>
+            </p:cNvPr>
+            <p:cNvSpPr txBox="1"/>
+            <p:nvPr/>
+          </p:nvSpPr>
+          <p:spPr>
+            <a:xfrm>
+              <a:off x="11081994" y="4014505"/>
+              <a:ext cx="322524" cy="369332"/>
+            </a:xfrm>
+            <a:prstGeom prst="rect">
+              <a:avLst/>
+            </a:prstGeom>
+            <a:noFill/>
+          </p:spPr>
+          <p:txBody>
+            <a:bodyPr wrap="none" rtlCol="0">
+              <a:spAutoFit/>
+            </a:bodyPr>
+            <a:lstStyle/>
+            <a:p>
+              <a:r>
+                <a:rPr lang="en-US" altLang="zh-CN" dirty="0">
+                  <a:latin typeface="Source Code Pro" panose="020B0509030403020204" pitchFamily="49" charset="0"/>
+                  <a:ea typeface="Source Code Pro" panose="020B0509030403020204" pitchFamily="49" charset="0"/>
+                </a:rPr>
+                <a:t>j</a:t>
+              </a:r>
+              <a:endParaRPr lang="zh-CN" altLang="en-US" dirty="0">
+                <a:latin typeface="Source Code Pro" panose="020B0509030403020204" pitchFamily="49" charset="0"/>
+              </a:endParaRPr>
+            </a:p>
+          </p:txBody>
+        </p:sp>
+      </p:grpSp>
+      <p:grpSp>
+        <p:nvGrpSpPr>
+          <p:cNvPr id="10" name="组合 9">
+            <a:extLst>
+              <a:ext uri="{FF2B5EF4-FFF2-40B4-BE49-F238E27FC236}">
+                <a16:creationId xmlns:a16="http://schemas.microsoft.com/office/drawing/2014/main" id="{847A0B9A-48B8-413C-B4F3-A13B3F16E03A}"/>
+              </a:ext>
+            </a:extLst>
+          </p:cNvPr>
+          <p:cNvGrpSpPr/>
+          <p:nvPr/>
+        </p:nvGrpSpPr>
+        <p:grpSpPr>
+          <a:xfrm>
+            <a:off x="4496596" y="848281"/>
+            <a:ext cx="322524" cy="724667"/>
+            <a:chOff x="8220738" y="1693622"/>
+            <a:chExt cx="322524" cy="724667"/>
+          </a:xfrm>
+        </p:grpSpPr>
+        <p:sp>
+          <p:nvSpPr>
+            <p:cNvPr id="11" name="箭头: 下 10">
+              <a:extLst>
+                <a:ext uri="{FF2B5EF4-FFF2-40B4-BE49-F238E27FC236}">
+                  <a16:creationId xmlns:a16="http://schemas.microsoft.com/office/drawing/2014/main" id="{90B0FF85-B035-4FA5-A866-0A4F771BAF88}"/>
+                </a:ext>
+              </a:extLst>
+            </p:cNvPr>
+            <p:cNvSpPr/>
+            <p:nvPr/>
+          </p:nvSpPr>
+          <p:spPr>
+            <a:xfrm>
+              <a:off x="8259651" y="2008124"/>
+              <a:ext cx="244698" cy="410165"/>
+            </a:xfrm>
+            <a:prstGeom prst="downArrow">
+              <a:avLst/>
+            </a:prstGeom>
+          </p:spPr>
+          <p:style>
+            <a:lnRef idx="2">
+              <a:schemeClr val="accent6">
+                <a:shade val="50000"/>
+              </a:schemeClr>
+            </a:lnRef>
+            <a:fillRef idx="1">
+              <a:schemeClr val="accent6"/>
+            </a:fillRef>
+            <a:effectRef idx="0">
+              <a:schemeClr val="accent6"/>
+            </a:effectRef>
+            <a:fontRef idx="minor">
+              <a:schemeClr val="lt1"/>
+            </a:fontRef>
+          </p:style>
+          <p:txBody>
+            <a:bodyPr rtlCol="0" anchor="ctr"/>
+            <a:lstStyle/>
+            <a:p>
+              <a:pPr algn="ctr"/>
+              <a:endParaRPr lang="zh-CN" altLang="en-US"/>
+            </a:p>
+          </p:txBody>
+        </p:sp>
+        <p:sp>
+          <p:nvSpPr>
+            <p:cNvPr id="12" name="文本框 11">
+              <a:extLst>
+                <a:ext uri="{FF2B5EF4-FFF2-40B4-BE49-F238E27FC236}">
+                  <a16:creationId xmlns:a16="http://schemas.microsoft.com/office/drawing/2014/main" id="{9D49CF31-BEBC-49B6-A710-83562BDAD871}"/>
+                </a:ext>
+              </a:extLst>
+            </p:cNvPr>
+            <p:cNvSpPr txBox="1"/>
+            <p:nvPr/>
+          </p:nvSpPr>
+          <p:spPr>
+            <a:xfrm>
+              <a:off x="8220738" y="1693622"/>
+              <a:ext cx="322524" cy="369332"/>
+            </a:xfrm>
+            <a:prstGeom prst="rect">
+              <a:avLst/>
+            </a:prstGeom>
+            <a:noFill/>
+          </p:spPr>
+          <p:txBody>
+            <a:bodyPr wrap="none" rtlCol="0">
+              <a:spAutoFit/>
+            </a:bodyPr>
+            <a:lstStyle/>
+            <a:p>
+              <a:r>
+                <a:rPr lang="en-US" altLang="zh-CN" dirty="0">
+                  <a:latin typeface="Source Code Pro" panose="020B0509030403020204" pitchFamily="49" charset="0"/>
+                </a:rPr>
+                <a:t>k</a:t>
+              </a:r>
+              <a:endParaRPr lang="zh-CN" altLang="en-US" dirty="0">
+                <a:latin typeface="Source Code Pro" panose="020B0509030403020204" pitchFamily="49" charset="0"/>
+              </a:endParaRPr>
+            </a:p>
+          </p:txBody>
+        </p:sp>
+      </p:grpSp>
+      <p:grpSp>
+        <p:nvGrpSpPr>
+          <p:cNvPr id="20" name="组合 19">
+            <a:extLst>
+              <a:ext uri="{FF2B5EF4-FFF2-40B4-BE49-F238E27FC236}">
+                <a16:creationId xmlns:a16="http://schemas.microsoft.com/office/drawing/2014/main" id="{590AED13-5F93-4281-B4C6-16CDD45B5A67}"/>
+              </a:ext>
+            </a:extLst>
+          </p:cNvPr>
+          <p:cNvGrpSpPr/>
+          <p:nvPr/>
+        </p:nvGrpSpPr>
+        <p:grpSpPr>
+          <a:xfrm>
+            <a:off x="8497868" y="2662844"/>
+            <a:ext cx="598241" cy="680157"/>
+            <a:chOff x="10978963" y="3713408"/>
+            <a:chExt cx="598241" cy="680157"/>
+          </a:xfrm>
+        </p:grpSpPr>
+        <p:sp>
+          <p:nvSpPr>
+            <p:cNvPr id="21" name="箭头: 上 20">
+              <a:extLst>
+                <a:ext uri="{FF2B5EF4-FFF2-40B4-BE49-F238E27FC236}">
+                  <a16:creationId xmlns:a16="http://schemas.microsoft.com/office/drawing/2014/main" id="{7F24403A-CC08-461B-B1F8-EB58FD0CA765}"/>
+                </a:ext>
+              </a:extLst>
+            </p:cNvPr>
+            <p:cNvSpPr/>
+            <p:nvPr/>
+          </p:nvSpPr>
+          <p:spPr>
+            <a:xfrm>
+              <a:off x="11129493" y="3713408"/>
+              <a:ext cx="227527" cy="352023"/>
+            </a:xfrm>
+            <a:prstGeom prst="upArrow">
+              <a:avLst/>
+            </a:prstGeom>
+          </p:spPr>
+          <p:style>
+            <a:lnRef idx="2">
+              <a:schemeClr val="accent6">
+                <a:shade val="50000"/>
+              </a:schemeClr>
+            </a:lnRef>
+            <a:fillRef idx="1">
+              <a:schemeClr val="accent6"/>
+            </a:fillRef>
+            <a:effectRef idx="0">
+              <a:schemeClr val="accent6"/>
+            </a:effectRef>
+            <a:fontRef idx="minor">
+              <a:schemeClr val="lt1"/>
+            </a:fontRef>
+          </p:style>
+          <p:txBody>
+            <a:bodyPr rtlCol="0" anchor="ctr"/>
+            <a:lstStyle/>
+            <a:p>
+              <a:pPr algn="ctr"/>
+              <a:endParaRPr lang="zh-CN" altLang="en-US" dirty="0"/>
+            </a:p>
+          </p:txBody>
+        </p:sp>
+        <p:sp>
+          <p:nvSpPr>
+            <p:cNvPr id="22" name="文本框 21">
+              <a:extLst>
+                <a:ext uri="{FF2B5EF4-FFF2-40B4-BE49-F238E27FC236}">
+                  <a16:creationId xmlns:a16="http://schemas.microsoft.com/office/drawing/2014/main" id="{D0CE36BC-4650-4EB8-92F1-0427499C0734}"/>
+                </a:ext>
+              </a:extLst>
+            </p:cNvPr>
+            <p:cNvSpPr txBox="1"/>
+            <p:nvPr/>
+          </p:nvSpPr>
+          <p:spPr>
+            <a:xfrm>
+              <a:off x="10978963" y="4024233"/>
+              <a:ext cx="598241" cy="369332"/>
+            </a:xfrm>
+            <a:prstGeom prst="rect">
+              <a:avLst/>
+            </a:prstGeom>
+            <a:noFill/>
+          </p:spPr>
+          <p:txBody>
+            <a:bodyPr wrap="none" rtlCol="0">
+              <a:spAutoFit/>
+            </a:bodyPr>
+            <a:lstStyle/>
+            <a:p>
+              <a:r>
+                <a:rPr lang="en-US" altLang="zh-CN" dirty="0">
+                  <a:solidFill>
+                    <a:srgbClr val="00B0F0"/>
+                  </a:solidFill>
+                  <a:latin typeface="Source Code Pro" panose="020B0509030403020204" pitchFamily="49" charset="0"/>
+                  <a:ea typeface="Source Code Pro" panose="020B0509030403020204" pitchFamily="49" charset="0"/>
+                </a:rPr>
+                <a:t>j+1</a:t>
+              </a:r>
+              <a:endParaRPr lang="zh-CN" altLang="en-US" dirty="0">
+                <a:solidFill>
+                  <a:srgbClr val="00B0F0"/>
+                </a:solidFill>
+                <a:latin typeface="Source Code Pro" panose="020B0509030403020204" pitchFamily="49" charset="0"/>
+              </a:endParaRPr>
+            </a:p>
+          </p:txBody>
+        </p:sp>
+      </p:grpSp>
+      <p:grpSp>
+        <p:nvGrpSpPr>
+          <p:cNvPr id="23" name="组合 22">
+            <a:extLst>
+              <a:ext uri="{FF2B5EF4-FFF2-40B4-BE49-F238E27FC236}">
+                <a16:creationId xmlns:a16="http://schemas.microsoft.com/office/drawing/2014/main" id="{EA6D6600-F000-4825-891F-3353F2BEC269}"/>
+              </a:ext>
+            </a:extLst>
+          </p:cNvPr>
+          <p:cNvGrpSpPr/>
+          <p:nvPr/>
+        </p:nvGrpSpPr>
+        <p:grpSpPr>
+          <a:xfrm>
+            <a:off x="5127408" y="2643733"/>
+            <a:ext cx="598241" cy="680157"/>
+            <a:chOff x="10978963" y="3713408"/>
+            <a:chExt cx="598241" cy="680157"/>
+          </a:xfrm>
+        </p:grpSpPr>
+        <p:sp>
+          <p:nvSpPr>
+            <p:cNvPr id="24" name="箭头: 上 23">
+              <a:extLst>
+                <a:ext uri="{FF2B5EF4-FFF2-40B4-BE49-F238E27FC236}">
+                  <a16:creationId xmlns:a16="http://schemas.microsoft.com/office/drawing/2014/main" id="{C77EFAE8-F6D1-49FB-B642-83E448B42F65}"/>
+                </a:ext>
+              </a:extLst>
+            </p:cNvPr>
+            <p:cNvSpPr/>
+            <p:nvPr/>
+          </p:nvSpPr>
+          <p:spPr>
+            <a:xfrm>
+              <a:off x="11129493" y="3713408"/>
+              <a:ext cx="227527" cy="352023"/>
+            </a:xfrm>
+            <a:prstGeom prst="upArrow">
+              <a:avLst/>
+            </a:prstGeom>
+          </p:spPr>
+          <p:style>
+            <a:lnRef idx="2">
+              <a:schemeClr val="accent6">
+                <a:shade val="50000"/>
+              </a:schemeClr>
+            </a:lnRef>
+            <a:fillRef idx="1">
+              <a:schemeClr val="accent6"/>
+            </a:fillRef>
+            <a:effectRef idx="0">
+              <a:schemeClr val="accent6"/>
+            </a:effectRef>
+            <a:fontRef idx="minor">
+              <a:schemeClr val="lt1"/>
+            </a:fontRef>
+          </p:style>
+          <p:txBody>
+            <a:bodyPr rtlCol="0" anchor="ctr"/>
+            <a:lstStyle/>
+            <a:p>
+              <a:pPr algn="ctr"/>
+              <a:endParaRPr lang="zh-CN" altLang="en-US" dirty="0"/>
+            </a:p>
+          </p:txBody>
+        </p:sp>
+        <p:sp>
+          <p:nvSpPr>
+            <p:cNvPr id="25" name="文本框 24">
+              <a:extLst>
+                <a:ext uri="{FF2B5EF4-FFF2-40B4-BE49-F238E27FC236}">
+                  <a16:creationId xmlns:a16="http://schemas.microsoft.com/office/drawing/2014/main" id="{0B87E8D6-5BF6-4B61-8BFA-01F5DCE3E61C}"/>
+                </a:ext>
+              </a:extLst>
+            </p:cNvPr>
+            <p:cNvSpPr txBox="1"/>
+            <p:nvPr/>
+          </p:nvSpPr>
+          <p:spPr>
+            <a:xfrm>
+              <a:off x="10978963" y="4024233"/>
+              <a:ext cx="598241" cy="369332"/>
+            </a:xfrm>
+            <a:prstGeom prst="rect">
+              <a:avLst/>
+            </a:prstGeom>
+            <a:noFill/>
+          </p:spPr>
+          <p:txBody>
+            <a:bodyPr wrap="none" rtlCol="0">
+              <a:spAutoFit/>
+            </a:bodyPr>
+            <a:lstStyle/>
+            <a:p>
+              <a:r>
+                <a:rPr lang="en-US" altLang="zh-CN" dirty="0">
+                  <a:solidFill>
+                    <a:srgbClr val="00B0F0"/>
+                  </a:solidFill>
+                  <a:latin typeface="Source Code Pro" panose="020B0509030403020204" pitchFamily="49" charset="0"/>
+                  <a:ea typeface="Source Code Pro" panose="020B0509030403020204" pitchFamily="49" charset="0"/>
+                </a:rPr>
+                <a:t>k+1</a:t>
+              </a:r>
+              <a:endParaRPr lang="zh-CN" altLang="en-US" dirty="0">
+                <a:solidFill>
+                  <a:srgbClr val="00B0F0"/>
+                </a:solidFill>
+                <a:latin typeface="Source Code Pro" panose="020B0509030403020204" pitchFamily="49" charset="0"/>
+              </a:endParaRPr>
+            </a:p>
+          </p:txBody>
+        </p:sp>
+      </p:grpSp>
+    </p:spTree>
+    <p:extLst>
+      <p:ext uri="{BB962C8B-B14F-4D97-AF65-F5344CB8AC3E}">
+        <p14:creationId xmlns:p14="http://schemas.microsoft.com/office/powerpoint/2010/main" val="3561717440"/>
+      </p:ext>
+    </p:extLst>
+  </p:cSld>
+  <p:clrMapOvr>
+    <a:masterClrMapping/>
+  </p:clrMapOvr>
+</p:sld>
+</file>
+
 <file path=ppt/slides/slide2.xml><?xml version="1.0" encoding="utf-8"?>
 <p:sld xmlns:a="http://schemas.openxmlformats.org/drawingml/2006/main" xmlns:r="http://schemas.openxmlformats.org/officeDocument/2006/relationships" xmlns:p="http://schemas.openxmlformats.org/presentationml/2006/main">
   <p:cSld>
@@ -7948,6 +9713,2452 @@
   <p:clrMapOvr>
     <a:masterClrMapping/>
   </p:clrMapOvr>
+</p:sld>
+</file>
+
+<file path=ppt/slides/slide8.xml><?xml version="1.0" encoding="utf-8"?>
+<p:sld xmlns:a="http://schemas.openxmlformats.org/drawingml/2006/main" xmlns:r="http://schemas.openxmlformats.org/officeDocument/2006/relationships" xmlns:p="http://schemas.openxmlformats.org/presentationml/2006/main">
+  <p:cSld>
+    <p:spTree>
+      <p:nvGrpSpPr>
+        <p:cNvPr id="1" name=""/>
+        <p:cNvGrpSpPr/>
+        <p:nvPr/>
+      </p:nvGrpSpPr>
+      <p:grpSpPr>
+        <a:xfrm>
+          <a:off x="0" y="0"/>
+          <a:ext cx="0" cy="0"/>
+          <a:chOff x="0" y="0"/>
+          <a:chExt cx="0" cy="0"/>
+        </a:xfrm>
+      </p:grpSpPr>
+      <p:pic>
+        <p:nvPicPr>
+          <p:cNvPr id="8" name="图片 7">
+            <a:extLst>
+              <a:ext uri="{FF2B5EF4-FFF2-40B4-BE49-F238E27FC236}">
+                <a16:creationId xmlns:a16="http://schemas.microsoft.com/office/drawing/2014/main" id="{57E83541-B36B-458B-8F8D-1F4170BDE62C}"/>
+              </a:ext>
+            </a:extLst>
+          </p:cNvPr>
+          <p:cNvPicPr>
+            <a:picLocks noChangeAspect="1"/>
+          </p:cNvPicPr>
+          <p:nvPr/>
+        </p:nvPicPr>
+        <p:blipFill>
+          <a:blip r:embed="rId2"/>
+          <a:stretch>
+            <a:fillRect/>
+          </a:stretch>
+        </p:blipFill>
+        <p:spPr>
+          <a:xfrm>
+            <a:off x="2626836" y="3773062"/>
+            <a:ext cx="6834957" cy="2730934"/>
+          </a:xfrm>
+          <a:prstGeom prst="rect">
+            <a:avLst/>
+          </a:prstGeom>
+        </p:spPr>
+      </p:pic>
+      <p:pic>
+        <p:nvPicPr>
+          <p:cNvPr id="4" name="图片 3">
+            <a:extLst>
+              <a:ext uri="{FF2B5EF4-FFF2-40B4-BE49-F238E27FC236}">
+                <a16:creationId xmlns:a16="http://schemas.microsoft.com/office/drawing/2014/main" id="{109A9513-307A-485F-A438-72FAB4437E75}"/>
+              </a:ext>
+            </a:extLst>
+          </p:cNvPr>
+          <p:cNvPicPr>
+            <a:picLocks noChangeAspect="1"/>
+          </p:cNvPicPr>
+          <p:nvPr/>
+        </p:nvPicPr>
+        <p:blipFill>
+          <a:blip r:embed="rId3"/>
+          <a:stretch>
+            <a:fillRect/>
+          </a:stretch>
+        </p:blipFill>
+        <p:spPr>
+          <a:xfrm>
+            <a:off x="2626837" y="843008"/>
+            <a:ext cx="6834957" cy="2730934"/>
+          </a:xfrm>
+          <a:prstGeom prst="rect">
+            <a:avLst/>
+          </a:prstGeom>
+        </p:spPr>
+      </p:pic>
+      <p:sp>
+        <p:nvSpPr>
+          <p:cNvPr id="6" name="矩形 5">
+            <a:extLst>
+              <a:ext uri="{FF2B5EF4-FFF2-40B4-BE49-F238E27FC236}">
+                <a16:creationId xmlns:a16="http://schemas.microsoft.com/office/drawing/2014/main" id="{87CE999D-36F2-49B1-9A17-F01A98A63AF4}"/>
+              </a:ext>
+            </a:extLst>
+          </p:cNvPr>
+          <p:cNvSpPr/>
+          <p:nvPr/>
+        </p:nvSpPr>
+        <p:spPr>
+          <a:xfrm>
+            <a:off x="2626836" y="132047"/>
+            <a:ext cx="6906778" cy="369332"/>
+          </a:xfrm>
+          <a:prstGeom prst="rect">
+            <a:avLst/>
+          </a:prstGeom>
+        </p:spPr>
+        <p:style>
+          <a:lnRef idx="2">
+            <a:schemeClr val="accent5">
+              <a:shade val="50000"/>
+            </a:schemeClr>
+          </a:lnRef>
+          <a:fillRef idx="1">
+            <a:schemeClr val="accent5"/>
+          </a:fillRef>
+          <a:effectRef idx="0">
+            <a:schemeClr val="accent5"/>
+          </a:effectRef>
+          <a:fontRef idx="minor">
+            <a:schemeClr val="lt1"/>
+          </a:fontRef>
+        </p:style>
+        <p:txBody>
+          <a:bodyPr wrap="square">
+            <a:spAutoFit/>
+          </a:bodyPr>
+          <a:lstStyle/>
+          <a:p>
+            <a:r>
+              <a:rPr lang="zh-CN" altLang="en-US" b="1" dirty="0">
+                <a:solidFill>
+                  <a:schemeClr val="tx1"/>
+                </a:solidFill>
+                <a:latin typeface="Helvetica Neue"/>
+              </a:rPr>
+              <a:t>当某一个字符</a:t>
+            </a:r>
+            <a:r>
+              <a:rPr lang="en-US" altLang="zh-CN" b="1" dirty="0">
+                <a:solidFill>
+                  <a:schemeClr val="tx1"/>
+                </a:solidFill>
+                <a:latin typeface="Source Code Pro" panose="020B0509030403020204" pitchFamily="49" charset="0"/>
+                <a:ea typeface="Source Code Pro" panose="020B0509030403020204" pitchFamily="49" charset="0"/>
+              </a:rPr>
+              <a:t>P[j]</a:t>
+            </a:r>
+            <a:r>
+              <a:rPr lang="zh-CN" altLang="en-US" b="1" dirty="0">
+                <a:solidFill>
+                  <a:schemeClr val="tx1"/>
+                </a:solidFill>
+                <a:latin typeface="Helvetica Neue"/>
+              </a:rPr>
+              <a:t>与主串</a:t>
+            </a:r>
+            <a:r>
+              <a:rPr lang="en-US" altLang="zh-CN" b="1" dirty="0">
+                <a:solidFill>
+                  <a:schemeClr val="tx1"/>
+                </a:solidFill>
+                <a:latin typeface="Source Code Pro" panose="020B0509030403020204" pitchFamily="49" charset="0"/>
+                <a:ea typeface="Source Code Pro" panose="020B0509030403020204" pitchFamily="49" charset="0"/>
+              </a:rPr>
+              <a:t>T[</a:t>
+            </a:r>
+            <a:r>
+              <a:rPr lang="en-US" altLang="zh-CN" b="1" dirty="0" err="1">
+                <a:solidFill>
+                  <a:schemeClr val="tx1"/>
+                </a:solidFill>
+                <a:latin typeface="Source Code Pro" panose="020B0509030403020204" pitchFamily="49" charset="0"/>
+                <a:ea typeface="Source Code Pro" panose="020B0509030403020204" pitchFamily="49" charset="0"/>
+              </a:rPr>
+              <a:t>i</a:t>
+            </a:r>
+            <a:r>
+              <a:rPr lang="en-US" altLang="zh-CN" b="1" dirty="0">
+                <a:solidFill>
+                  <a:schemeClr val="tx1"/>
+                </a:solidFill>
+                <a:latin typeface="Source Code Pro" panose="020B0509030403020204" pitchFamily="49" charset="0"/>
+                <a:ea typeface="Source Code Pro" panose="020B0509030403020204" pitchFamily="49" charset="0"/>
+              </a:rPr>
+              <a:t>]</a:t>
+            </a:r>
+            <a:r>
+              <a:rPr lang="zh-CN" altLang="en-US" b="1" dirty="0">
+                <a:solidFill>
+                  <a:schemeClr val="tx1"/>
+                </a:solidFill>
+                <a:latin typeface="Helvetica Neue"/>
+              </a:rPr>
+              <a:t>不匹配时，</a:t>
+            </a:r>
+            <a:r>
+              <a:rPr lang="en-US" altLang="zh-CN" b="1" dirty="0">
+                <a:solidFill>
+                  <a:schemeClr val="tx1"/>
+                </a:solidFill>
+                <a:latin typeface="Source Code Pro" panose="020B0509030403020204" pitchFamily="49" charset="0"/>
+                <a:ea typeface="Source Code Pro" panose="020B0509030403020204" pitchFamily="49" charset="0"/>
+              </a:rPr>
+              <a:t>j</a:t>
+            </a:r>
+            <a:r>
+              <a:rPr lang="zh-CN" altLang="en-US" b="1" dirty="0">
+                <a:solidFill>
+                  <a:schemeClr val="tx1"/>
+                </a:solidFill>
+                <a:latin typeface="Helvetica Neue"/>
+              </a:rPr>
+              <a:t>指针要移动到哪</a:t>
+            </a:r>
+            <a:r>
+              <a:rPr lang="zh-CN" altLang="en-US" dirty="0">
+                <a:solidFill>
+                  <a:schemeClr val="tx1"/>
+                </a:solidFill>
+                <a:latin typeface="Helvetica Neue"/>
+              </a:rPr>
+              <a:t>？</a:t>
+            </a:r>
+            <a:endParaRPr lang="zh-CN" altLang="en-US" dirty="0">
+              <a:solidFill>
+                <a:schemeClr val="tx1"/>
+              </a:solidFill>
+            </a:endParaRPr>
+          </a:p>
+        </p:txBody>
+      </p:sp>
+      <p:sp>
+        <p:nvSpPr>
+          <p:cNvPr id="7" name="矩形 6">
+            <a:extLst>
+              <a:ext uri="{FF2B5EF4-FFF2-40B4-BE49-F238E27FC236}">
+                <a16:creationId xmlns:a16="http://schemas.microsoft.com/office/drawing/2014/main" id="{A50EFBD8-5F35-48F6-903C-BC4597A2FD6B}"/>
+              </a:ext>
+            </a:extLst>
+          </p:cNvPr>
+          <p:cNvSpPr/>
+          <p:nvPr/>
+        </p:nvSpPr>
+        <p:spPr>
+          <a:xfrm>
+            <a:off x="4639586" y="4432851"/>
+            <a:ext cx="365759" cy="1411357"/>
+          </a:xfrm>
+          <a:prstGeom prst="rect">
+            <a:avLst/>
+          </a:prstGeom>
+          <a:solidFill>
+            <a:srgbClr val="FFFF00">
+              <a:alpha val="20000"/>
+            </a:srgbClr>
+          </a:solidFill>
+          <a:ln>
+            <a:noFill/>
+          </a:ln>
+        </p:spPr>
+        <p:style>
+          <a:lnRef idx="2">
+            <a:schemeClr val="accent1">
+              <a:shade val="50000"/>
+            </a:schemeClr>
+          </a:lnRef>
+          <a:fillRef idx="1">
+            <a:schemeClr val="accent1"/>
+          </a:fillRef>
+          <a:effectRef idx="0">
+            <a:schemeClr val="accent1"/>
+          </a:effectRef>
+          <a:fontRef idx="minor">
+            <a:schemeClr val="lt1"/>
+          </a:fontRef>
+        </p:style>
+        <p:txBody>
+          <a:bodyPr rtlCol="0" anchor="ctr"/>
+          <a:lstStyle/>
+          <a:p>
+            <a:pPr algn="ctr"/>
+            <a:endParaRPr lang="zh-CN" altLang="en-US"/>
+          </a:p>
+        </p:txBody>
+      </p:sp>
+      <p:sp>
+        <p:nvSpPr>
+          <p:cNvPr id="9" name="矩形 8">
+            <a:extLst>
+              <a:ext uri="{FF2B5EF4-FFF2-40B4-BE49-F238E27FC236}">
+                <a16:creationId xmlns:a16="http://schemas.microsoft.com/office/drawing/2014/main" id="{66F947DA-B2F6-484B-9D55-6A43681B8699}"/>
+              </a:ext>
+            </a:extLst>
+          </p:cNvPr>
+          <p:cNvSpPr/>
+          <p:nvPr/>
+        </p:nvSpPr>
+        <p:spPr>
+          <a:xfrm>
+            <a:off x="3885538" y="1502796"/>
+            <a:ext cx="1119807" cy="1411357"/>
+          </a:xfrm>
+          <a:prstGeom prst="rect">
+            <a:avLst/>
+          </a:prstGeom>
+          <a:solidFill>
+            <a:srgbClr val="FFFF00">
+              <a:alpha val="20000"/>
+            </a:srgbClr>
+          </a:solidFill>
+          <a:ln>
+            <a:noFill/>
+          </a:ln>
+        </p:spPr>
+        <p:style>
+          <a:lnRef idx="2">
+            <a:schemeClr val="accent1">
+              <a:shade val="50000"/>
+            </a:schemeClr>
+          </a:lnRef>
+          <a:fillRef idx="1">
+            <a:schemeClr val="accent1"/>
+          </a:fillRef>
+          <a:effectRef idx="0">
+            <a:schemeClr val="accent1"/>
+          </a:effectRef>
+          <a:fontRef idx="minor">
+            <a:schemeClr val="lt1"/>
+          </a:fontRef>
+        </p:style>
+        <p:txBody>
+          <a:bodyPr rtlCol="0" anchor="ctr"/>
+          <a:lstStyle/>
+          <a:p>
+            <a:pPr algn="ctr"/>
+            <a:endParaRPr lang="zh-CN" altLang="en-US"/>
+          </a:p>
+        </p:txBody>
+      </p:sp>
+      <p:sp>
+        <p:nvSpPr>
+          <p:cNvPr id="12" name="星形: 五角 11">
+            <a:extLst>
+              <a:ext uri="{FF2B5EF4-FFF2-40B4-BE49-F238E27FC236}">
+                <a16:creationId xmlns:a16="http://schemas.microsoft.com/office/drawing/2014/main" id="{66D9EE2C-F822-447D-9149-4294EE5961BC}"/>
+              </a:ext>
+            </a:extLst>
+          </p:cNvPr>
+          <p:cNvSpPr/>
+          <p:nvPr/>
+        </p:nvSpPr>
+        <p:spPr>
+          <a:xfrm>
+            <a:off x="4007457" y="2492734"/>
+            <a:ext cx="139148" cy="143123"/>
+          </a:xfrm>
+          <a:prstGeom prst="star5">
+            <a:avLst/>
+          </a:prstGeom>
+        </p:spPr>
+        <p:style>
+          <a:lnRef idx="2">
+            <a:schemeClr val="accent6">
+              <a:shade val="50000"/>
+            </a:schemeClr>
+          </a:lnRef>
+          <a:fillRef idx="1">
+            <a:schemeClr val="accent6"/>
+          </a:fillRef>
+          <a:effectRef idx="0">
+            <a:schemeClr val="accent6"/>
+          </a:effectRef>
+          <a:fontRef idx="minor">
+            <a:schemeClr val="lt1"/>
+          </a:fontRef>
+        </p:style>
+        <p:txBody>
+          <a:bodyPr rtlCol="0" anchor="ctr"/>
+          <a:lstStyle/>
+          <a:p>
+            <a:pPr algn="ctr"/>
+            <a:endParaRPr lang="zh-CN" altLang="en-US"/>
+          </a:p>
+        </p:txBody>
+      </p:sp>
+      <p:sp>
+        <p:nvSpPr>
+          <p:cNvPr id="13" name="星形: 五角 12">
+            <a:extLst>
+              <a:ext uri="{FF2B5EF4-FFF2-40B4-BE49-F238E27FC236}">
+                <a16:creationId xmlns:a16="http://schemas.microsoft.com/office/drawing/2014/main" id="{ABFF046E-753A-4C0B-A43E-AE339BE5655D}"/>
+              </a:ext>
+            </a:extLst>
+          </p:cNvPr>
+          <p:cNvSpPr/>
+          <p:nvPr/>
+        </p:nvSpPr>
+        <p:spPr>
+          <a:xfrm>
+            <a:off x="4752891" y="2492734"/>
+            <a:ext cx="139148" cy="143123"/>
+          </a:xfrm>
+          <a:prstGeom prst="star5">
+            <a:avLst/>
+          </a:prstGeom>
+        </p:spPr>
+        <p:style>
+          <a:lnRef idx="2">
+            <a:schemeClr val="accent6">
+              <a:shade val="50000"/>
+            </a:schemeClr>
+          </a:lnRef>
+          <a:fillRef idx="1">
+            <a:schemeClr val="accent6"/>
+          </a:fillRef>
+          <a:effectRef idx="0">
+            <a:schemeClr val="accent6"/>
+          </a:effectRef>
+          <a:fontRef idx="minor">
+            <a:schemeClr val="lt1"/>
+          </a:fontRef>
+        </p:style>
+        <p:txBody>
+          <a:bodyPr rtlCol="0" anchor="ctr"/>
+          <a:lstStyle/>
+          <a:p>
+            <a:pPr algn="ctr"/>
+            <a:endParaRPr lang="zh-CN" altLang="en-US"/>
+          </a:p>
+        </p:txBody>
+      </p:sp>
+    </p:spTree>
+    <p:extLst>
+      <p:ext uri="{BB962C8B-B14F-4D97-AF65-F5344CB8AC3E}">
+        <p14:creationId xmlns:p14="http://schemas.microsoft.com/office/powerpoint/2010/main" val="3880357063"/>
+      </p:ext>
+    </p:extLst>
+  </p:cSld>
+  <p:clrMapOvr>
+    <a:masterClrMapping/>
+  </p:clrMapOvr>
+  <p:timing>
+    <p:tnLst>
+      <p:par>
+        <p:cTn id="1" dur="indefinite" restart="never" nodeType="tmRoot">
+          <p:childTnLst>
+            <p:seq concurrent="1" nextAc="seek">
+              <p:cTn id="2" dur="indefinite" nodeType="mainSeq">
+                <p:childTnLst>
+                  <p:par>
+                    <p:cTn id="3" fill="hold">
+                      <p:stCondLst>
+                        <p:cond delay="indefinite"/>
+                      </p:stCondLst>
+                      <p:childTnLst>
+                        <p:par>
+                          <p:cTn id="4" fill="hold">
+                            <p:stCondLst>
+                              <p:cond delay="0"/>
+                            </p:stCondLst>
+                            <p:childTnLst>
+                              <p:par>
+                                <p:cTn id="5" presetID="1" presetClass="entr" presetSubtype="0" fill="hold" grpId="0" nodeType="clickEffect">
+                                  <p:stCondLst>
+                                    <p:cond delay="0"/>
+                                  </p:stCondLst>
+                                  <p:childTnLst>
+                                    <p:set>
+                                      <p:cBhvr>
+                                        <p:cTn id="6" dur="1" fill="hold">
+                                          <p:stCondLst>
+                                            <p:cond delay="0"/>
+                                          </p:stCondLst>
+                                        </p:cTn>
+                                        <p:tgtEl>
+                                          <p:spTgt spid="12"/>
+                                        </p:tgtEl>
+                                        <p:attrNameLst>
+                                          <p:attrName>style.visibility</p:attrName>
+                                        </p:attrNameLst>
+                                      </p:cBhvr>
+                                      <p:to>
+                                        <p:strVal val="visible"/>
+                                      </p:to>
+                                    </p:set>
+                                  </p:childTnLst>
+                                </p:cTn>
+                              </p:par>
+                              <p:par>
+                                <p:cTn id="7" presetID="1" presetClass="entr" presetSubtype="0" fill="hold" grpId="0" nodeType="withEffect">
+                                  <p:stCondLst>
+                                    <p:cond delay="0"/>
+                                  </p:stCondLst>
+                                  <p:childTnLst>
+                                    <p:set>
+                                      <p:cBhvr>
+                                        <p:cTn id="8" dur="1" fill="hold">
+                                          <p:stCondLst>
+                                            <p:cond delay="0"/>
+                                          </p:stCondLst>
+                                        </p:cTn>
+                                        <p:tgtEl>
+                                          <p:spTgt spid="13"/>
+                                        </p:tgtEl>
+                                        <p:attrNameLst>
+                                          <p:attrName>style.visibility</p:attrName>
+                                        </p:attrNameLst>
+                                      </p:cBhvr>
+                                      <p:to>
+                                        <p:strVal val="visible"/>
+                                      </p:to>
+                                    </p:set>
+                                  </p:childTnLst>
+                                </p:cTn>
+                              </p:par>
+                            </p:childTnLst>
+                          </p:cTn>
+                        </p:par>
+                      </p:childTnLst>
+                    </p:cTn>
+                  </p:par>
+                </p:childTnLst>
+              </p:cTn>
+              <p:prevCondLst>
+                <p:cond evt="onPrev" delay="0">
+                  <p:tgtEl>
+                    <p:sldTgt/>
+                  </p:tgtEl>
+                </p:cond>
+              </p:prevCondLst>
+              <p:nextCondLst>
+                <p:cond evt="onNext" delay="0">
+                  <p:tgtEl>
+                    <p:sldTgt/>
+                  </p:tgtEl>
+                </p:cond>
+              </p:nextCondLst>
+            </p:seq>
+          </p:childTnLst>
+        </p:cTn>
+      </p:par>
+    </p:tnLst>
+    <p:bldLst>
+      <p:bldP spid="12" grpId="0" animBg="1"/>
+      <p:bldP spid="13" grpId="0" animBg="1"/>
+    </p:bldLst>
+  </p:timing>
+</p:sld>
+</file>
+
+<file path=ppt/slides/slide9.xml><?xml version="1.0" encoding="utf-8"?>
+<p:sld xmlns:a="http://schemas.openxmlformats.org/drawingml/2006/main" xmlns:r="http://schemas.openxmlformats.org/officeDocument/2006/relationships" xmlns:p="http://schemas.openxmlformats.org/presentationml/2006/main">
+  <p:cSld>
+    <p:spTree>
+      <p:nvGrpSpPr>
+        <p:cNvPr id="1" name=""/>
+        <p:cNvGrpSpPr/>
+        <p:nvPr/>
+      </p:nvGrpSpPr>
+      <p:grpSpPr>
+        <a:xfrm>
+          <a:off x="0" y="0"/>
+          <a:ext cx="0" cy="0"/>
+          <a:chOff x="0" y="0"/>
+          <a:chExt cx="0" cy="0"/>
+        </a:xfrm>
+      </p:grpSpPr>
+      <p:pic>
+        <p:nvPicPr>
+          <p:cNvPr id="4" name="图片 3">
+            <a:extLst>
+              <a:ext uri="{FF2B5EF4-FFF2-40B4-BE49-F238E27FC236}">
+                <a16:creationId xmlns:a16="http://schemas.microsoft.com/office/drawing/2014/main" id="{A7C42E5D-7BCC-4409-B50D-D4A906EBB519}"/>
+              </a:ext>
+            </a:extLst>
+          </p:cNvPr>
+          <p:cNvPicPr>
+            <a:picLocks noChangeAspect="1"/>
+          </p:cNvPicPr>
+          <p:nvPr/>
+        </p:nvPicPr>
+        <p:blipFill>
+          <a:blip r:embed="rId2"/>
+          <a:stretch>
+            <a:fillRect/>
+          </a:stretch>
+        </p:blipFill>
+        <p:spPr>
+          <a:xfrm>
+            <a:off x="643844" y="527700"/>
+            <a:ext cx="6834957" cy="2730934"/>
+          </a:xfrm>
+          <a:prstGeom prst="rect">
+            <a:avLst/>
+          </a:prstGeom>
+        </p:spPr>
+      </p:pic>
+      <p:sp>
+        <p:nvSpPr>
+          <p:cNvPr id="5" name="矩形 4">
+            <a:extLst>
+              <a:ext uri="{FF2B5EF4-FFF2-40B4-BE49-F238E27FC236}">
+                <a16:creationId xmlns:a16="http://schemas.microsoft.com/office/drawing/2014/main" id="{9B4D4F99-BD4C-4298-9C04-697701902E71}"/>
+              </a:ext>
+            </a:extLst>
+          </p:cNvPr>
+          <p:cNvSpPr/>
+          <p:nvPr/>
+        </p:nvSpPr>
+        <p:spPr>
+          <a:xfrm>
+            <a:off x="1894594" y="1187488"/>
+            <a:ext cx="1855304" cy="1411357"/>
+          </a:xfrm>
+          <a:prstGeom prst="rect">
+            <a:avLst/>
+          </a:prstGeom>
+          <a:solidFill>
+            <a:srgbClr val="FFFF00">
+              <a:alpha val="20000"/>
+            </a:srgbClr>
+          </a:solidFill>
+          <a:ln>
+            <a:noFill/>
+          </a:ln>
+        </p:spPr>
+        <p:style>
+          <a:lnRef idx="2">
+            <a:schemeClr val="accent1">
+              <a:shade val="50000"/>
+            </a:schemeClr>
+          </a:lnRef>
+          <a:fillRef idx="1">
+            <a:schemeClr val="accent1"/>
+          </a:fillRef>
+          <a:effectRef idx="0">
+            <a:schemeClr val="accent1"/>
+          </a:effectRef>
+          <a:fontRef idx="minor">
+            <a:schemeClr val="lt1"/>
+          </a:fontRef>
+        </p:style>
+        <p:txBody>
+          <a:bodyPr rtlCol="0" anchor="ctr"/>
+          <a:lstStyle/>
+          <a:p>
+            <a:pPr algn="ctr"/>
+            <a:endParaRPr lang="zh-CN" altLang="en-US"/>
+          </a:p>
+        </p:txBody>
+      </p:sp>
+      <p:pic>
+        <p:nvPicPr>
+          <p:cNvPr id="6" name="图片 5">
+            <a:extLst>
+              <a:ext uri="{FF2B5EF4-FFF2-40B4-BE49-F238E27FC236}">
+                <a16:creationId xmlns:a16="http://schemas.microsoft.com/office/drawing/2014/main" id="{E5343B58-5B1C-4CCA-AACD-6232B2FA3F75}"/>
+              </a:ext>
+            </a:extLst>
+          </p:cNvPr>
+          <p:cNvPicPr>
+            <a:picLocks noChangeAspect="1"/>
+          </p:cNvPicPr>
+          <p:nvPr/>
+        </p:nvPicPr>
+        <p:blipFill>
+          <a:blip r:embed="rId3"/>
+          <a:stretch>
+            <a:fillRect/>
+          </a:stretch>
+        </p:blipFill>
+        <p:spPr>
+          <a:xfrm>
+            <a:off x="643844" y="3402096"/>
+            <a:ext cx="6834957" cy="2730934"/>
+          </a:xfrm>
+          <a:prstGeom prst="rect">
+            <a:avLst/>
+          </a:prstGeom>
+        </p:spPr>
+      </p:pic>
+      <p:sp>
+        <p:nvSpPr>
+          <p:cNvPr id="7" name="星形: 五角 6">
+            <a:extLst>
+              <a:ext uri="{FF2B5EF4-FFF2-40B4-BE49-F238E27FC236}">
+                <a16:creationId xmlns:a16="http://schemas.microsoft.com/office/drawing/2014/main" id="{24AAA562-AE9E-4376-A041-2DBC7A2F1CA2}"/>
+              </a:ext>
+            </a:extLst>
+          </p:cNvPr>
+          <p:cNvSpPr/>
+          <p:nvPr/>
+        </p:nvSpPr>
+        <p:spPr>
+          <a:xfrm>
+            <a:off x="2036391" y="2213207"/>
+            <a:ext cx="139148" cy="143123"/>
+          </a:xfrm>
+          <a:prstGeom prst="star5">
+            <a:avLst/>
+          </a:prstGeom>
+        </p:spPr>
+        <p:style>
+          <a:lnRef idx="2">
+            <a:schemeClr val="accent6">
+              <a:shade val="50000"/>
+            </a:schemeClr>
+          </a:lnRef>
+          <a:fillRef idx="1">
+            <a:schemeClr val="accent6"/>
+          </a:fillRef>
+          <a:effectRef idx="0">
+            <a:schemeClr val="accent6"/>
+          </a:effectRef>
+          <a:fontRef idx="minor">
+            <a:schemeClr val="lt1"/>
+          </a:fontRef>
+        </p:style>
+        <p:txBody>
+          <a:bodyPr rtlCol="0" anchor="ctr"/>
+          <a:lstStyle/>
+          <a:p>
+            <a:pPr algn="ctr"/>
+            <a:endParaRPr lang="zh-CN" altLang="en-US"/>
+          </a:p>
+        </p:txBody>
+      </p:sp>
+      <p:sp>
+        <p:nvSpPr>
+          <p:cNvPr id="8" name="星形: 五角 7">
+            <a:extLst>
+              <a:ext uri="{FF2B5EF4-FFF2-40B4-BE49-F238E27FC236}">
+                <a16:creationId xmlns:a16="http://schemas.microsoft.com/office/drawing/2014/main" id="{59181F0C-D400-4DDE-97D0-CD8FCBA288C0}"/>
+              </a:ext>
+            </a:extLst>
+          </p:cNvPr>
+          <p:cNvSpPr/>
+          <p:nvPr/>
+        </p:nvSpPr>
+        <p:spPr>
+          <a:xfrm>
+            <a:off x="2380284" y="2213207"/>
+            <a:ext cx="139148" cy="143123"/>
+          </a:xfrm>
+          <a:prstGeom prst="star5">
+            <a:avLst/>
+          </a:prstGeom>
+        </p:spPr>
+        <p:style>
+          <a:lnRef idx="2">
+            <a:schemeClr val="accent6">
+              <a:shade val="50000"/>
+            </a:schemeClr>
+          </a:lnRef>
+          <a:fillRef idx="1">
+            <a:schemeClr val="accent6"/>
+          </a:fillRef>
+          <a:effectRef idx="0">
+            <a:schemeClr val="accent6"/>
+          </a:effectRef>
+          <a:fontRef idx="minor">
+            <a:schemeClr val="lt1"/>
+          </a:fontRef>
+        </p:style>
+        <p:txBody>
+          <a:bodyPr rtlCol="0" anchor="ctr"/>
+          <a:lstStyle/>
+          <a:p>
+            <a:pPr algn="ctr"/>
+            <a:endParaRPr lang="zh-CN" altLang="en-US"/>
+          </a:p>
+        </p:txBody>
+      </p:sp>
+      <p:sp>
+        <p:nvSpPr>
+          <p:cNvPr id="9" name="星形: 五角 8">
+            <a:extLst>
+              <a:ext uri="{FF2B5EF4-FFF2-40B4-BE49-F238E27FC236}">
+                <a16:creationId xmlns:a16="http://schemas.microsoft.com/office/drawing/2014/main" id="{DED39B9E-6AF7-450E-AC83-80F4385841EA}"/>
+              </a:ext>
+            </a:extLst>
+          </p:cNvPr>
+          <p:cNvSpPr/>
+          <p:nvPr/>
+        </p:nvSpPr>
+        <p:spPr>
+          <a:xfrm>
+            <a:off x="3127709" y="2213207"/>
+            <a:ext cx="139148" cy="143123"/>
+          </a:xfrm>
+          <a:prstGeom prst="star5">
+            <a:avLst/>
+          </a:prstGeom>
+        </p:spPr>
+        <p:style>
+          <a:lnRef idx="2">
+            <a:schemeClr val="accent6">
+              <a:shade val="50000"/>
+            </a:schemeClr>
+          </a:lnRef>
+          <a:fillRef idx="1">
+            <a:schemeClr val="accent6"/>
+          </a:fillRef>
+          <a:effectRef idx="0">
+            <a:schemeClr val="accent6"/>
+          </a:effectRef>
+          <a:fontRef idx="minor">
+            <a:schemeClr val="lt1"/>
+          </a:fontRef>
+        </p:style>
+        <p:txBody>
+          <a:bodyPr rtlCol="0" anchor="ctr"/>
+          <a:lstStyle/>
+          <a:p>
+            <a:pPr algn="ctr"/>
+            <a:endParaRPr lang="zh-CN" altLang="en-US"/>
+          </a:p>
+        </p:txBody>
+      </p:sp>
+      <p:sp>
+        <p:nvSpPr>
+          <p:cNvPr id="10" name="星形: 五角 9">
+            <a:extLst>
+              <a:ext uri="{FF2B5EF4-FFF2-40B4-BE49-F238E27FC236}">
+                <a16:creationId xmlns:a16="http://schemas.microsoft.com/office/drawing/2014/main" id="{CC41E36F-F7C3-460A-9E75-72BB38F38AAF}"/>
+              </a:ext>
+            </a:extLst>
+          </p:cNvPr>
+          <p:cNvSpPr/>
+          <p:nvPr/>
+        </p:nvSpPr>
+        <p:spPr>
+          <a:xfrm>
+            <a:off x="3471602" y="2213207"/>
+            <a:ext cx="139148" cy="143123"/>
+          </a:xfrm>
+          <a:prstGeom prst="star5">
+            <a:avLst/>
+          </a:prstGeom>
+        </p:spPr>
+        <p:style>
+          <a:lnRef idx="2">
+            <a:schemeClr val="accent6">
+              <a:shade val="50000"/>
+            </a:schemeClr>
+          </a:lnRef>
+          <a:fillRef idx="1">
+            <a:schemeClr val="accent6"/>
+          </a:fillRef>
+          <a:effectRef idx="0">
+            <a:schemeClr val="accent6"/>
+          </a:effectRef>
+          <a:fontRef idx="minor">
+            <a:schemeClr val="lt1"/>
+          </a:fontRef>
+        </p:style>
+        <p:txBody>
+          <a:bodyPr rtlCol="0" anchor="ctr"/>
+          <a:lstStyle/>
+          <a:p>
+            <a:pPr algn="ctr"/>
+            <a:endParaRPr lang="zh-CN" altLang="en-US"/>
+          </a:p>
+        </p:txBody>
+      </p:sp>
+      <p:grpSp>
+        <p:nvGrpSpPr>
+          <p:cNvPr id="16" name="组合 15">
+            <a:extLst>
+              <a:ext uri="{FF2B5EF4-FFF2-40B4-BE49-F238E27FC236}">
+                <a16:creationId xmlns:a16="http://schemas.microsoft.com/office/drawing/2014/main" id="{D84A3165-E975-4195-AC94-5B387B8A1671}"/>
+              </a:ext>
+            </a:extLst>
+          </p:cNvPr>
+          <p:cNvGrpSpPr/>
+          <p:nvPr/>
+        </p:nvGrpSpPr>
+        <p:grpSpPr>
+          <a:xfrm>
+            <a:off x="11427400" y="4563640"/>
+            <a:ext cx="322524" cy="670429"/>
+            <a:chOff x="11081994" y="3713408"/>
+            <a:chExt cx="322524" cy="670429"/>
+          </a:xfrm>
+        </p:grpSpPr>
+        <p:sp>
+          <p:nvSpPr>
+            <p:cNvPr id="12" name="箭头: 上 11">
+              <a:extLst>
+                <a:ext uri="{FF2B5EF4-FFF2-40B4-BE49-F238E27FC236}">
+                  <a16:creationId xmlns:a16="http://schemas.microsoft.com/office/drawing/2014/main" id="{34291294-E8E1-48D1-BC2F-D2E53530B7CD}"/>
+                </a:ext>
+              </a:extLst>
+            </p:cNvPr>
+            <p:cNvSpPr/>
+            <p:nvPr/>
+          </p:nvSpPr>
+          <p:spPr>
+            <a:xfrm>
+              <a:off x="11129493" y="3713408"/>
+              <a:ext cx="227527" cy="352023"/>
+            </a:xfrm>
+            <a:prstGeom prst="upArrow">
+              <a:avLst/>
+            </a:prstGeom>
+          </p:spPr>
+          <p:style>
+            <a:lnRef idx="2">
+              <a:schemeClr val="accent6">
+                <a:shade val="50000"/>
+              </a:schemeClr>
+            </a:lnRef>
+            <a:fillRef idx="1">
+              <a:schemeClr val="accent6"/>
+            </a:fillRef>
+            <a:effectRef idx="0">
+              <a:schemeClr val="accent6"/>
+            </a:effectRef>
+            <a:fontRef idx="minor">
+              <a:schemeClr val="lt1"/>
+            </a:fontRef>
+          </p:style>
+          <p:txBody>
+            <a:bodyPr rtlCol="0" anchor="ctr"/>
+            <a:lstStyle/>
+            <a:p>
+              <a:pPr algn="ctr"/>
+              <a:endParaRPr lang="zh-CN" altLang="en-US" dirty="0"/>
+            </a:p>
+          </p:txBody>
+        </p:sp>
+        <p:sp>
+          <p:nvSpPr>
+            <p:cNvPr id="13" name="文本框 12">
+              <a:extLst>
+                <a:ext uri="{FF2B5EF4-FFF2-40B4-BE49-F238E27FC236}">
+                  <a16:creationId xmlns:a16="http://schemas.microsoft.com/office/drawing/2014/main" id="{FA573F98-2A7A-4777-8B9C-834D62A93A23}"/>
+                </a:ext>
+              </a:extLst>
+            </p:cNvPr>
+            <p:cNvSpPr txBox="1"/>
+            <p:nvPr/>
+          </p:nvSpPr>
+          <p:spPr>
+            <a:xfrm>
+              <a:off x="11081994" y="4014505"/>
+              <a:ext cx="322524" cy="369332"/>
+            </a:xfrm>
+            <a:prstGeom prst="rect">
+              <a:avLst/>
+            </a:prstGeom>
+            <a:noFill/>
+          </p:spPr>
+          <p:txBody>
+            <a:bodyPr wrap="none" rtlCol="0">
+              <a:spAutoFit/>
+            </a:bodyPr>
+            <a:lstStyle/>
+            <a:p>
+              <a:r>
+                <a:rPr lang="en-US" altLang="zh-CN" dirty="0">
+                  <a:latin typeface="Source Code Pro" panose="020B0509030403020204" pitchFamily="49" charset="0"/>
+                  <a:ea typeface="Source Code Pro" panose="020B0509030403020204" pitchFamily="49" charset="0"/>
+                </a:rPr>
+                <a:t>j</a:t>
+              </a:r>
+              <a:endParaRPr lang="zh-CN" altLang="en-US" dirty="0">
+                <a:latin typeface="Source Code Pro" panose="020B0509030403020204" pitchFamily="49" charset="0"/>
+              </a:endParaRPr>
+            </a:p>
+          </p:txBody>
+        </p:sp>
+      </p:grpSp>
+      <p:pic>
+        <p:nvPicPr>
+          <p:cNvPr id="15" name="图片 14">
+            <a:extLst>
+              <a:ext uri="{FF2B5EF4-FFF2-40B4-BE49-F238E27FC236}">
+                <a16:creationId xmlns:a16="http://schemas.microsoft.com/office/drawing/2014/main" id="{A50FF39F-DE8B-4F78-BE84-3A6BAA9DA6A8}"/>
+              </a:ext>
+            </a:extLst>
+          </p:cNvPr>
+          <p:cNvPicPr>
+            <a:picLocks noChangeAspect="1"/>
+          </p:cNvPicPr>
+          <p:nvPr/>
+        </p:nvPicPr>
+        <p:blipFill>
+          <a:blip r:embed="rId4"/>
+          <a:stretch>
+            <a:fillRect/>
+          </a:stretch>
+        </p:blipFill>
+        <p:spPr>
+          <a:xfrm>
+            <a:off x="8040869" y="3243744"/>
+            <a:ext cx="4006007" cy="1419225"/>
+          </a:xfrm>
+          <a:prstGeom prst="rect">
+            <a:avLst/>
+          </a:prstGeom>
+        </p:spPr>
+      </p:pic>
+      <p:grpSp>
+        <p:nvGrpSpPr>
+          <p:cNvPr id="17" name="组合 16">
+            <a:extLst>
+              <a:ext uri="{FF2B5EF4-FFF2-40B4-BE49-F238E27FC236}">
+                <a16:creationId xmlns:a16="http://schemas.microsoft.com/office/drawing/2014/main" id="{A653DD14-5C45-4CA1-9611-4E6A5F5D7808}"/>
+              </a:ext>
+            </a:extLst>
+          </p:cNvPr>
+          <p:cNvGrpSpPr/>
+          <p:nvPr/>
+        </p:nvGrpSpPr>
+        <p:grpSpPr>
+          <a:xfrm>
+            <a:off x="10682880" y="4563640"/>
+            <a:ext cx="598241" cy="618914"/>
+            <a:chOff x="10952557" y="3713408"/>
+            <a:chExt cx="598241" cy="618914"/>
+          </a:xfrm>
+        </p:grpSpPr>
+        <p:sp>
+          <p:nvSpPr>
+            <p:cNvPr id="18" name="箭头: 上 17">
+              <a:extLst>
+                <a:ext uri="{FF2B5EF4-FFF2-40B4-BE49-F238E27FC236}">
+                  <a16:creationId xmlns:a16="http://schemas.microsoft.com/office/drawing/2014/main" id="{33259668-BF1E-4B5C-80D4-E8FAB8546E76}"/>
+                </a:ext>
+              </a:extLst>
+            </p:cNvPr>
+            <p:cNvSpPr/>
+            <p:nvPr/>
+          </p:nvSpPr>
+          <p:spPr>
+            <a:xfrm>
+              <a:off x="11129493" y="3713408"/>
+              <a:ext cx="227527" cy="352023"/>
+            </a:xfrm>
+            <a:prstGeom prst="upArrow">
+              <a:avLst/>
+            </a:prstGeom>
+          </p:spPr>
+          <p:style>
+            <a:lnRef idx="2">
+              <a:schemeClr val="accent6">
+                <a:shade val="50000"/>
+              </a:schemeClr>
+            </a:lnRef>
+            <a:fillRef idx="1">
+              <a:schemeClr val="accent6"/>
+            </a:fillRef>
+            <a:effectRef idx="0">
+              <a:schemeClr val="accent6"/>
+            </a:effectRef>
+            <a:fontRef idx="minor">
+              <a:schemeClr val="lt1"/>
+            </a:fontRef>
+          </p:style>
+          <p:txBody>
+            <a:bodyPr rtlCol="0" anchor="ctr"/>
+            <a:lstStyle/>
+            <a:p>
+              <a:pPr algn="ctr"/>
+              <a:endParaRPr lang="zh-CN" altLang="en-US" dirty="0"/>
+            </a:p>
+          </p:txBody>
+        </p:sp>
+        <p:sp>
+          <p:nvSpPr>
+            <p:cNvPr id="19" name="文本框 18">
+              <a:extLst>
+                <a:ext uri="{FF2B5EF4-FFF2-40B4-BE49-F238E27FC236}">
+                  <a16:creationId xmlns:a16="http://schemas.microsoft.com/office/drawing/2014/main" id="{962B888C-40DD-4084-8607-41EECE2BFDE2}"/>
+                </a:ext>
+              </a:extLst>
+            </p:cNvPr>
+            <p:cNvSpPr txBox="1"/>
+            <p:nvPr/>
+          </p:nvSpPr>
+          <p:spPr>
+            <a:xfrm>
+              <a:off x="10952557" y="3962990"/>
+              <a:ext cx="598241" cy="369332"/>
+            </a:xfrm>
+            <a:prstGeom prst="rect">
+              <a:avLst/>
+            </a:prstGeom>
+            <a:noFill/>
+          </p:spPr>
+          <p:txBody>
+            <a:bodyPr wrap="none" rtlCol="0">
+              <a:spAutoFit/>
+            </a:bodyPr>
+            <a:lstStyle/>
+            <a:p>
+              <a:r>
+                <a:rPr lang="en-US" altLang="zh-CN" dirty="0">
+                  <a:latin typeface="Source Code Pro" panose="020B0509030403020204" pitchFamily="49" charset="0"/>
+                  <a:ea typeface="Source Code Pro" panose="020B0509030403020204" pitchFamily="49" charset="0"/>
+                </a:rPr>
+                <a:t>j-1</a:t>
+              </a:r>
+              <a:endParaRPr lang="zh-CN" altLang="en-US" dirty="0">
+                <a:latin typeface="Source Code Pro" panose="020B0509030403020204" pitchFamily="49" charset="0"/>
+              </a:endParaRPr>
+            </a:p>
+          </p:txBody>
+        </p:sp>
+      </p:grpSp>
+      <p:grpSp>
+        <p:nvGrpSpPr>
+          <p:cNvPr id="20" name="组合 19">
+            <a:extLst>
+              <a:ext uri="{FF2B5EF4-FFF2-40B4-BE49-F238E27FC236}">
+                <a16:creationId xmlns:a16="http://schemas.microsoft.com/office/drawing/2014/main" id="{F041BF0D-DA16-48C4-B940-521F5A3F7F39}"/>
+              </a:ext>
+            </a:extLst>
+          </p:cNvPr>
+          <p:cNvGrpSpPr/>
+          <p:nvPr/>
+        </p:nvGrpSpPr>
+        <p:grpSpPr>
+          <a:xfrm>
+            <a:off x="8869725" y="4555280"/>
+            <a:ext cx="598241" cy="618914"/>
+            <a:chOff x="10952557" y="3713408"/>
+            <a:chExt cx="598241" cy="618914"/>
+          </a:xfrm>
+        </p:grpSpPr>
+        <p:sp>
+          <p:nvSpPr>
+            <p:cNvPr id="21" name="箭头: 上 20">
+              <a:extLst>
+                <a:ext uri="{FF2B5EF4-FFF2-40B4-BE49-F238E27FC236}">
+                  <a16:creationId xmlns:a16="http://schemas.microsoft.com/office/drawing/2014/main" id="{1FF764F5-B076-4F41-9A7B-698A2BF1A8F6}"/>
+                </a:ext>
+              </a:extLst>
+            </p:cNvPr>
+            <p:cNvSpPr/>
+            <p:nvPr/>
+          </p:nvSpPr>
+          <p:spPr>
+            <a:xfrm>
+              <a:off x="11129493" y="3713408"/>
+              <a:ext cx="227527" cy="352023"/>
+            </a:xfrm>
+            <a:prstGeom prst="upArrow">
+              <a:avLst/>
+            </a:prstGeom>
+          </p:spPr>
+          <p:style>
+            <a:lnRef idx="2">
+              <a:schemeClr val="accent6">
+                <a:shade val="50000"/>
+              </a:schemeClr>
+            </a:lnRef>
+            <a:fillRef idx="1">
+              <a:schemeClr val="accent6"/>
+            </a:fillRef>
+            <a:effectRef idx="0">
+              <a:schemeClr val="accent6"/>
+            </a:effectRef>
+            <a:fontRef idx="minor">
+              <a:schemeClr val="lt1"/>
+            </a:fontRef>
+          </p:style>
+          <p:txBody>
+            <a:bodyPr rtlCol="0" anchor="ctr"/>
+            <a:lstStyle/>
+            <a:p>
+              <a:pPr algn="ctr"/>
+              <a:endParaRPr lang="zh-CN" altLang="en-US" dirty="0"/>
+            </a:p>
+          </p:txBody>
+        </p:sp>
+        <p:sp>
+          <p:nvSpPr>
+            <p:cNvPr id="22" name="文本框 21">
+              <a:extLst>
+                <a:ext uri="{FF2B5EF4-FFF2-40B4-BE49-F238E27FC236}">
+                  <a16:creationId xmlns:a16="http://schemas.microsoft.com/office/drawing/2014/main" id="{28D1E6CE-3318-4776-9425-483CE916DD1C}"/>
+                </a:ext>
+              </a:extLst>
+            </p:cNvPr>
+            <p:cNvSpPr txBox="1"/>
+            <p:nvPr/>
+          </p:nvSpPr>
+          <p:spPr>
+            <a:xfrm>
+              <a:off x="10952557" y="3962990"/>
+              <a:ext cx="598241" cy="369332"/>
+            </a:xfrm>
+            <a:prstGeom prst="rect">
+              <a:avLst/>
+            </a:prstGeom>
+            <a:noFill/>
+          </p:spPr>
+          <p:txBody>
+            <a:bodyPr wrap="none" rtlCol="0">
+              <a:spAutoFit/>
+            </a:bodyPr>
+            <a:lstStyle/>
+            <a:p>
+              <a:r>
+                <a:rPr lang="en-US" altLang="zh-CN" dirty="0">
+                  <a:latin typeface="Source Code Pro" panose="020B0509030403020204" pitchFamily="49" charset="0"/>
+                  <a:ea typeface="Source Code Pro" panose="020B0509030403020204" pitchFamily="49" charset="0"/>
+                </a:rPr>
+                <a:t>k-1</a:t>
+              </a:r>
+              <a:endParaRPr lang="zh-CN" altLang="en-US" dirty="0">
+                <a:latin typeface="Source Code Pro" panose="020B0509030403020204" pitchFamily="49" charset="0"/>
+              </a:endParaRPr>
+            </a:p>
+          </p:txBody>
+        </p:sp>
+      </p:grpSp>
+      <p:grpSp>
+        <p:nvGrpSpPr>
+          <p:cNvPr id="25" name="组合 24">
+            <a:extLst>
+              <a:ext uri="{FF2B5EF4-FFF2-40B4-BE49-F238E27FC236}">
+                <a16:creationId xmlns:a16="http://schemas.microsoft.com/office/drawing/2014/main" id="{8C7E638A-F2A8-4853-B544-7B3605B0FEC4}"/>
+              </a:ext>
+            </a:extLst>
+          </p:cNvPr>
+          <p:cNvGrpSpPr/>
+          <p:nvPr/>
+        </p:nvGrpSpPr>
+        <p:grpSpPr>
+          <a:xfrm>
+            <a:off x="8417752" y="2806284"/>
+            <a:ext cx="322524" cy="724667"/>
+            <a:chOff x="8220738" y="1693622"/>
+            <a:chExt cx="322524" cy="724667"/>
+          </a:xfrm>
+        </p:grpSpPr>
+        <p:sp>
+          <p:nvSpPr>
+            <p:cNvPr id="23" name="箭头: 下 22">
+              <a:extLst>
+                <a:ext uri="{FF2B5EF4-FFF2-40B4-BE49-F238E27FC236}">
+                  <a16:creationId xmlns:a16="http://schemas.microsoft.com/office/drawing/2014/main" id="{9D496CC7-B22D-4DE4-AB60-C4F8DE3D47C0}"/>
+                </a:ext>
+              </a:extLst>
+            </p:cNvPr>
+            <p:cNvSpPr/>
+            <p:nvPr/>
+          </p:nvSpPr>
+          <p:spPr>
+            <a:xfrm>
+              <a:off x="8259651" y="2008124"/>
+              <a:ext cx="244698" cy="410165"/>
+            </a:xfrm>
+            <a:prstGeom prst="downArrow">
+              <a:avLst/>
+            </a:prstGeom>
+          </p:spPr>
+          <p:style>
+            <a:lnRef idx="2">
+              <a:schemeClr val="accent6">
+                <a:shade val="50000"/>
+              </a:schemeClr>
+            </a:lnRef>
+            <a:fillRef idx="1">
+              <a:schemeClr val="accent6"/>
+            </a:fillRef>
+            <a:effectRef idx="0">
+              <a:schemeClr val="accent6"/>
+            </a:effectRef>
+            <a:fontRef idx="minor">
+              <a:schemeClr val="lt1"/>
+            </a:fontRef>
+          </p:style>
+          <p:txBody>
+            <a:bodyPr rtlCol="0" anchor="ctr"/>
+            <a:lstStyle/>
+            <a:p>
+              <a:pPr algn="ctr"/>
+              <a:endParaRPr lang="zh-CN" altLang="en-US"/>
+            </a:p>
+          </p:txBody>
+        </p:sp>
+        <p:sp>
+          <p:nvSpPr>
+            <p:cNvPr id="24" name="文本框 23">
+              <a:extLst>
+                <a:ext uri="{FF2B5EF4-FFF2-40B4-BE49-F238E27FC236}">
+                  <a16:creationId xmlns:a16="http://schemas.microsoft.com/office/drawing/2014/main" id="{7994F226-E8FC-4B18-B3EB-9712C41300FB}"/>
+                </a:ext>
+              </a:extLst>
+            </p:cNvPr>
+            <p:cNvSpPr txBox="1"/>
+            <p:nvPr/>
+          </p:nvSpPr>
+          <p:spPr>
+            <a:xfrm>
+              <a:off x="8220738" y="1693622"/>
+              <a:ext cx="322524" cy="369332"/>
+            </a:xfrm>
+            <a:prstGeom prst="rect">
+              <a:avLst/>
+            </a:prstGeom>
+            <a:noFill/>
+          </p:spPr>
+          <p:txBody>
+            <a:bodyPr wrap="none" rtlCol="0">
+              <a:spAutoFit/>
+            </a:bodyPr>
+            <a:lstStyle/>
+            <a:p>
+              <a:r>
+                <a:rPr lang="en-US" altLang="zh-CN" dirty="0">
+                  <a:latin typeface="Source Code Pro" panose="020B0509030403020204" pitchFamily="49" charset="0"/>
+                </a:rPr>
+                <a:t>0</a:t>
+              </a:r>
+              <a:endParaRPr lang="zh-CN" altLang="en-US" dirty="0">
+                <a:latin typeface="Source Code Pro" panose="020B0509030403020204" pitchFamily="49" charset="0"/>
+              </a:endParaRPr>
+            </a:p>
+          </p:txBody>
+        </p:sp>
+      </p:grpSp>
+      <p:grpSp>
+        <p:nvGrpSpPr>
+          <p:cNvPr id="26" name="组合 25">
+            <a:extLst>
+              <a:ext uri="{FF2B5EF4-FFF2-40B4-BE49-F238E27FC236}">
+                <a16:creationId xmlns:a16="http://schemas.microsoft.com/office/drawing/2014/main" id="{8086820F-7499-4AB6-8195-43D23B67B000}"/>
+              </a:ext>
+            </a:extLst>
+          </p:cNvPr>
+          <p:cNvGrpSpPr/>
+          <p:nvPr/>
+        </p:nvGrpSpPr>
+        <p:grpSpPr>
+          <a:xfrm>
+            <a:off x="9592337" y="2806284"/>
+            <a:ext cx="322524" cy="724667"/>
+            <a:chOff x="8220738" y="1693622"/>
+            <a:chExt cx="322524" cy="724667"/>
+          </a:xfrm>
+        </p:grpSpPr>
+        <p:sp>
+          <p:nvSpPr>
+            <p:cNvPr id="27" name="箭头: 下 26">
+              <a:extLst>
+                <a:ext uri="{FF2B5EF4-FFF2-40B4-BE49-F238E27FC236}">
+                  <a16:creationId xmlns:a16="http://schemas.microsoft.com/office/drawing/2014/main" id="{C11C51E8-8677-4736-ACD6-1FE27AE15C5A}"/>
+                </a:ext>
+              </a:extLst>
+            </p:cNvPr>
+            <p:cNvSpPr/>
+            <p:nvPr/>
+          </p:nvSpPr>
+          <p:spPr>
+            <a:xfrm>
+              <a:off x="8259651" y="2008124"/>
+              <a:ext cx="244698" cy="410165"/>
+            </a:xfrm>
+            <a:prstGeom prst="downArrow">
+              <a:avLst/>
+            </a:prstGeom>
+          </p:spPr>
+          <p:style>
+            <a:lnRef idx="2">
+              <a:schemeClr val="accent6">
+                <a:shade val="50000"/>
+              </a:schemeClr>
+            </a:lnRef>
+            <a:fillRef idx="1">
+              <a:schemeClr val="accent6"/>
+            </a:fillRef>
+            <a:effectRef idx="0">
+              <a:schemeClr val="accent6"/>
+            </a:effectRef>
+            <a:fontRef idx="minor">
+              <a:schemeClr val="lt1"/>
+            </a:fontRef>
+          </p:style>
+          <p:txBody>
+            <a:bodyPr rtlCol="0" anchor="ctr"/>
+            <a:lstStyle/>
+            <a:p>
+              <a:pPr algn="ctr"/>
+              <a:endParaRPr lang="zh-CN" altLang="en-US"/>
+            </a:p>
+          </p:txBody>
+        </p:sp>
+        <p:sp>
+          <p:nvSpPr>
+            <p:cNvPr id="28" name="文本框 27">
+              <a:extLst>
+                <a:ext uri="{FF2B5EF4-FFF2-40B4-BE49-F238E27FC236}">
+                  <a16:creationId xmlns:a16="http://schemas.microsoft.com/office/drawing/2014/main" id="{89433450-A14F-4270-81FA-D7407E9257FA}"/>
+                </a:ext>
+              </a:extLst>
+            </p:cNvPr>
+            <p:cNvSpPr txBox="1"/>
+            <p:nvPr/>
+          </p:nvSpPr>
+          <p:spPr>
+            <a:xfrm>
+              <a:off x="8220738" y="1693622"/>
+              <a:ext cx="322524" cy="369332"/>
+            </a:xfrm>
+            <a:prstGeom prst="rect">
+              <a:avLst/>
+            </a:prstGeom>
+            <a:noFill/>
+          </p:spPr>
+          <p:txBody>
+            <a:bodyPr wrap="none" rtlCol="0">
+              <a:spAutoFit/>
+            </a:bodyPr>
+            <a:lstStyle/>
+            <a:p>
+              <a:r>
+                <a:rPr lang="en-US" altLang="zh-CN" dirty="0">
+                  <a:latin typeface="Source Code Pro" panose="020B0509030403020204" pitchFamily="49" charset="0"/>
+                </a:rPr>
+                <a:t>k</a:t>
+              </a:r>
+              <a:endParaRPr lang="zh-CN" altLang="en-US" dirty="0">
+                <a:latin typeface="Source Code Pro" panose="020B0509030403020204" pitchFamily="49" charset="0"/>
+              </a:endParaRPr>
+            </a:p>
+          </p:txBody>
+        </p:sp>
+      </p:grpSp>
+      <p:grpSp>
+        <p:nvGrpSpPr>
+          <p:cNvPr id="29" name="组合 28">
+            <a:extLst>
+              <a:ext uri="{FF2B5EF4-FFF2-40B4-BE49-F238E27FC236}">
+                <a16:creationId xmlns:a16="http://schemas.microsoft.com/office/drawing/2014/main" id="{836F730F-345A-4604-87D2-F6B4FFBDD0E3}"/>
+              </a:ext>
+            </a:extLst>
+          </p:cNvPr>
+          <p:cNvGrpSpPr/>
+          <p:nvPr/>
+        </p:nvGrpSpPr>
+        <p:grpSpPr>
+          <a:xfrm>
+            <a:off x="10046636" y="2806284"/>
+            <a:ext cx="598241" cy="714680"/>
+            <a:chOff x="8097016" y="1703609"/>
+            <a:chExt cx="598241" cy="714680"/>
+          </a:xfrm>
+        </p:grpSpPr>
+        <p:sp>
+          <p:nvSpPr>
+            <p:cNvPr id="30" name="箭头: 下 29">
+              <a:extLst>
+                <a:ext uri="{FF2B5EF4-FFF2-40B4-BE49-F238E27FC236}">
+                  <a16:creationId xmlns:a16="http://schemas.microsoft.com/office/drawing/2014/main" id="{5E9AEB2B-BFF5-4DE4-A82C-F7CD96379A9A}"/>
+                </a:ext>
+              </a:extLst>
+            </p:cNvPr>
+            <p:cNvSpPr/>
+            <p:nvPr/>
+          </p:nvSpPr>
+          <p:spPr>
+            <a:xfrm>
+              <a:off x="8259651" y="2008124"/>
+              <a:ext cx="244698" cy="410165"/>
+            </a:xfrm>
+            <a:prstGeom prst="downArrow">
+              <a:avLst/>
+            </a:prstGeom>
+          </p:spPr>
+          <p:style>
+            <a:lnRef idx="2">
+              <a:schemeClr val="accent6">
+                <a:shade val="50000"/>
+              </a:schemeClr>
+            </a:lnRef>
+            <a:fillRef idx="1">
+              <a:schemeClr val="accent6"/>
+            </a:fillRef>
+            <a:effectRef idx="0">
+              <a:schemeClr val="accent6"/>
+            </a:effectRef>
+            <a:fontRef idx="minor">
+              <a:schemeClr val="lt1"/>
+            </a:fontRef>
+          </p:style>
+          <p:txBody>
+            <a:bodyPr rtlCol="0" anchor="ctr"/>
+            <a:lstStyle/>
+            <a:p>
+              <a:pPr algn="ctr"/>
+              <a:endParaRPr lang="zh-CN" altLang="en-US"/>
+            </a:p>
+          </p:txBody>
+        </p:sp>
+        <p:sp>
+          <p:nvSpPr>
+            <p:cNvPr id="31" name="文本框 30">
+              <a:extLst>
+                <a:ext uri="{FF2B5EF4-FFF2-40B4-BE49-F238E27FC236}">
+                  <a16:creationId xmlns:a16="http://schemas.microsoft.com/office/drawing/2014/main" id="{5B3E8559-B4B0-4C10-A8F1-956BB39E5687}"/>
+                </a:ext>
+              </a:extLst>
+            </p:cNvPr>
+            <p:cNvSpPr txBox="1"/>
+            <p:nvPr/>
+          </p:nvSpPr>
+          <p:spPr>
+            <a:xfrm>
+              <a:off x="8097016" y="1703609"/>
+              <a:ext cx="598241" cy="369332"/>
+            </a:xfrm>
+            <a:prstGeom prst="rect">
+              <a:avLst/>
+            </a:prstGeom>
+            <a:noFill/>
+          </p:spPr>
+          <p:txBody>
+            <a:bodyPr wrap="none" rtlCol="0">
+              <a:spAutoFit/>
+            </a:bodyPr>
+            <a:lstStyle/>
+            <a:p>
+              <a:r>
+                <a:rPr lang="en-US" altLang="zh-CN" dirty="0">
+                  <a:latin typeface="Source Code Pro" panose="020B0509030403020204" pitchFamily="49" charset="0"/>
+                </a:rPr>
+                <a:t>j-k</a:t>
+              </a:r>
+              <a:endParaRPr lang="zh-CN" altLang="en-US" dirty="0">
+                <a:latin typeface="Source Code Pro" panose="020B0509030403020204" pitchFamily="49" charset="0"/>
+              </a:endParaRPr>
+            </a:p>
+          </p:txBody>
+        </p:sp>
+      </p:grpSp>
+      <p:cxnSp>
+        <p:nvCxnSpPr>
+          <p:cNvPr id="35" name="直接连接符 34">
+            <a:extLst>
+              <a:ext uri="{FF2B5EF4-FFF2-40B4-BE49-F238E27FC236}">
+                <a16:creationId xmlns:a16="http://schemas.microsoft.com/office/drawing/2014/main" id="{6B668F0B-9122-4840-B2EA-459F76E34529}"/>
+              </a:ext>
+            </a:extLst>
+          </p:cNvPr>
+          <p:cNvCxnSpPr>
+            <a:cxnSpLocks/>
+          </p:cNvCxnSpPr>
+          <p:nvPr/>
+        </p:nvCxnSpPr>
+        <p:spPr>
+          <a:xfrm>
+            <a:off x="10043872" y="1704531"/>
+            <a:ext cx="0" cy="2850749"/>
+          </a:xfrm>
+          <a:prstGeom prst="line">
+            <a:avLst/>
+          </a:prstGeom>
+        </p:spPr>
+        <p:style>
+          <a:lnRef idx="1">
+            <a:schemeClr val="accent1"/>
+          </a:lnRef>
+          <a:fillRef idx="0">
+            <a:schemeClr val="accent1"/>
+          </a:fillRef>
+          <a:effectRef idx="0">
+            <a:schemeClr val="accent1"/>
+          </a:effectRef>
+          <a:fontRef idx="minor">
+            <a:schemeClr val="tx1"/>
+          </a:fontRef>
+        </p:style>
+      </p:cxnSp>
+      <p:cxnSp>
+        <p:nvCxnSpPr>
+          <p:cNvPr id="37" name="直接连接符 36">
+            <a:extLst>
+              <a:ext uri="{FF2B5EF4-FFF2-40B4-BE49-F238E27FC236}">
+                <a16:creationId xmlns:a16="http://schemas.microsoft.com/office/drawing/2014/main" id="{4E344AB3-27E4-401D-BA76-1AF121545618}"/>
+              </a:ext>
+            </a:extLst>
+          </p:cNvPr>
+          <p:cNvCxnSpPr>
+            <a:cxnSpLocks/>
+          </p:cNvCxnSpPr>
+          <p:nvPr/>
+        </p:nvCxnSpPr>
+        <p:spPr>
+          <a:xfrm>
+            <a:off x="11248047" y="1741130"/>
+            <a:ext cx="0" cy="2778093"/>
+          </a:xfrm>
+          <a:prstGeom prst="line">
+            <a:avLst/>
+          </a:prstGeom>
+        </p:spPr>
+        <p:style>
+          <a:lnRef idx="1">
+            <a:schemeClr val="accent1"/>
+          </a:lnRef>
+          <a:fillRef idx="0">
+            <a:schemeClr val="accent1"/>
+          </a:fillRef>
+          <a:effectRef idx="0">
+            <a:schemeClr val="accent1"/>
+          </a:effectRef>
+          <a:fontRef idx="minor">
+            <a:schemeClr val="tx1"/>
+          </a:fontRef>
+        </p:style>
+      </p:cxnSp>
+      <p:cxnSp>
+        <p:nvCxnSpPr>
+          <p:cNvPr id="42" name="直接连接符 41">
+            <a:extLst>
+              <a:ext uri="{FF2B5EF4-FFF2-40B4-BE49-F238E27FC236}">
+                <a16:creationId xmlns:a16="http://schemas.microsoft.com/office/drawing/2014/main" id="{1D1A3191-326A-462C-BE32-6990EF5656B8}"/>
+              </a:ext>
+            </a:extLst>
+          </p:cNvPr>
+          <p:cNvCxnSpPr>
+            <a:cxnSpLocks/>
+          </p:cNvCxnSpPr>
+          <p:nvPr/>
+        </p:nvCxnSpPr>
+        <p:spPr>
+          <a:xfrm>
+            <a:off x="8260148" y="1750241"/>
+            <a:ext cx="0" cy="2768982"/>
+          </a:xfrm>
+          <a:prstGeom prst="line">
+            <a:avLst/>
+          </a:prstGeom>
+        </p:spPr>
+        <p:style>
+          <a:lnRef idx="1">
+            <a:schemeClr val="accent1"/>
+          </a:lnRef>
+          <a:fillRef idx="0">
+            <a:schemeClr val="accent1"/>
+          </a:fillRef>
+          <a:effectRef idx="0">
+            <a:schemeClr val="accent1"/>
+          </a:effectRef>
+          <a:fontRef idx="minor">
+            <a:schemeClr val="tx1"/>
+          </a:fontRef>
+        </p:style>
+      </p:cxnSp>
+      <p:cxnSp>
+        <p:nvCxnSpPr>
+          <p:cNvPr id="43" name="直接连接符 42">
+            <a:extLst>
+              <a:ext uri="{FF2B5EF4-FFF2-40B4-BE49-F238E27FC236}">
+                <a16:creationId xmlns:a16="http://schemas.microsoft.com/office/drawing/2014/main" id="{74F5DE0D-40BF-4906-83C3-233C9BF23445}"/>
+              </a:ext>
+            </a:extLst>
+          </p:cNvPr>
+          <p:cNvCxnSpPr>
+            <a:cxnSpLocks/>
+          </p:cNvCxnSpPr>
+          <p:nvPr/>
+        </p:nvCxnSpPr>
+        <p:spPr>
+          <a:xfrm>
+            <a:off x="9464323" y="1786840"/>
+            <a:ext cx="0" cy="2732383"/>
+          </a:xfrm>
+          <a:prstGeom prst="line">
+            <a:avLst/>
+          </a:prstGeom>
+        </p:spPr>
+        <p:style>
+          <a:lnRef idx="1">
+            <a:schemeClr val="accent1"/>
+          </a:lnRef>
+          <a:fillRef idx="0">
+            <a:schemeClr val="accent1"/>
+          </a:fillRef>
+          <a:effectRef idx="0">
+            <a:schemeClr val="accent1"/>
+          </a:effectRef>
+          <a:fontRef idx="minor">
+            <a:schemeClr val="tx1"/>
+          </a:fontRef>
+        </p:style>
+      </p:cxnSp>
+      <p:sp>
+        <p:nvSpPr>
+          <p:cNvPr id="47" name="等号 46">
+            <a:extLst>
+              <a:ext uri="{FF2B5EF4-FFF2-40B4-BE49-F238E27FC236}">
+                <a16:creationId xmlns:a16="http://schemas.microsoft.com/office/drawing/2014/main" id="{EB94BEB6-FA39-406C-8681-62F647DAC9F1}"/>
+              </a:ext>
+            </a:extLst>
+          </p:cNvPr>
+          <p:cNvSpPr/>
+          <p:nvPr/>
+        </p:nvSpPr>
+        <p:spPr>
+          <a:xfrm>
+            <a:off x="9495119" y="1786840"/>
+            <a:ext cx="464538" cy="263388"/>
+          </a:xfrm>
+          <a:prstGeom prst="mathEqual">
+            <a:avLst/>
+          </a:prstGeom>
+        </p:spPr>
+        <p:style>
+          <a:lnRef idx="2">
+            <a:schemeClr val="accent1"/>
+          </a:lnRef>
+          <a:fillRef idx="1">
+            <a:schemeClr val="lt1"/>
+          </a:fillRef>
+          <a:effectRef idx="0">
+            <a:schemeClr val="accent1"/>
+          </a:effectRef>
+          <a:fontRef idx="minor">
+            <a:schemeClr val="dk1"/>
+          </a:fontRef>
+        </p:style>
+        <p:txBody>
+          <a:bodyPr rtlCol="0" anchor="ctr"/>
+          <a:lstStyle/>
+          <a:p>
+            <a:pPr algn="ctr"/>
+            <a:endParaRPr lang="zh-CN" altLang="en-US">
+              <a:solidFill>
+                <a:schemeClr val="tx1"/>
+              </a:solidFill>
+            </a:endParaRPr>
+          </a:p>
+        </p:txBody>
+      </p:sp>
+      <p:sp>
+        <p:nvSpPr>
+          <p:cNvPr id="48" name="文本框 47">
+            <a:extLst>
+              <a:ext uri="{FF2B5EF4-FFF2-40B4-BE49-F238E27FC236}">
+                <a16:creationId xmlns:a16="http://schemas.microsoft.com/office/drawing/2014/main" id="{E6192AF4-7F71-43ED-8B13-E205AEE79D53}"/>
+              </a:ext>
+            </a:extLst>
+          </p:cNvPr>
+          <p:cNvSpPr txBox="1"/>
+          <p:nvPr/>
+        </p:nvSpPr>
+        <p:spPr>
+          <a:xfrm>
+            <a:off x="8195274" y="1708500"/>
+            <a:ext cx="1287532" cy="369332"/>
+          </a:xfrm>
+          <a:prstGeom prst="rect">
+            <a:avLst/>
+          </a:prstGeom>
+        </p:spPr>
+        <p:style>
+          <a:lnRef idx="2">
+            <a:schemeClr val="accent6">
+              <a:shade val="50000"/>
+            </a:schemeClr>
+          </a:lnRef>
+          <a:fillRef idx="1">
+            <a:schemeClr val="accent6"/>
+          </a:fillRef>
+          <a:effectRef idx="0">
+            <a:schemeClr val="accent6"/>
+          </a:effectRef>
+          <a:fontRef idx="minor">
+            <a:schemeClr val="lt1"/>
+          </a:fontRef>
+        </p:style>
+        <p:txBody>
+          <a:bodyPr wrap="none" rtlCol="0">
+            <a:spAutoFit/>
+          </a:bodyPr>
+          <a:lstStyle/>
+          <a:p>
+            <a:r>
+              <a:rPr lang="en-US" altLang="zh-CN" dirty="0">
+                <a:latin typeface="Source Code Pro" panose="020B0509030403020204" pitchFamily="49" charset="0"/>
+              </a:rPr>
+              <a:t>P[0~k-1]</a:t>
+            </a:r>
+            <a:endParaRPr lang="zh-CN" altLang="en-US" dirty="0">
+              <a:latin typeface="Source Code Pro" panose="020B0509030403020204" pitchFamily="49" charset="0"/>
+            </a:endParaRPr>
+          </a:p>
+        </p:txBody>
+      </p:sp>
+      <p:sp>
+        <p:nvSpPr>
+          <p:cNvPr id="49" name="文本框 48">
+            <a:extLst>
+              <a:ext uri="{FF2B5EF4-FFF2-40B4-BE49-F238E27FC236}">
+                <a16:creationId xmlns:a16="http://schemas.microsoft.com/office/drawing/2014/main" id="{A6BD031E-D9E4-47EE-960E-38484FAB9312}"/>
+              </a:ext>
+            </a:extLst>
+          </p:cNvPr>
+          <p:cNvSpPr txBox="1"/>
+          <p:nvPr/>
+        </p:nvSpPr>
+        <p:spPr>
+          <a:xfrm>
+            <a:off x="9944442" y="1701410"/>
+            <a:ext cx="1563248" cy="369332"/>
+          </a:xfrm>
+          <a:prstGeom prst="rect">
+            <a:avLst/>
+          </a:prstGeom>
+        </p:spPr>
+        <p:style>
+          <a:lnRef idx="2">
+            <a:schemeClr val="accent6">
+              <a:shade val="50000"/>
+            </a:schemeClr>
+          </a:lnRef>
+          <a:fillRef idx="1">
+            <a:schemeClr val="accent6"/>
+          </a:fillRef>
+          <a:effectRef idx="0">
+            <a:schemeClr val="accent6"/>
+          </a:effectRef>
+          <a:fontRef idx="minor">
+            <a:schemeClr val="lt1"/>
+          </a:fontRef>
+        </p:style>
+        <p:txBody>
+          <a:bodyPr wrap="none" rtlCol="0">
+            <a:spAutoFit/>
+          </a:bodyPr>
+          <a:lstStyle/>
+          <a:p>
+            <a:r>
+              <a:rPr lang="en-US" altLang="zh-CN" dirty="0">
+                <a:latin typeface="Source Code Pro" panose="020B0509030403020204" pitchFamily="49" charset="0"/>
+              </a:rPr>
+              <a:t>P[j-k~j-1]</a:t>
+            </a:r>
+            <a:endParaRPr lang="zh-CN" altLang="en-US" dirty="0">
+              <a:latin typeface="Source Code Pro" panose="020B0509030403020204" pitchFamily="49" charset="0"/>
+            </a:endParaRPr>
+          </a:p>
+        </p:txBody>
+      </p:sp>
+      <p:sp>
+        <p:nvSpPr>
+          <p:cNvPr id="50" name="文本框 49">
+            <a:extLst>
+              <a:ext uri="{FF2B5EF4-FFF2-40B4-BE49-F238E27FC236}">
+                <a16:creationId xmlns:a16="http://schemas.microsoft.com/office/drawing/2014/main" id="{A2BF498C-5A5B-4C79-A8EE-84514353C1E9}"/>
+              </a:ext>
+            </a:extLst>
+          </p:cNvPr>
+          <p:cNvSpPr txBox="1"/>
+          <p:nvPr/>
+        </p:nvSpPr>
+        <p:spPr>
+          <a:xfrm>
+            <a:off x="7796218" y="3629382"/>
+            <a:ext cx="322524" cy="369332"/>
+          </a:xfrm>
+          <a:prstGeom prst="rect">
+            <a:avLst/>
+          </a:prstGeom>
+        </p:spPr>
+        <p:style>
+          <a:lnRef idx="2">
+            <a:schemeClr val="accent6">
+              <a:shade val="50000"/>
+            </a:schemeClr>
+          </a:lnRef>
+          <a:fillRef idx="1">
+            <a:schemeClr val="accent6"/>
+          </a:fillRef>
+          <a:effectRef idx="0">
+            <a:schemeClr val="accent6"/>
+          </a:effectRef>
+          <a:fontRef idx="minor">
+            <a:schemeClr val="lt1"/>
+          </a:fontRef>
+        </p:style>
+        <p:txBody>
+          <a:bodyPr wrap="none" rtlCol="0">
+            <a:spAutoFit/>
+          </a:bodyPr>
+          <a:lstStyle/>
+          <a:p>
+            <a:r>
+              <a:rPr lang="en-US" altLang="zh-CN" dirty="0">
+                <a:latin typeface="Source Code Pro" panose="020B0509030403020204" pitchFamily="49" charset="0"/>
+              </a:rPr>
+              <a:t>P</a:t>
+            </a:r>
+            <a:endParaRPr lang="zh-CN" altLang="en-US" dirty="0">
+              <a:latin typeface="Source Code Pro" panose="020B0509030403020204" pitchFamily="49" charset="0"/>
+            </a:endParaRPr>
+          </a:p>
+        </p:txBody>
+      </p:sp>
+      <p:sp>
+        <p:nvSpPr>
+          <p:cNvPr id="51" name="文本框 50">
+            <a:extLst>
+              <a:ext uri="{FF2B5EF4-FFF2-40B4-BE49-F238E27FC236}">
+                <a16:creationId xmlns:a16="http://schemas.microsoft.com/office/drawing/2014/main" id="{3D6EF50F-06C8-45C2-B398-F3B05DA3986D}"/>
+              </a:ext>
+            </a:extLst>
+          </p:cNvPr>
+          <p:cNvSpPr txBox="1"/>
+          <p:nvPr/>
+        </p:nvSpPr>
+        <p:spPr>
+          <a:xfrm>
+            <a:off x="8205860" y="655686"/>
+            <a:ext cx="1425390" cy="369332"/>
+          </a:xfrm>
+          <a:prstGeom prst="rect">
+            <a:avLst/>
+          </a:prstGeom>
+        </p:spPr>
+        <p:style>
+          <a:lnRef idx="2">
+            <a:schemeClr val="accent6">
+              <a:shade val="50000"/>
+            </a:schemeClr>
+          </a:lnRef>
+          <a:fillRef idx="1">
+            <a:schemeClr val="accent6"/>
+          </a:fillRef>
+          <a:effectRef idx="0">
+            <a:schemeClr val="accent6"/>
+          </a:effectRef>
+          <a:fontRef idx="minor">
+            <a:schemeClr val="lt1"/>
+          </a:fontRef>
+        </p:style>
+        <p:txBody>
+          <a:bodyPr wrap="none" rtlCol="0">
+            <a:spAutoFit/>
+          </a:bodyPr>
+          <a:lstStyle/>
+          <a:p>
+            <a:r>
+              <a:rPr lang="en-US" altLang="zh-CN" dirty="0">
+                <a:latin typeface="Source Code Pro" panose="020B0509030403020204" pitchFamily="49" charset="0"/>
+              </a:rPr>
+              <a:t>next[j]=k</a:t>
+            </a:r>
+            <a:endParaRPr lang="zh-CN" altLang="en-US" dirty="0">
+              <a:latin typeface="Source Code Pro" panose="020B0509030403020204" pitchFamily="49" charset="0"/>
+            </a:endParaRPr>
+          </a:p>
+        </p:txBody>
+      </p:sp>
+      <p:sp>
+        <p:nvSpPr>
+          <p:cNvPr id="52" name="矩形 51">
+            <a:extLst>
+              <a:ext uri="{FF2B5EF4-FFF2-40B4-BE49-F238E27FC236}">
+                <a16:creationId xmlns:a16="http://schemas.microsoft.com/office/drawing/2014/main" id="{B7B03904-0D3F-47DB-8276-B72C22F5D7ED}"/>
+              </a:ext>
+            </a:extLst>
+          </p:cNvPr>
+          <p:cNvSpPr/>
+          <p:nvPr/>
+        </p:nvSpPr>
+        <p:spPr>
+          <a:xfrm>
+            <a:off x="9822287" y="151267"/>
+            <a:ext cx="2095438" cy="1200329"/>
+          </a:xfrm>
+          <a:prstGeom prst="rect">
+            <a:avLst/>
+          </a:prstGeom>
+        </p:spPr>
+        <p:style>
+          <a:lnRef idx="2">
+            <a:schemeClr val="accent6">
+              <a:shade val="50000"/>
+            </a:schemeClr>
+          </a:lnRef>
+          <a:fillRef idx="1">
+            <a:schemeClr val="accent6"/>
+          </a:fillRef>
+          <a:effectRef idx="0">
+            <a:schemeClr val="accent6"/>
+          </a:effectRef>
+          <a:fontRef idx="minor">
+            <a:schemeClr val="lt1"/>
+          </a:fontRef>
+        </p:style>
+        <p:txBody>
+          <a:bodyPr wrap="square">
+            <a:spAutoFit/>
+          </a:bodyPr>
+          <a:lstStyle/>
+          <a:p>
+            <a:r>
+              <a:rPr lang="en-US" altLang="zh-CN" dirty="0">
+                <a:solidFill>
+                  <a:schemeClr val="tx1"/>
+                </a:solidFill>
+                <a:latin typeface=" Hermit Light"/>
+              </a:rPr>
+              <a:t>next[j]=k</a:t>
+            </a:r>
+            <a:r>
+              <a:rPr lang="zh-CN" altLang="en-US" dirty="0">
+                <a:solidFill>
+                  <a:schemeClr val="tx1"/>
+                </a:solidFill>
+                <a:latin typeface=" Hermit Light"/>
+              </a:rPr>
+              <a:t>表示当</a:t>
+            </a:r>
+            <a:r>
+              <a:rPr lang="en-US" altLang="zh-CN" dirty="0">
+                <a:solidFill>
+                  <a:schemeClr val="tx1"/>
+                </a:solidFill>
+                <a:latin typeface=" Hermit Light"/>
+              </a:rPr>
+              <a:t>P[j]!=T[</a:t>
+            </a:r>
+            <a:r>
+              <a:rPr lang="en-US" altLang="zh-CN" dirty="0" err="1">
+                <a:solidFill>
+                  <a:schemeClr val="tx1"/>
+                </a:solidFill>
+                <a:latin typeface=" Hermit Light"/>
+              </a:rPr>
+              <a:t>i</a:t>
+            </a:r>
+            <a:r>
+              <a:rPr lang="en-US" altLang="zh-CN" dirty="0">
+                <a:solidFill>
+                  <a:schemeClr val="tx1"/>
+                </a:solidFill>
+                <a:latin typeface=" Hermit Light"/>
+              </a:rPr>
+              <a:t>] </a:t>
+            </a:r>
+            <a:r>
+              <a:rPr lang="zh-CN" altLang="en-US" dirty="0">
+                <a:solidFill>
+                  <a:schemeClr val="tx1"/>
+                </a:solidFill>
+                <a:latin typeface=" Hermit Light"/>
+              </a:rPr>
+              <a:t>时候，</a:t>
+            </a:r>
+            <a:r>
+              <a:rPr lang="en-US" altLang="zh-CN" dirty="0">
+                <a:solidFill>
+                  <a:schemeClr val="tx1"/>
+                </a:solidFill>
+                <a:latin typeface=" Hermit Light"/>
+              </a:rPr>
+              <a:t>j</a:t>
+            </a:r>
+            <a:r>
+              <a:rPr lang="zh-CN" altLang="en-US" dirty="0">
+                <a:solidFill>
+                  <a:schemeClr val="tx1"/>
+                </a:solidFill>
+                <a:latin typeface=" Hermit Light"/>
+              </a:rPr>
+              <a:t>要回到</a:t>
+            </a:r>
+            <a:r>
+              <a:rPr lang="en-US" altLang="zh-CN" dirty="0">
+                <a:solidFill>
+                  <a:schemeClr val="tx1"/>
+                </a:solidFill>
+                <a:latin typeface=" Hermit Light"/>
+              </a:rPr>
+              <a:t>k</a:t>
+            </a:r>
+            <a:r>
+              <a:rPr lang="zh-CN" altLang="en-US" dirty="0">
+                <a:solidFill>
+                  <a:schemeClr val="tx1"/>
+                </a:solidFill>
+                <a:latin typeface=" Hermit Light"/>
+              </a:rPr>
+              <a:t>那个位置</a:t>
+            </a:r>
+            <a:endParaRPr lang="zh-CN" altLang="en-US" b="0" dirty="0">
+              <a:solidFill>
+                <a:schemeClr val="tx1"/>
+              </a:solidFill>
+              <a:effectLst/>
+              <a:latin typeface=" Hermit Light"/>
+            </a:endParaRPr>
+          </a:p>
+        </p:txBody>
+      </p:sp>
+    </p:spTree>
+    <p:extLst>
+      <p:ext uri="{BB962C8B-B14F-4D97-AF65-F5344CB8AC3E}">
+        <p14:creationId xmlns:p14="http://schemas.microsoft.com/office/powerpoint/2010/main" val="1653713296"/>
+      </p:ext>
+    </p:extLst>
+  </p:cSld>
+  <p:clrMapOvr>
+    <a:masterClrMapping/>
+  </p:clrMapOvr>
+  <p:timing>
+    <p:tnLst>
+      <p:par>
+        <p:cTn id="1" dur="indefinite" restart="never" nodeType="tmRoot">
+          <p:childTnLst>
+            <p:seq concurrent="1" nextAc="seek">
+              <p:cTn id="2" dur="indefinite" nodeType="mainSeq">
+                <p:childTnLst>
+                  <p:par>
+                    <p:cTn id="3" fill="hold">
+                      <p:stCondLst>
+                        <p:cond delay="indefinite"/>
+                      </p:stCondLst>
+                      <p:childTnLst>
+                        <p:par>
+                          <p:cTn id="4" fill="hold">
+                            <p:stCondLst>
+                              <p:cond delay="0"/>
+                            </p:stCondLst>
+                            <p:childTnLst>
+                              <p:par>
+                                <p:cTn id="5" presetID="1" presetClass="entr" presetSubtype="0" fill="hold" grpId="0" nodeType="clickEffect">
+                                  <p:stCondLst>
+                                    <p:cond delay="0"/>
+                                  </p:stCondLst>
+                                  <p:childTnLst>
+                                    <p:set>
+                                      <p:cBhvr>
+                                        <p:cTn id="6" dur="1" fill="hold">
+                                          <p:stCondLst>
+                                            <p:cond delay="0"/>
+                                          </p:stCondLst>
+                                        </p:cTn>
+                                        <p:tgtEl>
+                                          <p:spTgt spid="7"/>
+                                        </p:tgtEl>
+                                        <p:attrNameLst>
+                                          <p:attrName>style.visibility</p:attrName>
+                                        </p:attrNameLst>
+                                      </p:cBhvr>
+                                      <p:to>
+                                        <p:strVal val="visible"/>
+                                      </p:to>
+                                    </p:set>
+                                  </p:childTnLst>
+                                </p:cTn>
+                              </p:par>
+                              <p:par>
+                                <p:cTn id="7" presetID="1" presetClass="entr" presetSubtype="0" fill="hold" grpId="0" nodeType="withEffect">
+                                  <p:stCondLst>
+                                    <p:cond delay="0"/>
+                                  </p:stCondLst>
+                                  <p:childTnLst>
+                                    <p:set>
+                                      <p:cBhvr>
+                                        <p:cTn id="8" dur="1" fill="hold">
+                                          <p:stCondLst>
+                                            <p:cond delay="0"/>
+                                          </p:stCondLst>
+                                        </p:cTn>
+                                        <p:tgtEl>
+                                          <p:spTgt spid="8"/>
+                                        </p:tgtEl>
+                                        <p:attrNameLst>
+                                          <p:attrName>style.visibility</p:attrName>
+                                        </p:attrNameLst>
+                                      </p:cBhvr>
+                                      <p:to>
+                                        <p:strVal val="visible"/>
+                                      </p:to>
+                                    </p:set>
+                                  </p:childTnLst>
+                                </p:cTn>
+                              </p:par>
+                              <p:par>
+                                <p:cTn id="9" presetID="1" presetClass="entr" presetSubtype="0" fill="hold" grpId="0" nodeType="withEffect">
+                                  <p:stCondLst>
+                                    <p:cond delay="0"/>
+                                  </p:stCondLst>
+                                  <p:childTnLst>
+                                    <p:set>
+                                      <p:cBhvr>
+                                        <p:cTn id="10" dur="1" fill="hold">
+                                          <p:stCondLst>
+                                            <p:cond delay="0"/>
+                                          </p:stCondLst>
+                                        </p:cTn>
+                                        <p:tgtEl>
+                                          <p:spTgt spid="9"/>
+                                        </p:tgtEl>
+                                        <p:attrNameLst>
+                                          <p:attrName>style.visibility</p:attrName>
+                                        </p:attrNameLst>
+                                      </p:cBhvr>
+                                      <p:to>
+                                        <p:strVal val="visible"/>
+                                      </p:to>
+                                    </p:set>
+                                  </p:childTnLst>
+                                </p:cTn>
+                              </p:par>
+                              <p:par>
+                                <p:cTn id="11" presetID="1" presetClass="entr" presetSubtype="0" fill="hold" grpId="0" nodeType="withEffect">
+                                  <p:stCondLst>
+                                    <p:cond delay="0"/>
+                                  </p:stCondLst>
+                                  <p:childTnLst>
+                                    <p:set>
+                                      <p:cBhvr>
+                                        <p:cTn id="12" dur="1" fill="hold">
+                                          <p:stCondLst>
+                                            <p:cond delay="0"/>
+                                          </p:stCondLst>
+                                        </p:cTn>
+                                        <p:tgtEl>
+                                          <p:spTgt spid="10"/>
+                                        </p:tgtEl>
+                                        <p:attrNameLst>
+                                          <p:attrName>style.visibility</p:attrName>
+                                        </p:attrNameLst>
+                                      </p:cBhvr>
+                                      <p:to>
+                                        <p:strVal val="visible"/>
+                                      </p:to>
+                                    </p:set>
+                                  </p:childTnLst>
+                                </p:cTn>
+                              </p:par>
+                            </p:childTnLst>
+                          </p:cTn>
+                        </p:par>
+                      </p:childTnLst>
+                    </p:cTn>
+                  </p:par>
+                  <p:par>
+                    <p:cTn id="13" fill="hold">
+                      <p:stCondLst>
+                        <p:cond delay="indefinite"/>
+                      </p:stCondLst>
+                      <p:childTnLst>
+                        <p:par>
+                          <p:cTn id="14" fill="hold">
+                            <p:stCondLst>
+                              <p:cond delay="0"/>
+                            </p:stCondLst>
+                            <p:childTnLst>
+                              <p:par>
+                                <p:cTn id="15" presetID="1" presetClass="entr" presetSubtype="0" fill="hold" grpId="0" nodeType="clickEffect">
+                                  <p:stCondLst>
+                                    <p:cond delay="0"/>
+                                  </p:stCondLst>
+                                  <p:childTnLst>
+                                    <p:set>
+                                      <p:cBhvr>
+                                        <p:cTn id="16" dur="1" fill="hold">
+                                          <p:stCondLst>
+                                            <p:cond delay="0"/>
+                                          </p:stCondLst>
+                                        </p:cTn>
+                                        <p:tgtEl>
+                                          <p:spTgt spid="47"/>
+                                        </p:tgtEl>
+                                        <p:attrNameLst>
+                                          <p:attrName>style.visibility</p:attrName>
+                                        </p:attrNameLst>
+                                      </p:cBhvr>
+                                      <p:to>
+                                        <p:strVal val="visible"/>
+                                      </p:to>
+                                    </p:set>
+                                  </p:childTnLst>
+                                </p:cTn>
+                              </p:par>
+                              <p:par>
+                                <p:cTn id="17" presetID="1" presetClass="entr" presetSubtype="0" fill="hold" grpId="0" nodeType="withEffect">
+                                  <p:stCondLst>
+                                    <p:cond delay="0"/>
+                                  </p:stCondLst>
+                                  <p:childTnLst>
+                                    <p:set>
+                                      <p:cBhvr>
+                                        <p:cTn id="18" dur="1" fill="hold">
+                                          <p:stCondLst>
+                                            <p:cond delay="0"/>
+                                          </p:stCondLst>
+                                        </p:cTn>
+                                        <p:tgtEl>
+                                          <p:spTgt spid="48"/>
+                                        </p:tgtEl>
+                                        <p:attrNameLst>
+                                          <p:attrName>style.visibility</p:attrName>
+                                        </p:attrNameLst>
+                                      </p:cBhvr>
+                                      <p:to>
+                                        <p:strVal val="visible"/>
+                                      </p:to>
+                                    </p:set>
+                                  </p:childTnLst>
+                                </p:cTn>
+                              </p:par>
+                              <p:par>
+                                <p:cTn id="19" presetID="1" presetClass="entr" presetSubtype="0" fill="hold" grpId="0" nodeType="withEffect">
+                                  <p:stCondLst>
+                                    <p:cond delay="0"/>
+                                  </p:stCondLst>
+                                  <p:childTnLst>
+                                    <p:set>
+                                      <p:cBhvr>
+                                        <p:cTn id="20" dur="1" fill="hold">
+                                          <p:stCondLst>
+                                            <p:cond delay="0"/>
+                                          </p:stCondLst>
+                                        </p:cTn>
+                                        <p:tgtEl>
+                                          <p:spTgt spid="49"/>
+                                        </p:tgtEl>
+                                        <p:attrNameLst>
+                                          <p:attrName>style.visibility</p:attrName>
+                                        </p:attrNameLst>
+                                      </p:cBhvr>
+                                      <p:to>
+                                        <p:strVal val="visible"/>
+                                      </p:to>
+                                    </p:set>
+                                  </p:childTnLst>
+                                </p:cTn>
+                              </p:par>
+                            </p:childTnLst>
+                          </p:cTn>
+                        </p:par>
+                      </p:childTnLst>
+                    </p:cTn>
+                  </p:par>
+                  <p:par>
+                    <p:cTn id="21" fill="hold">
+                      <p:stCondLst>
+                        <p:cond delay="indefinite"/>
+                      </p:stCondLst>
+                      <p:childTnLst>
+                        <p:par>
+                          <p:cTn id="22" fill="hold">
+                            <p:stCondLst>
+                              <p:cond delay="0"/>
+                            </p:stCondLst>
+                            <p:childTnLst>
+                              <p:par>
+                                <p:cTn id="23" presetID="1" presetClass="entr" presetSubtype="0" fill="hold" grpId="0" nodeType="clickEffect">
+                                  <p:stCondLst>
+                                    <p:cond delay="0"/>
+                                  </p:stCondLst>
+                                  <p:childTnLst>
+                                    <p:set>
+                                      <p:cBhvr>
+                                        <p:cTn id="24" dur="1" fill="hold">
+                                          <p:stCondLst>
+                                            <p:cond delay="0"/>
+                                          </p:stCondLst>
+                                        </p:cTn>
+                                        <p:tgtEl>
+                                          <p:spTgt spid="51"/>
+                                        </p:tgtEl>
+                                        <p:attrNameLst>
+                                          <p:attrName>style.visibility</p:attrName>
+                                        </p:attrNameLst>
+                                      </p:cBhvr>
+                                      <p:to>
+                                        <p:strVal val="visible"/>
+                                      </p:to>
+                                    </p:set>
+                                  </p:childTnLst>
+                                </p:cTn>
+                              </p:par>
+                              <p:par>
+                                <p:cTn id="25" presetID="1" presetClass="entr" presetSubtype="0" fill="hold" grpId="0" nodeType="withEffect">
+                                  <p:stCondLst>
+                                    <p:cond delay="0"/>
+                                  </p:stCondLst>
+                                  <p:childTnLst>
+                                    <p:set>
+                                      <p:cBhvr>
+                                        <p:cTn id="26" dur="1" fill="hold">
+                                          <p:stCondLst>
+                                            <p:cond delay="0"/>
+                                          </p:stCondLst>
+                                        </p:cTn>
+                                        <p:tgtEl>
+                                          <p:spTgt spid="52"/>
+                                        </p:tgtEl>
+                                        <p:attrNameLst>
+                                          <p:attrName>style.visibility</p:attrName>
+                                        </p:attrNameLst>
+                                      </p:cBhvr>
+                                      <p:to>
+                                        <p:strVal val="visible"/>
+                                      </p:to>
+                                    </p:set>
+                                  </p:childTnLst>
+                                </p:cTn>
+                              </p:par>
+                            </p:childTnLst>
+                          </p:cTn>
+                        </p:par>
+                      </p:childTnLst>
+                    </p:cTn>
+                  </p:par>
+                </p:childTnLst>
+              </p:cTn>
+              <p:prevCondLst>
+                <p:cond evt="onPrev" delay="0">
+                  <p:tgtEl>
+                    <p:sldTgt/>
+                  </p:tgtEl>
+                </p:cond>
+              </p:prevCondLst>
+              <p:nextCondLst>
+                <p:cond evt="onNext" delay="0">
+                  <p:tgtEl>
+                    <p:sldTgt/>
+                  </p:tgtEl>
+                </p:cond>
+              </p:nextCondLst>
+            </p:seq>
+          </p:childTnLst>
+        </p:cTn>
+      </p:par>
+    </p:tnLst>
+    <p:bldLst>
+      <p:bldP spid="7" grpId="0" animBg="1"/>
+      <p:bldP spid="8" grpId="0" animBg="1"/>
+      <p:bldP spid="9" grpId="0" animBg="1"/>
+      <p:bldP spid="10" grpId="0" animBg="1"/>
+      <p:bldP spid="47" grpId="0" animBg="1"/>
+      <p:bldP spid="48" grpId="0" animBg="1"/>
+      <p:bldP spid="49" grpId="0" animBg="1"/>
+      <p:bldP spid="51" grpId="0" animBg="1"/>
+      <p:bldP spid="52" grpId="0" animBg="1"/>
+    </p:bldLst>
+  </p:timing>
 </p:sld>
 </file>
 

--- a/doc/Other/KMP算法.pptx
+++ b/doc/Other/KMP算法.pptx
@@ -5866,8 +5866,8 @@
         </p:nvSpPr>
         <p:spPr>
           <a:xfrm>
-            <a:off x="8500057" y="1497067"/>
-            <a:ext cx="1790163" cy="369332"/>
+            <a:off x="8347390" y="1497067"/>
+            <a:ext cx="2635578" cy="369332"/>
           </a:xfrm>
           <a:prstGeom prst="rect">
             <a:avLst/>
@@ -6173,7 +6173,7 @@
         </p:nvSpPr>
         <p:spPr>
           <a:xfrm>
-            <a:off x="8980867" y="1949002"/>
+            <a:off x="9298131" y="2101402"/>
             <a:ext cx="734096" cy="1736400"/>
           </a:xfrm>
           <a:prstGeom prst="downArrow">
@@ -6447,8 +6447,8 @@
         </p:nvSpPr>
         <p:spPr>
           <a:xfrm>
-            <a:off x="8448540" y="4101733"/>
-            <a:ext cx="3185375" cy="369332"/>
+            <a:off x="8347390" y="4075004"/>
+            <a:ext cx="2635578" cy="369332"/>
           </a:xfrm>
           <a:prstGeom prst="rect">
             <a:avLst/>
@@ -6581,7 +6581,7 @@
                 </a:solidFill>
                 <a:latin typeface=" Hermit Light"/>
               </a:rPr>
-              <a:t>] </a:t>
+              <a:t>]</a:t>
             </a:r>
             <a:r>
               <a:rPr lang="zh-CN" altLang="en-US" dirty="0">
@@ -6711,43 +6711,6 @@
       </p:sp>
       <p:sp>
         <p:nvSpPr>
-          <p:cNvPr id="26" name="矩形 25">
-            <a:extLst>
-              <a:ext uri="{FF2B5EF4-FFF2-40B4-BE49-F238E27FC236}">
-                <a16:creationId xmlns:a16="http://schemas.microsoft.com/office/drawing/2014/main" id="{AB3D2BE9-3D90-4C38-AF49-CE8FA987F7A6}"/>
-              </a:ext>
-            </a:extLst>
-          </p:cNvPr>
-          <p:cNvSpPr/>
-          <p:nvPr/>
-        </p:nvSpPr>
-        <p:spPr>
-          <a:xfrm>
-            <a:off x="5718332" y="3244334"/>
-            <a:ext cx="755335" cy="369332"/>
-          </a:xfrm>
-          <a:prstGeom prst="rect">
-            <a:avLst/>
-          </a:prstGeom>
-        </p:spPr>
-        <p:txBody>
-          <a:bodyPr wrap="none">
-            <a:spAutoFit/>
-          </a:bodyPr>
-          <a:lstStyle/>
-          <a:p>
-            <a:r>
-              <a:rPr lang="en-US" altLang="zh-CN" dirty="0">
-                <a:latin typeface=" Hermit Light"/>
-              </a:rPr>
-              <a:t>next</a:t>
-            </a:r>
-            <a:endParaRPr lang="zh-CN" altLang="en-US" dirty="0"/>
-          </a:p>
-        </p:txBody>
-      </p:sp>
-      <p:sp>
-        <p:nvSpPr>
           <p:cNvPr id="27" name="矩形 26">
             <a:extLst>
               <a:ext uri="{FF2B5EF4-FFF2-40B4-BE49-F238E27FC236}">
@@ -6814,6 +6777,216 @@
               <a:effectLst/>
               <a:latin typeface=" Hermit Light"/>
             </a:endParaRPr>
+          </a:p>
+        </p:txBody>
+      </p:sp>
+      <p:sp>
+        <p:nvSpPr>
+          <p:cNvPr id="32" name="任意多边形: 形状 31">
+            <a:extLst>
+              <a:ext uri="{FF2B5EF4-FFF2-40B4-BE49-F238E27FC236}">
+                <a16:creationId xmlns:a16="http://schemas.microsoft.com/office/drawing/2014/main" id="{2F1E73A5-3886-4E59-8063-6A09EBBF2CC0}"/>
+              </a:ext>
+            </a:extLst>
+          </p:cNvPr>
+          <p:cNvSpPr/>
+          <p:nvPr/>
+        </p:nvSpPr>
+        <p:spPr>
+          <a:xfrm>
+            <a:off x="4809904" y="2836475"/>
+            <a:ext cx="2047919" cy="1001327"/>
+          </a:xfrm>
+          <a:custGeom>
+            <a:avLst/>
+            <a:gdLst>
+              <a:gd name="connsiteX0" fmla="*/ 2194560 w 2194560"/>
+              <a:gd name="connsiteY0" fmla="*/ 568519 h 1087363"/>
+              <a:gd name="connsiteX1" fmla="*/ 1101255 w 2194560"/>
+              <a:gd name="connsiteY1" fmla="*/ 1069451 h 1087363"/>
+              <a:gd name="connsiteX2" fmla="*/ 0 w 2194560"/>
+              <a:gd name="connsiteY2" fmla="*/ 0 h 1087363"/>
+              <a:gd name="connsiteX3" fmla="*/ 0 w 2194560"/>
+              <a:gd name="connsiteY3" fmla="*/ 0 h 1087363"/>
+            </a:gdLst>
+            <a:ahLst/>
+            <a:cxnLst>
+              <a:cxn ang="0">
+                <a:pos x="connsiteX0" y="connsiteY0"/>
+              </a:cxn>
+              <a:cxn ang="0">
+                <a:pos x="connsiteX1" y="connsiteY1"/>
+              </a:cxn>
+              <a:cxn ang="0">
+                <a:pos x="connsiteX2" y="connsiteY2"/>
+              </a:cxn>
+              <a:cxn ang="0">
+                <a:pos x="connsiteX3" y="connsiteY3"/>
+              </a:cxn>
+            </a:cxnLst>
+            <a:rect l="l" t="t" r="r" b="b"/>
+            <a:pathLst>
+              <a:path w="2194560" h="1087363">
+                <a:moveTo>
+                  <a:pt x="2194560" y="568519"/>
+                </a:moveTo>
+                <a:cubicBezTo>
+                  <a:pt x="1830787" y="866361"/>
+                  <a:pt x="1467015" y="1164204"/>
+                  <a:pt x="1101255" y="1069451"/>
+                </a:cubicBezTo>
+                <a:cubicBezTo>
+                  <a:pt x="735495" y="974698"/>
+                  <a:pt x="0" y="0"/>
+                  <a:pt x="0" y="0"/>
+                </a:cubicBezTo>
+                <a:lnTo>
+                  <a:pt x="0" y="0"/>
+                </a:lnTo>
+              </a:path>
+            </a:pathLst>
+          </a:custGeom>
+          <a:ln>
+            <a:headEnd type="triangle" w="med" len="med"/>
+            <a:tailEnd type="triangle" w="med" len="med"/>
+          </a:ln>
+        </p:spPr>
+        <p:style>
+          <a:lnRef idx="3">
+            <a:schemeClr val="accent6"/>
+          </a:lnRef>
+          <a:fillRef idx="0">
+            <a:schemeClr val="accent6"/>
+          </a:fillRef>
+          <a:effectRef idx="2">
+            <a:schemeClr val="accent6"/>
+          </a:effectRef>
+          <a:fontRef idx="minor">
+            <a:schemeClr val="tx1"/>
+          </a:fontRef>
+        </p:style>
+        <p:txBody>
+          <a:bodyPr rtlCol="0" anchor="ctr"/>
+          <a:lstStyle/>
+          <a:p>
+            <a:pPr algn="ctr"/>
+            <a:endParaRPr lang="zh-CN" altLang="en-US"/>
+          </a:p>
+        </p:txBody>
+      </p:sp>
+      <p:sp>
+        <p:nvSpPr>
+          <p:cNvPr id="33" name="任意多边形: 形状 32">
+            <a:extLst>
+              <a:ext uri="{FF2B5EF4-FFF2-40B4-BE49-F238E27FC236}">
+                <a16:creationId xmlns:a16="http://schemas.microsoft.com/office/drawing/2014/main" id="{5C151A2A-0162-4025-9D2E-2398875416BD}"/>
+              </a:ext>
+            </a:extLst>
+          </p:cNvPr>
+          <p:cNvSpPr/>
+          <p:nvPr/>
+        </p:nvSpPr>
+        <p:spPr>
+          <a:xfrm>
+            <a:off x="5203570" y="5835350"/>
+            <a:ext cx="2603396" cy="746804"/>
+          </a:xfrm>
+          <a:custGeom>
+            <a:avLst/>
+            <a:gdLst>
+              <a:gd name="connsiteX0" fmla="*/ 2389926 w 2603396"/>
+              <a:gd name="connsiteY0" fmla="*/ 44640 h 746804"/>
+              <a:gd name="connsiteX1" fmla="*/ 2393901 w 2603396"/>
+              <a:gd name="connsiteY1" fmla="*/ 696647 h 746804"/>
+              <a:gd name="connsiteX2" fmla="*/ 203317 w 2603396"/>
+              <a:gd name="connsiteY2" fmla="*/ 629060 h 746804"/>
+              <a:gd name="connsiteX3" fmla="*/ 95974 w 2603396"/>
+              <a:gd name="connsiteY3" fmla="*/ 44640 h 746804"/>
+              <a:gd name="connsiteX4" fmla="*/ 88023 w 2603396"/>
+              <a:gd name="connsiteY4" fmla="*/ 40664 h 746804"/>
+              <a:gd name="connsiteX5" fmla="*/ 72120 w 2603396"/>
+              <a:gd name="connsiteY5" fmla="*/ 44640 h 746804"/>
+            </a:gdLst>
+            <a:ahLst/>
+            <a:cxnLst>
+              <a:cxn ang="0">
+                <a:pos x="connsiteX0" y="connsiteY0"/>
+              </a:cxn>
+              <a:cxn ang="0">
+                <a:pos x="connsiteX1" y="connsiteY1"/>
+              </a:cxn>
+              <a:cxn ang="0">
+                <a:pos x="connsiteX2" y="connsiteY2"/>
+              </a:cxn>
+              <a:cxn ang="0">
+                <a:pos x="connsiteX3" y="connsiteY3"/>
+              </a:cxn>
+              <a:cxn ang="0">
+                <a:pos x="connsiteX4" y="connsiteY4"/>
+              </a:cxn>
+              <a:cxn ang="0">
+                <a:pos x="connsiteX5" y="connsiteY5"/>
+              </a:cxn>
+            </a:cxnLst>
+            <a:rect l="l" t="t" r="r" b="b"/>
+            <a:pathLst>
+              <a:path w="2603396" h="746804">
+                <a:moveTo>
+                  <a:pt x="2389926" y="44640"/>
+                </a:moveTo>
+                <a:cubicBezTo>
+                  <a:pt x="2574131" y="321942"/>
+                  <a:pt x="2758336" y="599244"/>
+                  <a:pt x="2393901" y="696647"/>
+                </a:cubicBezTo>
+                <a:cubicBezTo>
+                  <a:pt x="2029466" y="794050"/>
+                  <a:pt x="586305" y="737728"/>
+                  <a:pt x="203317" y="629060"/>
+                </a:cubicBezTo>
+                <a:cubicBezTo>
+                  <a:pt x="-179671" y="520392"/>
+                  <a:pt x="95974" y="44640"/>
+                  <a:pt x="95974" y="44640"/>
+                </a:cubicBezTo>
+                <a:cubicBezTo>
+                  <a:pt x="76758" y="-53426"/>
+                  <a:pt x="91999" y="40664"/>
+                  <a:pt x="88023" y="40664"/>
+                </a:cubicBezTo>
+                <a:cubicBezTo>
+                  <a:pt x="84047" y="40664"/>
+                  <a:pt x="78083" y="42652"/>
+                  <a:pt x="72120" y="44640"/>
+                </a:cubicBezTo>
+              </a:path>
+            </a:pathLst>
+          </a:custGeom>
+          <a:ln>
+            <a:headEnd type="triangle" w="med" len="med"/>
+            <a:tailEnd type="triangle" w="med" len="med"/>
+          </a:ln>
+        </p:spPr>
+        <p:style>
+          <a:lnRef idx="3">
+            <a:schemeClr val="accent6"/>
+          </a:lnRef>
+          <a:fillRef idx="0">
+            <a:schemeClr val="accent6"/>
+          </a:fillRef>
+          <a:effectRef idx="2">
+            <a:schemeClr val="accent6"/>
+          </a:effectRef>
+          <a:fontRef idx="minor">
+            <a:schemeClr val="tx1"/>
+          </a:fontRef>
+        </p:style>
+        <p:txBody>
+          <a:bodyPr rtlCol="0" anchor="ctr"/>
+          <a:lstStyle/>
+          <a:p>
+            <a:pPr algn="ctr"/>
+            <a:endParaRPr lang="zh-CN" altLang="en-US"/>
           </a:p>
         </p:txBody>
       </p:sp>
@@ -7080,36 +7253,6 @@
           </a:p>
         </p:txBody>
       </p:sp>
-      <p:pic>
-        <p:nvPicPr>
-          <p:cNvPr id="6" name="图片 5">
-            <a:extLst>
-              <a:ext uri="{FF2B5EF4-FFF2-40B4-BE49-F238E27FC236}">
-                <a16:creationId xmlns:a16="http://schemas.microsoft.com/office/drawing/2014/main" id="{B04B9E01-617B-4D12-9683-C881BEF84898}"/>
-              </a:ext>
-            </a:extLst>
-          </p:cNvPr>
-          <p:cNvPicPr>
-            <a:picLocks noChangeAspect="1"/>
-          </p:cNvPicPr>
-          <p:nvPr/>
-        </p:nvPicPr>
-        <p:blipFill>
-          <a:blip r:embed="rId2"/>
-          <a:stretch>
-            <a:fillRect/>
-          </a:stretch>
-        </p:blipFill>
-        <p:spPr>
-          <a:xfrm>
-            <a:off x="2067164" y="1266496"/>
-            <a:ext cx="7241030" cy="1607538"/>
-          </a:xfrm>
-          <a:prstGeom prst="rect">
-            <a:avLst/>
-          </a:prstGeom>
-        </p:spPr>
-      </p:pic>
       <p:grpSp>
         <p:nvGrpSpPr>
           <p:cNvPr id="7" name="组合 6">
@@ -7232,7 +7375,7 @@
         </p:nvGrpSpPr>
         <p:grpSpPr>
           <a:xfrm>
-            <a:off x="4496596" y="848281"/>
+            <a:off x="4496596" y="792623"/>
             <a:ext cx="322524" cy="724667"/>
             <a:chOff x="8220738" y="1693622"/>
             <a:chExt cx="322524" cy="724667"/>
@@ -7453,7 +7596,7 @@
         </p:nvGrpSpPr>
         <p:grpSpPr>
           <a:xfrm>
-            <a:off x="5127408" y="2643733"/>
+            <a:off x="5095603" y="2659905"/>
             <a:ext cx="598241" cy="680157"/>
             <a:chOff x="10978963" y="3713408"/>
             <a:chExt cx="598241" cy="680157"/>
@@ -7553,6 +7696,173 @@
           </p:txBody>
         </p:sp>
       </p:grpSp>
+      <p:pic>
+        <p:nvPicPr>
+          <p:cNvPr id="2" name="图片 1">
+            <a:extLst>
+              <a:ext uri="{FF2B5EF4-FFF2-40B4-BE49-F238E27FC236}">
+                <a16:creationId xmlns:a16="http://schemas.microsoft.com/office/drawing/2014/main" id="{D28D7B9E-56B6-4D3A-A077-8DC4F0FB001A}"/>
+              </a:ext>
+            </a:extLst>
+          </p:cNvPr>
+          <p:cNvPicPr>
+            <a:picLocks noChangeAspect="1"/>
+          </p:cNvPicPr>
+          <p:nvPr/>
+        </p:nvPicPr>
+        <p:blipFill>
+          <a:blip r:embed="rId2"/>
+          <a:stretch>
+            <a:fillRect/>
+          </a:stretch>
+        </p:blipFill>
+        <p:spPr>
+          <a:xfrm>
+            <a:off x="1974835" y="1217613"/>
+            <a:ext cx="7387827" cy="1640127"/>
+          </a:xfrm>
+          <a:prstGeom prst="rect">
+            <a:avLst/>
+          </a:prstGeom>
+        </p:spPr>
+      </p:pic>
+      <p:grpSp>
+        <p:nvGrpSpPr>
+          <p:cNvPr id="17" name="组合 16">
+            <a:extLst>
+              <a:ext uri="{FF2B5EF4-FFF2-40B4-BE49-F238E27FC236}">
+                <a16:creationId xmlns:a16="http://schemas.microsoft.com/office/drawing/2014/main" id="{CED24649-AA03-46A8-8610-985168A85112}"/>
+              </a:ext>
+            </a:extLst>
+          </p:cNvPr>
+          <p:cNvGrpSpPr/>
+          <p:nvPr/>
+        </p:nvGrpSpPr>
+        <p:grpSpPr>
+          <a:xfrm>
+            <a:off x="2816180" y="776268"/>
+            <a:ext cx="1149674" cy="741022"/>
+            <a:chOff x="7943008" y="1677267"/>
+            <a:chExt cx="1149674" cy="741022"/>
+          </a:xfrm>
+        </p:grpSpPr>
+        <p:sp>
+          <p:nvSpPr>
+            <p:cNvPr id="18" name="箭头: 下 17">
+              <a:extLst>
+                <a:ext uri="{FF2B5EF4-FFF2-40B4-BE49-F238E27FC236}">
+                  <a16:creationId xmlns:a16="http://schemas.microsoft.com/office/drawing/2014/main" id="{0A7C6B5C-4F16-4225-AA80-8202BF61F66C}"/>
+                </a:ext>
+              </a:extLst>
+            </p:cNvPr>
+            <p:cNvSpPr/>
+            <p:nvPr/>
+          </p:nvSpPr>
+          <p:spPr>
+            <a:xfrm>
+              <a:off x="8259651" y="2008124"/>
+              <a:ext cx="244698" cy="410165"/>
+            </a:xfrm>
+            <a:prstGeom prst="downArrow">
+              <a:avLst/>
+            </a:prstGeom>
+          </p:spPr>
+          <p:style>
+            <a:lnRef idx="2">
+              <a:schemeClr val="accent6">
+                <a:shade val="50000"/>
+              </a:schemeClr>
+            </a:lnRef>
+            <a:fillRef idx="1">
+              <a:schemeClr val="accent6"/>
+            </a:fillRef>
+            <a:effectRef idx="0">
+              <a:schemeClr val="accent6"/>
+            </a:effectRef>
+            <a:fontRef idx="minor">
+              <a:schemeClr val="lt1"/>
+            </a:fontRef>
+          </p:style>
+          <p:txBody>
+            <a:bodyPr rtlCol="0" anchor="ctr"/>
+            <a:lstStyle/>
+            <a:p>
+              <a:pPr algn="ctr"/>
+              <a:endParaRPr lang="zh-CN" altLang="en-US"/>
+            </a:p>
+          </p:txBody>
+        </p:sp>
+        <p:sp>
+          <p:nvSpPr>
+            <p:cNvPr id="19" name="文本框 18">
+              <a:extLst>
+                <a:ext uri="{FF2B5EF4-FFF2-40B4-BE49-F238E27FC236}">
+                  <a16:creationId xmlns:a16="http://schemas.microsoft.com/office/drawing/2014/main" id="{08AE0A78-52F2-483B-88A0-407B35055294}"/>
+                </a:ext>
+              </a:extLst>
+            </p:cNvPr>
+            <p:cNvSpPr txBox="1"/>
+            <p:nvPr/>
+          </p:nvSpPr>
+          <p:spPr>
+            <a:xfrm>
+              <a:off x="7943008" y="1677267"/>
+              <a:ext cx="1149674" cy="369332"/>
+            </a:xfrm>
+            <a:prstGeom prst="rect">
+              <a:avLst/>
+            </a:prstGeom>
+            <a:noFill/>
+          </p:spPr>
+          <p:txBody>
+            <a:bodyPr wrap="none" rtlCol="0">
+              <a:spAutoFit/>
+            </a:bodyPr>
+            <a:lstStyle/>
+            <a:p>
+              <a:r>
+                <a:rPr lang="en-US" altLang="zh-CN" dirty="0">
+                  <a:latin typeface="Source Code Pro" panose="020B0509030403020204" pitchFamily="49" charset="0"/>
+                </a:rPr>
+                <a:t>next[k]</a:t>
+              </a:r>
+              <a:endParaRPr lang="zh-CN" altLang="en-US" dirty="0">
+                <a:latin typeface="Source Code Pro" panose="020B0509030403020204" pitchFamily="49" charset="0"/>
+              </a:endParaRPr>
+            </a:p>
+          </p:txBody>
+        </p:sp>
+      </p:grpSp>
+      <p:pic>
+        <p:nvPicPr>
+          <p:cNvPr id="3" name="图片 2">
+            <a:extLst>
+              <a:ext uri="{FF2B5EF4-FFF2-40B4-BE49-F238E27FC236}">
+                <a16:creationId xmlns:a16="http://schemas.microsoft.com/office/drawing/2014/main" id="{DCAE4900-AE99-4BE5-80EA-9BBAAE35270E}"/>
+              </a:ext>
+            </a:extLst>
+          </p:cNvPr>
+          <p:cNvPicPr>
+            <a:picLocks noChangeAspect="1"/>
+          </p:cNvPicPr>
+          <p:nvPr/>
+        </p:nvPicPr>
+        <p:blipFill>
+          <a:blip r:embed="rId3"/>
+          <a:stretch>
+            <a:fillRect/>
+          </a:stretch>
+        </p:blipFill>
+        <p:spPr>
+          <a:xfrm>
+            <a:off x="1974835" y="3854692"/>
+            <a:ext cx="7387819" cy="1640126"/>
+          </a:xfrm>
+          <a:prstGeom prst="rect">
+            <a:avLst/>
+          </a:prstGeom>
+        </p:spPr>
+      </p:pic>
     </p:spTree>
     <p:extLst>
       <p:ext uri="{BB962C8B-B14F-4D97-AF65-F5344CB8AC3E}">

--- a/doc/Other/KMP算法.pptx
+++ b/doc/Other/KMP算法.pptx
@@ -338,7 +338,7 @@
             <a:fld id="{B61BEF0D-F0BB-DE4B-95CE-6DB70DBA9567}" type="datetimeFigureOut">
               <a:rPr lang="en-US" dirty="0"/>
               <a:pPr/>
-              <a:t>8/28/2019</a:t>
+              <a:t>8/31/2019</a:t>
             </a:fld>
             <a:endParaRPr lang="en-US" dirty="0"/>
           </a:p>
@@ -626,7 +626,7 @@
             <a:fld id="{B61BEF0D-F0BB-DE4B-95CE-6DB70DBA9567}" type="datetimeFigureOut">
               <a:rPr lang="en-US" dirty="0"/>
               <a:pPr/>
-              <a:t>8/28/2019</a:t>
+              <a:t>8/31/2019</a:t>
             </a:fld>
             <a:endParaRPr lang="en-US" dirty="0"/>
           </a:p>
@@ -882,7 +882,7 @@
             <a:fld id="{B61BEF0D-F0BB-DE4B-95CE-6DB70DBA9567}" type="datetimeFigureOut">
               <a:rPr lang="en-US" dirty="0"/>
               <a:pPr/>
-              <a:t>8/28/2019</a:t>
+              <a:t>8/31/2019</a:t>
             </a:fld>
             <a:endParaRPr lang="en-US" dirty="0"/>
           </a:p>
@@ -1348,7 +1348,7 @@
             <a:fld id="{B61BEF0D-F0BB-DE4B-95CE-6DB70DBA9567}" type="datetimeFigureOut">
               <a:rPr lang="en-US" dirty="0"/>
               <a:pPr/>
-              <a:t>8/28/2019</a:t>
+              <a:t>8/31/2019</a:t>
             </a:fld>
             <a:endParaRPr lang="en-US" dirty="0"/>
           </a:p>
@@ -1525,7 +1525,7 @@
             <a:fld id="{B61BEF0D-F0BB-DE4B-95CE-6DB70DBA9567}" type="datetimeFigureOut">
               <a:rPr lang="en-US" dirty="0"/>
               <a:pPr/>
-              <a:t>8/28/2019</a:t>
+              <a:t>8/31/2019</a:t>
             </a:fld>
             <a:endParaRPr lang="en-US" dirty="0"/>
           </a:p>
@@ -2098,7 +2098,7 @@
             <a:fld id="{B61BEF0D-F0BB-DE4B-95CE-6DB70DBA9567}" type="datetimeFigureOut">
               <a:rPr lang="en-US" dirty="0"/>
               <a:pPr/>
-              <a:t>8/28/2019</a:t>
+              <a:t>8/31/2019</a:t>
             </a:fld>
             <a:endParaRPr lang="en-US" dirty="0"/>
           </a:p>
@@ -2427,7 +2427,7 @@
             <a:fld id="{B61BEF0D-F0BB-DE4B-95CE-6DB70DBA9567}" type="datetimeFigureOut">
               <a:rPr lang="en-US" dirty="0"/>
               <a:pPr/>
-              <a:t>8/28/2019</a:t>
+              <a:t>8/31/2019</a:t>
             </a:fld>
             <a:endParaRPr lang="en-US" dirty="0"/>
           </a:p>
@@ -2599,7 +2599,7 @@
             <a:fld id="{B61BEF0D-F0BB-DE4B-95CE-6DB70DBA9567}" type="datetimeFigureOut">
               <a:rPr lang="en-US" dirty="0"/>
               <a:pPr/>
-              <a:t>8/28/2019</a:t>
+              <a:t>8/31/2019</a:t>
             </a:fld>
             <a:endParaRPr lang="en-US" dirty="0"/>
           </a:p>
@@ -2776,7 +2776,7 @@
             <a:fld id="{B61BEF0D-F0BB-DE4B-95CE-6DB70DBA9567}" type="datetimeFigureOut">
               <a:rPr lang="en-US" dirty="0"/>
               <a:pPr/>
-              <a:t>8/28/2019</a:t>
+              <a:t>8/31/2019</a:t>
             </a:fld>
             <a:endParaRPr lang="en-US" dirty="0"/>
           </a:p>
@@ -2943,7 +2943,7 @@
             <a:fld id="{B61BEF0D-F0BB-DE4B-95CE-6DB70DBA9567}" type="datetimeFigureOut">
               <a:rPr lang="en-US" dirty="0"/>
               <a:pPr/>
-              <a:t>8/28/2019</a:t>
+              <a:t>8/31/2019</a:t>
             </a:fld>
             <a:endParaRPr lang="en-US" dirty="0"/>
           </a:p>
@@ -3197,7 +3197,7 @@
             <a:fld id="{B61BEF0D-F0BB-DE4B-95CE-6DB70DBA9567}" type="datetimeFigureOut">
               <a:rPr lang="en-US" dirty="0"/>
               <a:pPr/>
-              <a:t>8/28/2019</a:t>
+              <a:t>8/31/2019</a:t>
             </a:fld>
             <a:endParaRPr lang="en-US" dirty="0"/>
           </a:p>
@@ -3486,7 +3486,7 @@
             <a:fld id="{B61BEF0D-F0BB-DE4B-95CE-6DB70DBA9567}" type="datetimeFigureOut">
               <a:rPr lang="en-US" dirty="0"/>
               <a:pPr/>
-              <a:t>8/28/2019</a:t>
+              <a:t>8/31/2019</a:t>
             </a:fld>
             <a:endParaRPr lang="en-US" dirty="0"/>
           </a:p>
@@ -3913,7 +3913,7 @@
             <a:fld id="{B61BEF0D-F0BB-DE4B-95CE-6DB70DBA9567}" type="datetimeFigureOut">
               <a:rPr lang="en-US" dirty="0"/>
               <a:pPr/>
-              <a:t>8/28/2019</a:t>
+              <a:t>8/31/2019</a:t>
             </a:fld>
             <a:endParaRPr lang="en-US" dirty="0"/>
           </a:p>
@@ -4028,7 +4028,7 @@
             <a:fld id="{B61BEF0D-F0BB-DE4B-95CE-6DB70DBA9567}" type="datetimeFigureOut">
               <a:rPr lang="en-US" dirty="0"/>
               <a:pPr/>
-              <a:t>8/28/2019</a:t>
+              <a:t>8/31/2019</a:t>
             </a:fld>
             <a:endParaRPr lang="en-US" dirty="0"/>
           </a:p>
@@ -4120,7 +4120,7 @@
             <a:fld id="{B61BEF0D-F0BB-DE4B-95CE-6DB70DBA9567}" type="datetimeFigureOut">
               <a:rPr lang="en-US" dirty="0"/>
               <a:pPr/>
-              <a:t>8/28/2019</a:t>
+              <a:t>8/31/2019</a:t>
             </a:fld>
             <a:endParaRPr lang="en-US" dirty="0"/>
           </a:p>
@@ -4400,7 +4400,7 @@
             <a:fld id="{B61BEF0D-F0BB-DE4B-95CE-6DB70DBA9567}" type="datetimeFigureOut">
               <a:rPr lang="en-US" dirty="0"/>
               <a:pPr/>
-              <a:t>8/28/2019</a:t>
+              <a:t>8/31/2019</a:t>
             </a:fld>
             <a:endParaRPr lang="en-US" dirty="0"/>
           </a:p>
@@ -4688,7 +4688,7 @@
             <a:fld id="{B61BEF0D-F0BB-DE4B-95CE-6DB70DBA9567}" type="datetimeFigureOut">
               <a:rPr lang="en-US" dirty="0"/>
               <a:pPr/>
-              <a:t>8/28/2019</a:t>
+              <a:t>8/31/2019</a:t>
             </a:fld>
             <a:endParaRPr lang="en-US" dirty="0"/>
           </a:p>
@@ -4916,7 +4916,7 @@
             <a:fld id="{B61BEF0D-F0BB-DE4B-95CE-6DB70DBA9567}" type="datetimeFigureOut">
               <a:rPr lang="en-US" dirty="0"/>
               <a:pPr/>
-              <a:t>8/28/2019</a:t>
+              <a:t>8/31/2019</a:t>
             </a:fld>
             <a:endParaRPr lang="en-US" dirty="0"/>
           </a:p>
@@ -10364,6 +10364,497 @@
           </a:prstGeom>
         </p:spPr>
       </p:pic>
+      <p:sp>
+        <p:nvSpPr>
+          <p:cNvPr id="26" name="矩形 25">
+            <a:extLst>
+              <a:ext uri="{FF2B5EF4-FFF2-40B4-BE49-F238E27FC236}">
+                <a16:creationId xmlns:a16="http://schemas.microsoft.com/office/drawing/2014/main" id="{29AD2B36-203D-40AE-8239-9888008EBCE9}"/>
+              </a:ext>
+            </a:extLst>
+          </p:cNvPr>
+          <p:cNvSpPr/>
+          <p:nvPr/>
+        </p:nvSpPr>
+        <p:spPr>
+          <a:xfrm>
+            <a:off x="8973196" y="349805"/>
+            <a:ext cx="2534991" cy="369332"/>
+          </a:xfrm>
+          <a:prstGeom prst="rect">
+            <a:avLst/>
+          </a:prstGeom>
+        </p:spPr>
+        <p:style>
+          <a:lnRef idx="2">
+            <a:schemeClr val="accent6">
+              <a:shade val="50000"/>
+            </a:schemeClr>
+          </a:lnRef>
+          <a:fillRef idx="1">
+            <a:schemeClr val="accent6"/>
+          </a:fillRef>
+          <a:effectRef idx="0">
+            <a:schemeClr val="accent6"/>
+          </a:effectRef>
+          <a:fontRef idx="minor">
+            <a:schemeClr val="lt1"/>
+          </a:fontRef>
+        </p:style>
+        <p:txBody>
+          <a:bodyPr wrap="square">
+            <a:spAutoFit/>
+          </a:bodyPr>
+          <a:lstStyle/>
+          <a:p>
+            <a:r>
+              <a:rPr lang="en-US" altLang="zh-CN" dirty="0">
+                <a:solidFill>
+                  <a:schemeClr val="tx1"/>
+                </a:solidFill>
+                <a:latin typeface=" Hermit Light"/>
+              </a:rPr>
+              <a:t>k=next[k]</a:t>
+            </a:r>
+            <a:endParaRPr lang="zh-CN" altLang="en-US" b="0" dirty="0">
+              <a:solidFill>
+                <a:schemeClr val="tx1"/>
+              </a:solidFill>
+              <a:effectLst/>
+              <a:latin typeface=" Hermit Light"/>
+            </a:endParaRPr>
+          </a:p>
+        </p:txBody>
+      </p:sp>
+      <p:grpSp>
+        <p:nvGrpSpPr>
+          <p:cNvPr id="27" name="组合 26">
+            <a:extLst>
+              <a:ext uri="{FF2B5EF4-FFF2-40B4-BE49-F238E27FC236}">
+                <a16:creationId xmlns:a16="http://schemas.microsoft.com/office/drawing/2014/main" id="{1CF71471-E1B4-45EF-86E8-D9C9BFEC26C6}"/>
+              </a:ext>
+            </a:extLst>
+          </p:cNvPr>
+          <p:cNvGrpSpPr/>
+          <p:nvPr/>
+        </p:nvGrpSpPr>
+        <p:grpSpPr>
+          <a:xfrm>
+            <a:off x="7936164" y="5336080"/>
+            <a:ext cx="322524" cy="670429"/>
+            <a:chOff x="11081994" y="3713408"/>
+            <a:chExt cx="322524" cy="670429"/>
+          </a:xfrm>
+        </p:grpSpPr>
+        <p:sp>
+          <p:nvSpPr>
+            <p:cNvPr id="28" name="箭头: 上 27">
+              <a:extLst>
+                <a:ext uri="{FF2B5EF4-FFF2-40B4-BE49-F238E27FC236}">
+                  <a16:creationId xmlns:a16="http://schemas.microsoft.com/office/drawing/2014/main" id="{F3DE1D95-1B95-4B16-821B-D942EFCFCE4A}"/>
+                </a:ext>
+              </a:extLst>
+            </p:cNvPr>
+            <p:cNvSpPr/>
+            <p:nvPr/>
+          </p:nvSpPr>
+          <p:spPr>
+            <a:xfrm>
+              <a:off x="11129493" y="3713408"/>
+              <a:ext cx="227527" cy="352023"/>
+            </a:xfrm>
+            <a:prstGeom prst="upArrow">
+              <a:avLst/>
+            </a:prstGeom>
+          </p:spPr>
+          <p:style>
+            <a:lnRef idx="2">
+              <a:schemeClr val="accent6">
+                <a:shade val="50000"/>
+              </a:schemeClr>
+            </a:lnRef>
+            <a:fillRef idx="1">
+              <a:schemeClr val="accent6"/>
+            </a:fillRef>
+            <a:effectRef idx="0">
+              <a:schemeClr val="accent6"/>
+            </a:effectRef>
+            <a:fontRef idx="minor">
+              <a:schemeClr val="lt1"/>
+            </a:fontRef>
+          </p:style>
+          <p:txBody>
+            <a:bodyPr rtlCol="0" anchor="ctr"/>
+            <a:lstStyle/>
+            <a:p>
+              <a:pPr algn="ctr"/>
+              <a:endParaRPr lang="zh-CN" altLang="en-US" dirty="0"/>
+            </a:p>
+          </p:txBody>
+        </p:sp>
+        <p:sp>
+          <p:nvSpPr>
+            <p:cNvPr id="29" name="文本框 28">
+              <a:extLst>
+                <a:ext uri="{FF2B5EF4-FFF2-40B4-BE49-F238E27FC236}">
+                  <a16:creationId xmlns:a16="http://schemas.microsoft.com/office/drawing/2014/main" id="{71C59605-5032-42EF-A0C0-1412596B56F9}"/>
+                </a:ext>
+              </a:extLst>
+            </p:cNvPr>
+            <p:cNvSpPr txBox="1"/>
+            <p:nvPr/>
+          </p:nvSpPr>
+          <p:spPr>
+            <a:xfrm>
+              <a:off x="11081994" y="4014505"/>
+              <a:ext cx="322524" cy="369332"/>
+            </a:xfrm>
+            <a:prstGeom prst="rect">
+              <a:avLst/>
+            </a:prstGeom>
+            <a:noFill/>
+          </p:spPr>
+          <p:txBody>
+            <a:bodyPr wrap="none" rtlCol="0">
+              <a:spAutoFit/>
+            </a:bodyPr>
+            <a:lstStyle/>
+            <a:p>
+              <a:r>
+                <a:rPr lang="en-US" altLang="zh-CN" dirty="0">
+                  <a:latin typeface="Source Code Pro" panose="020B0509030403020204" pitchFamily="49" charset="0"/>
+                  <a:ea typeface="Source Code Pro" panose="020B0509030403020204" pitchFamily="49" charset="0"/>
+                </a:rPr>
+                <a:t>j</a:t>
+              </a:r>
+              <a:endParaRPr lang="zh-CN" altLang="en-US" dirty="0">
+                <a:latin typeface="Source Code Pro" panose="020B0509030403020204" pitchFamily="49" charset="0"/>
+              </a:endParaRPr>
+            </a:p>
+          </p:txBody>
+        </p:sp>
+      </p:grpSp>
+      <p:grpSp>
+        <p:nvGrpSpPr>
+          <p:cNvPr id="30" name="组合 29">
+            <a:extLst>
+              <a:ext uri="{FF2B5EF4-FFF2-40B4-BE49-F238E27FC236}">
+                <a16:creationId xmlns:a16="http://schemas.microsoft.com/office/drawing/2014/main" id="{89ABD674-A624-40DE-8BF9-160275642C40}"/>
+              </a:ext>
+            </a:extLst>
+          </p:cNvPr>
+          <p:cNvGrpSpPr/>
+          <p:nvPr/>
+        </p:nvGrpSpPr>
+        <p:grpSpPr>
+          <a:xfrm>
+            <a:off x="4496596" y="3429000"/>
+            <a:ext cx="322524" cy="724667"/>
+            <a:chOff x="8220738" y="1693622"/>
+            <a:chExt cx="322524" cy="724667"/>
+          </a:xfrm>
+        </p:grpSpPr>
+        <p:sp>
+          <p:nvSpPr>
+            <p:cNvPr id="31" name="箭头: 下 30">
+              <a:extLst>
+                <a:ext uri="{FF2B5EF4-FFF2-40B4-BE49-F238E27FC236}">
+                  <a16:creationId xmlns:a16="http://schemas.microsoft.com/office/drawing/2014/main" id="{F86493A1-C085-4F77-91A7-760D9338E7CC}"/>
+                </a:ext>
+              </a:extLst>
+            </p:cNvPr>
+            <p:cNvSpPr/>
+            <p:nvPr/>
+          </p:nvSpPr>
+          <p:spPr>
+            <a:xfrm>
+              <a:off x="8259651" y="2008124"/>
+              <a:ext cx="244698" cy="410165"/>
+            </a:xfrm>
+            <a:prstGeom prst="downArrow">
+              <a:avLst/>
+            </a:prstGeom>
+          </p:spPr>
+          <p:style>
+            <a:lnRef idx="2">
+              <a:schemeClr val="accent6">
+                <a:shade val="50000"/>
+              </a:schemeClr>
+            </a:lnRef>
+            <a:fillRef idx="1">
+              <a:schemeClr val="accent6"/>
+            </a:fillRef>
+            <a:effectRef idx="0">
+              <a:schemeClr val="accent6"/>
+            </a:effectRef>
+            <a:fontRef idx="minor">
+              <a:schemeClr val="lt1"/>
+            </a:fontRef>
+          </p:style>
+          <p:txBody>
+            <a:bodyPr rtlCol="0" anchor="ctr"/>
+            <a:lstStyle/>
+            <a:p>
+              <a:pPr algn="ctr"/>
+              <a:endParaRPr lang="zh-CN" altLang="en-US"/>
+            </a:p>
+          </p:txBody>
+        </p:sp>
+        <p:sp>
+          <p:nvSpPr>
+            <p:cNvPr id="32" name="文本框 31">
+              <a:extLst>
+                <a:ext uri="{FF2B5EF4-FFF2-40B4-BE49-F238E27FC236}">
+                  <a16:creationId xmlns:a16="http://schemas.microsoft.com/office/drawing/2014/main" id="{5272FA94-5889-4329-82A3-2A73BC001FD4}"/>
+                </a:ext>
+              </a:extLst>
+            </p:cNvPr>
+            <p:cNvSpPr txBox="1"/>
+            <p:nvPr/>
+          </p:nvSpPr>
+          <p:spPr>
+            <a:xfrm>
+              <a:off x="8220738" y="1693622"/>
+              <a:ext cx="322524" cy="369332"/>
+            </a:xfrm>
+            <a:prstGeom prst="rect">
+              <a:avLst/>
+            </a:prstGeom>
+            <a:noFill/>
+          </p:spPr>
+          <p:txBody>
+            <a:bodyPr wrap="none" rtlCol="0">
+              <a:spAutoFit/>
+            </a:bodyPr>
+            <a:lstStyle/>
+            <a:p>
+              <a:r>
+                <a:rPr lang="en-US" altLang="zh-CN" dirty="0">
+                  <a:latin typeface="Source Code Pro" panose="020B0509030403020204" pitchFamily="49" charset="0"/>
+                </a:rPr>
+                <a:t>k</a:t>
+              </a:r>
+              <a:endParaRPr lang="zh-CN" altLang="en-US" dirty="0">
+                <a:latin typeface="Source Code Pro" panose="020B0509030403020204" pitchFamily="49" charset="0"/>
+              </a:endParaRPr>
+            </a:p>
+          </p:txBody>
+        </p:sp>
+      </p:grpSp>
+      <p:grpSp>
+        <p:nvGrpSpPr>
+          <p:cNvPr id="33" name="组合 32">
+            <a:extLst>
+              <a:ext uri="{FF2B5EF4-FFF2-40B4-BE49-F238E27FC236}">
+                <a16:creationId xmlns:a16="http://schemas.microsoft.com/office/drawing/2014/main" id="{EEF51CF4-8233-4B6B-BD08-4C65E759F645}"/>
+              </a:ext>
+            </a:extLst>
+          </p:cNvPr>
+          <p:cNvGrpSpPr/>
+          <p:nvPr/>
+        </p:nvGrpSpPr>
+        <p:grpSpPr>
+          <a:xfrm>
+            <a:off x="2661579" y="3369431"/>
+            <a:ext cx="1425390" cy="754240"/>
+            <a:chOff x="7744889" y="1664049"/>
+            <a:chExt cx="1425390" cy="754240"/>
+          </a:xfrm>
+        </p:grpSpPr>
+        <p:sp>
+          <p:nvSpPr>
+            <p:cNvPr id="34" name="箭头: 下 33">
+              <a:extLst>
+                <a:ext uri="{FF2B5EF4-FFF2-40B4-BE49-F238E27FC236}">
+                  <a16:creationId xmlns:a16="http://schemas.microsoft.com/office/drawing/2014/main" id="{20209717-5135-41BF-BBB1-D8F19E424BBC}"/>
+                </a:ext>
+              </a:extLst>
+            </p:cNvPr>
+            <p:cNvSpPr/>
+            <p:nvPr/>
+          </p:nvSpPr>
+          <p:spPr>
+            <a:xfrm>
+              <a:off x="8259651" y="2008124"/>
+              <a:ext cx="244698" cy="410165"/>
+            </a:xfrm>
+            <a:prstGeom prst="downArrow">
+              <a:avLst/>
+            </a:prstGeom>
+          </p:spPr>
+          <p:style>
+            <a:lnRef idx="2">
+              <a:schemeClr val="accent6">
+                <a:shade val="50000"/>
+              </a:schemeClr>
+            </a:lnRef>
+            <a:fillRef idx="1">
+              <a:schemeClr val="accent6"/>
+            </a:fillRef>
+            <a:effectRef idx="0">
+              <a:schemeClr val="accent6"/>
+            </a:effectRef>
+            <a:fontRef idx="minor">
+              <a:schemeClr val="lt1"/>
+            </a:fontRef>
+          </p:style>
+          <p:txBody>
+            <a:bodyPr rtlCol="0" anchor="ctr"/>
+            <a:lstStyle/>
+            <a:p>
+              <a:pPr algn="ctr"/>
+              <a:endParaRPr lang="zh-CN" altLang="en-US"/>
+            </a:p>
+          </p:txBody>
+        </p:sp>
+        <p:sp>
+          <p:nvSpPr>
+            <p:cNvPr id="35" name="文本框 34">
+              <a:extLst>
+                <a:ext uri="{FF2B5EF4-FFF2-40B4-BE49-F238E27FC236}">
+                  <a16:creationId xmlns:a16="http://schemas.microsoft.com/office/drawing/2014/main" id="{17B523FD-237A-40B9-9684-74088C6570AE}"/>
+                </a:ext>
+              </a:extLst>
+            </p:cNvPr>
+            <p:cNvSpPr txBox="1"/>
+            <p:nvPr/>
+          </p:nvSpPr>
+          <p:spPr>
+            <a:xfrm>
+              <a:off x="7744889" y="1664049"/>
+              <a:ext cx="1425390" cy="369332"/>
+            </a:xfrm>
+            <a:prstGeom prst="rect">
+              <a:avLst/>
+            </a:prstGeom>
+            <a:noFill/>
+          </p:spPr>
+          <p:txBody>
+            <a:bodyPr wrap="none" rtlCol="0">
+              <a:spAutoFit/>
+            </a:bodyPr>
+            <a:lstStyle/>
+            <a:p>
+              <a:r>
+                <a:rPr lang="en-US" altLang="zh-CN" dirty="0">
+                  <a:latin typeface="Source Code Pro" panose="020B0509030403020204" pitchFamily="49" charset="0"/>
+                </a:rPr>
+                <a:t>k=next[k]</a:t>
+              </a:r>
+              <a:endParaRPr lang="zh-CN" altLang="en-US" dirty="0">
+                <a:latin typeface="Source Code Pro" panose="020B0509030403020204" pitchFamily="49" charset="0"/>
+              </a:endParaRPr>
+            </a:p>
+          </p:txBody>
+        </p:sp>
+      </p:grpSp>
+      <p:grpSp>
+        <p:nvGrpSpPr>
+          <p:cNvPr id="36" name="组合 35">
+            <a:extLst>
+              <a:ext uri="{FF2B5EF4-FFF2-40B4-BE49-F238E27FC236}">
+                <a16:creationId xmlns:a16="http://schemas.microsoft.com/office/drawing/2014/main" id="{C28D6334-43FB-437D-9B99-A6382570F18F}"/>
+              </a:ext>
+            </a:extLst>
+          </p:cNvPr>
+          <p:cNvGrpSpPr/>
+          <p:nvPr/>
+        </p:nvGrpSpPr>
+        <p:grpSpPr>
+          <a:xfrm>
+            <a:off x="1948884" y="5307008"/>
+            <a:ext cx="1425390" cy="762056"/>
+            <a:chOff x="7635168" y="1360310"/>
+            <a:chExt cx="1425390" cy="762056"/>
+          </a:xfrm>
+        </p:grpSpPr>
+        <p:sp>
+          <p:nvSpPr>
+            <p:cNvPr id="37" name="箭头: 下 36">
+              <a:extLst>
+                <a:ext uri="{FF2B5EF4-FFF2-40B4-BE49-F238E27FC236}">
+                  <a16:creationId xmlns:a16="http://schemas.microsoft.com/office/drawing/2014/main" id="{A77E2430-F39C-47D0-A287-0A9EF83656A9}"/>
+                </a:ext>
+              </a:extLst>
+            </p:cNvPr>
+            <p:cNvSpPr/>
+            <p:nvPr/>
+          </p:nvSpPr>
+          <p:spPr>
+            <a:xfrm rot="10800000">
+              <a:off x="8144357" y="1360310"/>
+              <a:ext cx="244698" cy="410165"/>
+            </a:xfrm>
+            <a:prstGeom prst="downArrow">
+              <a:avLst/>
+            </a:prstGeom>
+          </p:spPr>
+          <p:style>
+            <a:lnRef idx="2">
+              <a:schemeClr val="accent6">
+                <a:shade val="50000"/>
+              </a:schemeClr>
+            </a:lnRef>
+            <a:fillRef idx="1">
+              <a:schemeClr val="accent6"/>
+            </a:fillRef>
+            <a:effectRef idx="0">
+              <a:schemeClr val="accent6"/>
+            </a:effectRef>
+            <a:fontRef idx="minor">
+              <a:schemeClr val="lt1"/>
+            </a:fontRef>
+          </p:style>
+          <p:txBody>
+            <a:bodyPr rtlCol="0" anchor="ctr"/>
+            <a:lstStyle/>
+            <a:p>
+              <a:pPr algn="ctr"/>
+              <a:endParaRPr lang="zh-CN" altLang="en-US"/>
+            </a:p>
+          </p:txBody>
+        </p:sp>
+        <p:sp>
+          <p:nvSpPr>
+            <p:cNvPr id="38" name="文本框 37">
+              <a:extLst>
+                <a:ext uri="{FF2B5EF4-FFF2-40B4-BE49-F238E27FC236}">
+                  <a16:creationId xmlns:a16="http://schemas.microsoft.com/office/drawing/2014/main" id="{40AB53A3-5115-4DD3-B19B-833765469382}"/>
+                </a:ext>
+              </a:extLst>
+            </p:cNvPr>
+            <p:cNvSpPr txBox="1"/>
+            <p:nvPr/>
+          </p:nvSpPr>
+          <p:spPr>
+            <a:xfrm>
+              <a:off x="7635168" y="1753034"/>
+              <a:ext cx="1425390" cy="369332"/>
+            </a:xfrm>
+            <a:prstGeom prst="rect">
+              <a:avLst/>
+            </a:prstGeom>
+            <a:noFill/>
+          </p:spPr>
+          <p:txBody>
+            <a:bodyPr wrap="none" rtlCol="0">
+              <a:spAutoFit/>
+            </a:bodyPr>
+            <a:lstStyle/>
+            <a:p>
+              <a:r>
+                <a:rPr lang="en-US" altLang="zh-CN" dirty="0">
+                  <a:latin typeface="Source Code Pro" panose="020B0509030403020204" pitchFamily="49" charset="0"/>
+                </a:rPr>
+                <a:t>k=next[k]</a:t>
+              </a:r>
+              <a:endParaRPr lang="zh-CN" altLang="en-US" dirty="0">
+                <a:latin typeface="Source Code Pro" panose="020B0509030403020204" pitchFamily="49" charset="0"/>
+              </a:endParaRPr>
+            </a:p>
+          </p:txBody>
+        </p:sp>
+      </p:grpSp>
     </p:spTree>
     <p:extLst>
       <p:ext uri="{BB962C8B-B14F-4D97-AF65-F5344CB8AC3E}">
@@ -10468,7 +10959,7 @@
         </p:nvSpPr>
         <p:spPr>
           <a:xfrm>
-            <a:off x="4329485" y="1371599"/>
+            <a:off x="4352914" y="1496473"/>
             <a:ext cx="210710" cy="258418"/>
           </a:xfrm>
           <a:prstGeom prst="mathMultiply">
@@ -11037,6 +11528,132 @@
           </p:txBody>
         </p:sp>
       </p:grpSp>
+      <p:sp>
+        <p:nvSpPr>
+          <p:cNvPr id="2" name="矩形 1">
+            <a:extLst>
+              <a:ext uri="{FF2B5EF4-FFF2-40B4-BE49-F238E27FC236}">
+                <a16:creationId xmlns:a16="http://schemas.microsoft.com/office/drawing/2014/main" id="{BBCABAEC-96B5-4B5E-9799-33EEA908798B}"/>
+              </a:ext>
+            </a:extLst>
+          </p:cNvPr>
+          <p:cNvSpPr/>
+          <p:nvPr/>
+        </p:nvSpPr>
+        <p:spPr>
+          <a:xfrm>
+            <a:off x="1238839" y="1236428"/>
+            <a:ext cx="1081377" cy="393589"/>
+          </a:xfrm>
+          <a:prstGeom prst="rect">
+            <a:avLst/>
+          </a:prstGeom>
+        </p:spPr>
+        <p:style>
+          <a:lnRef idx="2">
+            <a:schemeClr val="accent6">
+              <a:shade val="50000"/>
+            </a:schemeClr>
+          </a:lnRef>
+          <a:fillRef idx="1">
+            <a:schemeClr val="accent6"/>
+          </a:fillRef>
+          <a:effectRef idx="0">
+            <a:schemeClr val="accent6"/>
+          </a:effectRef>
+          <a:fontRef idx="minor">
+            <a:schemeClr val="lt1"/>
+          </a:fontRef>
+        </p:style>
+        <p:txBody>
+          <a:bodyPr rtlCol="0" anchor="ctr"/>
+          <a:lstStyle/>
+          <a:p>
+            <a:pPr algn="ctr"/>
+            <a:r>
+              <a:rPr lang="zh-CN" altLang="en-US" dirty="0">
+                <a:latin typeface="微软雅黑" panose="020B0503020204020204" pitchFamily="34" charset="-122"/>
+                <a:ea typeface="微软雅黑" panose="020B0503020204020204" pitchFamily="34" charset="-122"/>
+              </a:rPr>
+              <a:t>正文：</a:t>
+            </a:r>
+            <a:r>
+              <a:rPr lang="en-US" altLang="zh-CN" dirty="0">
+                <a:latin typeface="微软雅黑" panose="020B0503020204020204" pitchFamily="34" charset="-122"/>
+                <a:ea typeface="微软雅黑" panose="020B0503020204020204" pitchFamily="34" charset="-122"/>
+              </a:rPr>
+              <a:t>T</a:t>
+            </a:r>
+            <a:endParaRPr lang="zh-CN" altLang="en-US" dirty="0">
+              <a:latin typeface="微软雅黑" panose="020B0503020204020204" pitchFamily="34" charset="-122"/>
+              <a:ea typeface="微软雅黑" panose="020B0503020204020204" pitchFamily="34" charset="-122"/>
+            </a:endParaRPr>
+          </a:p>
+        </p:txBody>
+      </p:sp>
+      <p:sp>
+        <p:nvSpPr>
+          <p:cNvPr id="20" name="矩形 19">
+            <a:extLst>
+              <a:ext uri="{FF2B5EF4-FFF2-40B4-BE49-F238E27FC236}">
+                <a16:creationId xmlns:a16="http://schemas.microsoft.com/office/drawing/2014/main" id="{5AC42975-C614-4B0C-8543-953EF14DB6EE}"/>
+              </a:ext>
+            </a:extLst>
+          </p:cNvPr>
+          <p:cNvSpPr/>
+          <p:nvPr/>
+        </p:nvSpPr>
+        <p:spPr>
+          <a:xfrm>
+            <a:off x="1238838" y="1667406"/>
+            <a:ext cx="1081377" cy="393589"/>
+          </a:xfrm>
+          <a:prstGeom prst="rect">
+            <a:avLst/>
+          </a:prstGeom>
+        </p:spPr>
+        <p:style>
+          <a:lnRef idx="2">
+            <a:schemeClr val="accent6">
+              <a:shade val="50000"/>
+            </a:schemeClr>
+          </a:lnRef>
+          <a:fillRef idx="1">
+            <a:schemeClr val="accent6"/>
+          </a:fillRef>
+          <a:effectRef idx="0">
+            <a:schemeClr val="accent6"/>
+          </a:effectRef>
+          <a:fontRef idx="minor">
+            <a:schemeClr val="lt1"/>
+          </a:fontRef>
+        </p:style>
+        <p:txBody>
+          <a:bodyPr rtlCol="0" anchor="ctr"/>
+          <a:lstStyle/>
+          <a:p>
+            <a:pPr algn="ctr"/>
+            <a:r>
+              <a:rPr lang="zh-CN" altLang="en-US" dirty="0">
+                <a:latin typeface="微软雅黑" panose="020B0503020204020204" pitchFamily="34" charset="-122"/>
+                <a:ea typeface="微软雅黑" panose="020B0503020204020204" pitchFamily="34" charset="-122"/>
+              </a:rPr>
+              <a:t>模式：</a:t>
+            </a:r>
+            <a:r>
+              <a:rPr lang="en-US" altLang="zh-CN" dirty="0">
+                <a:latin typeface="微软雅黑" panose="020B0503020204020204" pitchFamily="34" charset="-122"/>
+                <a:ea typeface="微软雅黑" panose="020B0503020204020204" pitchFamily="34" charset="-122"/>
+              </a:rPr>
+              <a:t>P</a:t>
+            </a:r>
+            <a:endParaRPr lang="zh-CN" altLang="en-US" dirty="0">
+              <a:latin typeface="微软雅黑" panose="020B0503020204020204" pitchFamily="34" charset="-122"/>
+              <a:ea typeface="微软雅黑" panose="020B0503020204020204" pitchFamily="34" charset="-122"/>
+            </a:endParaRPr>
+          </a:p>
+        </p:txBody>
+      </p:sp>
     </p:spTree>
     <p:extLst>
       <p:ext uri="{BB962C8B-B14F-4D97-AF65-F5344CB8AC3E}">
